--- a/B10202127_HW1.pptx
+++ b/B10202127_HW1.pptx
@@ -1,47 +1,48 @@
 
 <file path=ppt/presentation.xml><?xml version="1.0" encoding="utf-8"?>
-<p:presentation xmlns:a="http://schemas.openxmlformats.org/drawingml/2006/main" xmlns:r="http://schemas.openxmlformats.org/officeDocument/2006/relationships" xmlns:mc="http://schemas.openxmlformats.org/markup-compatibility/2006" xmlns:mv="urn:schemas-microsoft-com:mac:vml" xmlns:p="http://schemas.openxmlformats.org/presentationml/2006/main" xmlns:c="http://schemas.openxmlformats.org/drawingml/2006/chart" xmlns:dgm="http://schemas.openxmlformats.org/drawingml/2006/diagram" xmlns:o="urn:schemas-microsoft-com:office:office" xmlns:v="urn:schemas-microsoft-com:vml" xmlns:pvml="urn:schemas-microsoft-com:office:powerpoint" xmlns:com="http://schemas.openxmlformats.org/drawingml/2006/compatibility" xmlns:p14="http://schemas.microsoft.com/office/powerpoint/2010/main" autoCompressPictures="0" embedTrueTypeFonts="1" strictFirstAndLastChars="0" saveSubsetFonts="1">
+<p:presentation xmlns:a="http://schemas.openxmlformats.org/drawingml/2006/main" xmlns:r="http://schemas.openxmlformats.org/officeDocument/2006/relationships" xmlns:p="http://schemas.openxmlformats.org/presentationml/2006/main" strictFirstAndLastChars="0" embedTrueTypeFonts="1" saveSubsetFonts="1" autoCompressPictures="0">
   <p:sldMasterIdLst>
-    <p:sldMasterId id="2147483659" r:id="rId3"/>
+    <p:sldMasterId id="2147483659" r:id="rId1"/>
   </p:sldMasterIdLst>
   <p:notesMasterIdLst>
-    <p:notesMasterId r:id="rId4"/>
+    <p:notesMasterId r:id="rId11"/>
   </p:notesMasterIdLst>
   <p:sldIdLst>
-    <p:sldId id="256" r:id="rId5"/>
-    <p:sldId id="257" r:id="rId6"/>
-    <p:sldId id="258" r:id="rId7"/>
-    <p:sldId id="259" r:id="rId8"/>
-    <p:sldId id="260" r:id="rId9"/>
-    <p:sldId id="261" r:id="rId10"/>
-    <p:sldId id="262" r:id="rId11"/>
-    <p:sldId id="263" r:id="rId12"/>
+    <p:sldId id="256" r:id="rId2"/>
+    <p:sldId id="257" r:id="rId3"/>
+    <p:sldId id="258" r:id="rId4"/>
+    <p:sldId id="259" r:id="rId5"/>
+    <p:sldId id="260" r:id="rId6"/>
+    <p:sldId id="261" r:id="rId7"/>
+    <p:sldId id="262" r:id="rId8"/>
+    <p:sldId id="263" r:id="rId9"/>
+    <p:sldId id="264" r:id="rId10"/>
   </p:sldIdLst>
-  <p:sldSz cy="5143500" cx="9144000"/>
+  <p:sldSz cx="9144000" cy="5143500" type="screen16x9"/>
   <p:notesSz cx="6858000" cy="9144000"/>
   <p:embeddedFontLst>
     <p:embeddedFont>
-      <p:font typeface="Roboto Slab"/>
-      <p:regular r:id="rId13"/>
-      <p:bold r:id="rId14"/>
+      <p:font typeface="Source Sans Pro" panose="02020500000000000000" charset="0"/>
+      <p:regular r:id="rId12"/>
+      <p:bold r:id="rId13"/>
+      <p:italic r:id="rId14"/>
+      <p:boldItalic r:id="rId15"/>
     </p:embeddedFont>
     <p:embeddedFont>
-      <p:font typeface="Roboto"/>
-      <p:regular r:id="rId15"/>
-      <p:bold r:id="rId16"/>
-      <p:italic r:id="rId17"/>
-      <p:boldItalic r:id="rId18"/>
+      <p:font typeface="Roboto" panose="02020500000000000000" charset="0"/>
+      <p:regular r:id="rId16"/>
+      <p:bold r:id="rId17"/>
+      <p:italic r:id="rId18"/>
+      <p:boldItalic r:id="rId19"/>
     </p:embeddedFont>
     <p:embeddedFont>
-      <p:font typeface="Source Sans Pro"/>
-      <p:regular r:id="rId19"/>
-      <p:bold r:id="rId20"/>
-      <p:italic r:id="rId21"/>
-      <p:boldItalic r:id="rId22"/>
+      <p:font typeface="Roboto Slab" panose="02020500000000000000" charset="0"/>
+      <p:regular r:id="rId20"/>
+      <p:bold r:id="rId21"/>
     </p:embeddedFont>
   </p:embeddedFontLst>
   <p:defaultTextStyle>
-    <a:defPPr lvl="0" marR="0" rtl="0" algn="l">
+    <a:defPPr marR="0" lvl="0" algn="l" rtl="0">
       <a:lnSpc>
         <a:spcPct val="100000"/>
       </a:lnSpc>
@@ -52,7 +53,7 @@
         <a:spcPts val="0"/>
       </a:spcAft>
     </a:defPPr>
-    <a:lvl1pPr lvl="0" marR="0" rtl="0" algn="l">
+    <a:lvl1pPr marR="0" lvl="0" algn="l" rtl="0">
       <a:lnSpc>
         <a:spcPct val="100000"/>
       </a:lnSpc>
@@ -63,7 +64,7 @@
         <a:spcPts val="0"/>
       </a:spcAft>
       <a:buNone/>
-      <a:defRPr b="0" i="0" sz="1400" u="none" cap="none" strike="noStrike">
+      <a:defRPr sz="1400" b="0" i="0" u="none" strike="noStrike" cap="none">
         <a:solidFill>
           <a:srgbClr val="000000"/>
         </a:solidFill>
@@ -73,7 +74,7 @@
         <a:sym typeface="Arial"/>
       </a:defRPr>
     </a:lvl1pPr>
-    <a:lvl2pPr lvl="1" marR="0" rtl="0" algn="l">
+    <a:lvl2pPr marR="0" lvl="1" algn="l" rtl="0">
       <a:lnSpc>
         <a:spcPct val="100000"/>
       </a:lnSpc>
@@ -84,7 +85,7 @@
         <a:spcPts val="0"/>
       </a:spcAft>
       <a:buNone/>
-      <a:defRPr b="0" i="0" sz="1400" u="none" cap="none" strike="noStrike">
+      <a:defRPr sz="1400" b="0" i="0" u="none" strike="noStrike" cap="none">
         <a:solidFill>
           <a:srgbClr val="000000"/>
         </a:solidFill>
@@ -94,7 +95,7 @@
         <a:sym typeface="Arial"/>
       </a:defRPr>
     </a:lvl2pPr>
-    <a:lvl3pPr lvl="2" marR="0" rtl="0" algn="l">
+    <a:lvl3pPr marR="0" lvl="2" algn="l" rtl="0">
       <a:lnSpc>
         <a:spcPct val="100000"/>
       </a:lnSpc>
@@ -105,7 +106,7 @@
         <a:spcPts val="0"/>
       </a:spcAft>
       <a:buNone/>
-      <a:defRPr b="0" i="0" sz="1400" u="none" cap="none" strike="noStrike">
+      <a:defRPr sz="1400" b="0" i="0" u="none" strike="noStrike" cap="none">
         <a:solidFill>
           <a:srgbClr val="000000"/>
         </a:solidFill>
@@ -115,7 +116,7 @@
         <a:sym typeface="Arial"/>
       </a:defRPr>
     </a:lvl3pPr>
-    <a:lvl4pPr lvl="3" marR="0" rtl="0" algn="l">
+    <a:lvl4pPr marR="0" lvl="3" algn="l" rtl="0">
       <a:lnSpc>
         <a:spcPct val="100000"/>
       </a:lnSpc>
@@ -126,7 +127,7 @@
         <a:spcPts val="0"/>
       </a:spcAft>
       <a:buNone/>
-      <a:defRPr b="0" i="0" sz="1400" u="none" cap="none" strike="noStrike">
+      <a:defRPr sz="1400" b="0" i="0" u="none" strike="noStrike" cap="none">
         <a:solidFill>
           <a:srgbClr val="000000"/>
         </a:solidFill>
@@ -136,7 +137,7 @@
         <a:sym typeface="Arial"/>
       </a:defRPr>
     </a:lvl4pPr>
-    <a:lvl5pPr lvl="4" marR="0" rtl="0" algn="l">
+    <a:lvl5pPr marR="0" lvl="4" algn="l" rtl="0">
       <a:lnSpc>
         <a:spcPct val="100000"/>
       </a:lnSpc>
@@ -147,7 +148,7 @@
         <a:spcPts val="0"/>
       </a:spcAft>
       <a:buNone/>
-      <a:defRPr b="0" i="0" sz="1400" u="none" cap="none" strike="noStrike">
+      <a:defRPr sz="1400" b="0" i="0" u="none" strike="noStrike" cap="none">
         <a:solidFill>
           <a:srgbClr val="000000"/>
         </a:solidFill>
@@ -157,7 +158,7 @@
         <a:sym typeface="Arial"/>
       </a:defRPr>
     </a:lvl5pPr>
-    <a:lvl6pPr lvl="5" marR="0" rtl="0" algn="l">
+    <a:lvl6pPr marR="0" lvl="5" algn="l" rtl="0">
       <a:lnSpc>
         <a:spcPct val="100000"/>
       </a:lnSpc>
@@ -168,7 +169,7 @@
         <a:spcPts val="0"/>
       </a:spcAft>
       <a:buNone/>
-      <a:defRPr b="0" i="0" sz="1400" u="none" cap="none" strike="noStrike">
+      <a:defRPr sz="1400" b="0" i="0" u="none" strike="noStrike" cap="none">
         <a:solidFill>
           <a:srgbClr val="000000"/>
         </a:solidFill>
@@ -178,7 +179,7 @@
         <a:sym typeface="Arial"/>
       </a:defRPr>
     </a:lvl6pPr>
-    <a:lvl7pPr lvl="6" marR="0" rtl="0" algn="l">
+    <a:lvl7pPr marR="0" lvl="6" algn="l" rtl="0">
       <a:lnSpc>
         <a:spcPct val="100000"/>
       </a:lnSpc>
@@ -189,7 +190,7 @@
         <a:spcPts val="0"/>
       </a:spcAft>
       <a:buNone/>
-      <a:defRPr b="0" i="0" sz="1400" u="none" cap="none" strike="noStrike">
+      <a:defRPr sz="1400" b="0" i="0" u="none" strike="noStrike" cap="none">
         <a:solidFill>
           <a:srgbClr val="000000"/>
         </a:solidFill>
@@ -199,7 +200,7 @@
         <a:sym typeface="Arial"/>
       </a:defRPr>
     </a:lvl7pPr>
-    <a:lvl8pPr lvl="7" marR="0" rtl="0" algn="l">
+    <a:lvl8pPr marR="0" lvl="7" algn="l" rtl="0">
       <a:lnSpc>
         <a:spcPct val="100000"/>
       </a:lnSpc>
@@ -210,7 +211,7 @@
         <a:spcPts val="0"/>
       </a:spcAft>
       <a:buNone/>
-      <a:defRPr b="0" i="0" sz="1400" u="none" cap="none" strike="noStrike">
+      <a:defRPr sz="1400" b="0" i="0" u="none" strike="noStrike" cap="none">
         <a:solidFill>
           <a:srgbClr val="000000"/>
         </a:solidFill>
@@ -220,7 +221,7 @@
         <a:sym typeface="Arial"/>
       </a:defRPr>
     </a:lvl8pPr>
-    <a:lvl9pPr lvl="8" marR="0" rtl="0" algn="l">
+    <a:lvl9pPr marR="0" lvl="8" algn="l" rtl="0">
       <a:lnSpc>
         <a:spcPct val="100000"/>
       </a:lnSpc>
@@ -231,7 +232,7 @@
         <a:spcPts val="0"/>
       </a:spcAft>
       <a:buNone/>
-      <a:defRPr b="0" i="0" sz="1400" u="none" cap="none" strike="noStrike">
+      <a:defRPr sz="1400" b="0" i="0" u="none" strike="noStrike" cap="none">
         <a:solidFill>
           <a:srgbClr val="000000"/>
         </a:solidFill>
@@ -246,11 +247,16 @@
 </file>
 
 <file path=ppt/notesMasters/notesMaster1.xml><?xml version="1.0" encoding="utf-8"?>
-<p:notesMaster xmlns:a="http://schemas.openxmlformats.org/drawingml/2006/main" xmlns:r="http://schemas.openxmlformats.org/officeDocument/2006/relationships" xmlns:mc="http://schemas.openxmlformats.org/markup-compatibility/2006" xmlns:mv="urn:schemas-microsoft-com:mac:vml" xmlns:p="http://schemas.openxmlformats.org/presentationml/2006/main" xmlns:c="http://schemas.openxmlformats.org/drawingml/2006/chart" xmlns:dgm="http://schemas.openxmlformats.org/drawingml/2006/diagram" xmlns:o="urn:schemas-microsoft-com:office:office" xmlns:v="urn:schemas-microsoft-com:vml" xmlns:pvml="urn:schemas-microsoft-com:office:powerpoint" xmlns:com="http://schemas.openxmlformats.org/drawingml/2006/compatibility" xmlns:p14="http://schemas.microsoft.com/office/powerpoint/2010/main">
+<p:notesMaster xmlns:a="http://schemas.openxmlformats.org/drawingml/2006/main" xmlns:r="http://schemas.openxmlformats.org/officeDocument/2006/relationships" xmlns:p="http://schemas.openxmlformats.org/presentationml/2006/main">
   <p:cSld>
+    <p:bg>
+      <p:bgRef idx="1001">
+        <a:schemeClr val="bg1"/>
+      </p:bgRef>
+    </p:bg>
     <p:spTree>
       <p:nvGrpSpPr>
-        <p:cNvPr id="2" name="Shape 2"/>
+        <p:cNvPr id="1" name="Shape 2"/>
         <p:cNvGrpSpPr/>
         <p:nvPr/>
       </p:nvGrpSpPr>
@@ -265,9 +271,11 @@
       <p:sp>
         <p:nvSpPr>
           <p:cNvPr id="3" name="Shape 3"/>
-          <p:cNvSpPr/>
+          <p:cNvSpPr>
+            <a:spLocks noGrp="1" noRot="1" noChangeAspect="1"/>
+          </p:cNvSpPr>
           <p:nvPr>
-            <p:ph idx="2" type="sldImg"/>
+            <p:ph type="sldImg" idx="2"/>
           </p:nvPr>
         </p:nvSpPr>
         <p:spPr>
@@ -276,8 +284,13 @@
             <a:ext cx="6096075" cy="3429000"/>
           </a:xfrm>
           <a:custGeom>
+            <a:avLst/>
+            <a:gdLst/>
+            <a:ahLst/>
+            <a:cxnLst/>
+            <a:rect l="0" t="0" r="0" b="0"/>
             <a:pathLst>
-              <a:path extrusionOk="0" h="120000" w="120000">
+              <a:path w="120000" h="120000" extrusionOk="0">
                 <a:moveTo>
                   <a:pt x="0" y="0"/>
                 </a:moveTo>
@@ -295,23 +308,25 @@
             </a:pathLst>
           </a:custGeom>
           <a:noFill/>
-          <a:ln cap="flat" cmpd="sng" w="9525">
+          <a:ln w="9525" cap="flat" cmpd="sng">
             <a:solidFill>
               <a:srgbClr val="000000"/>
             </a:solidFill>
             <a:prstDash val="solid"/>
             <a:round/>
-            <a:headEnd len="med" w="med" type="none"/>
-            <a:tailEnd len="med" w="med" type="none"/>
+            <a:headEnd type="none" w="med" len="med"/>
+            <a:tailEnd type="none" w="med" len="med"/>
           </a:ln>
         </p:spPr>
       </p:sp>
       <p:sp>
         <p:nvSpPr>
           <p:cNvPr id="4" name="Shape 4"/>
-          <p:cNvSpPr txBox="1"/>
+          <p:cNvSpPr txBox="1">
+            <a:spLocks noGrp="1"/>
+          </p:cNvSpPr>
           <p:nvPr>
-            <p:ph idx="1" type="body"/>
+            <p:ph type="body" idx="1"/>
           </p:nvPr>
         </p:nvSpPr>
         <p:spPr>
@@ -328,7 +343,7 @@
           </a:ln>
         </p:spPr>
         <p:txBody>
-          <a:bodyPr anchorCtr="0" anchor="t" bIns="91425" lIns="91425" rIns="91425" tIns="91425"/>
+          <a:bodyPr lIns="91425" tIns="91425" rIns="91425" bIns="91425" anchor="t" anchorCtr="0"/>
           <a:lstStyle>
             <a:lvl1pPr lvl="0">
               <a:spcBef>
@@ -385,21 +400,115 @@
               <a:defRPr sz="1100"/>
             </a:lvl9pPr>
           </a:lstStyle>
-          <a:p/>
+          <a:p>
+            <a:endParaRPr/>
+          </a:p>
         </p:txBody>
       </p:sp>
     </p:spTree>
   </p:cSld>
-  <p:clrMap accent1="accent1" accent2="accent2" accent3="accent3" accent4="accent4" accent5="accent5" accent6="accent6" bg1="lt1" bg2="dk2" tx1="dk1" tx2="lt2" folHlink="folHlink" hlink="hlink"/>
+  <p:clrMap bg1="lt1" tx1="dk1" bg2="dk2" tx2="lt2" accent1="accent1" accent2="accent2" accent3="accent3" accent4="accent4" accent5="accent5" accent6="accent6" hlink="hlink" folHlink="folHlink"/>
+  <p:notesStyle>
+    <a:lvl1pPr marL="0" algn="l" defTabSz="914400" rtl="0" eaLnBrk="1" latinLnBrk="0" hangingPunct="1">
+      <a:defRPr sz="1200" kern="1200">
+        <a:solidFill>
+          <a:schemeClr val="tx1"/>
+        </a:solidFill>
+        <a:latin typeface="+mn-lt"/>
+        <a:ea typeface="+mn-ea"/>
+        <a:cs typeface="+mn-cs"/>
+      </a:defRPr>
+    </a:lvl1pPr>
+    <a:lvl2pPr marL="457200" algn="l" defTabSz="914400" rtl="0" eaLnBrk="1" latinLnBrk="0" hangingPunct="1">
+      <a:defRPr sz="1200" kern="1200">
+        <a:solidFill>
+          <a:schemeClr val="tx1"/>
+        </a:solidFill>
+        <a:latin typeface="+mn-lt"/>
+        <a:ea typeface="+mn-ea"/>
+        <a:cs typeface="+mn-cs"/>
+      </a:defRPr>
+    </a:lvl2pPr>
+    <a:lvl3pPr marL="914400" algn="l" defTabSz="914400" rtl="0" eaLnBrk="1" latinLnBrk="0" hangingPunct="1">
+      <a:defRPr sz="1200" kern="1200">
+        <a:solidFill>
+          <a:schemeClr val="tx1"/>
+        </a:solidFill>
+        <a:latin typeface="+mn-lt"/>
+        <a:ea typeface="+mn-ea"/>
+        <a:cs typeface="+mn-cs"/>
+      </a:defRPr>
+    </a:lvl3pPr>
+    <a:lvl4pPr marL="1371600" algn="l" defTabSz="914400" rtl="0" eaLnBrk="1" latinLnBrk="0" hangingPunct="1">
+      <a:defRPr sz="1200" kern="1200">
+        <a:solidFill>
+          <a:schemeClr val="tx1"/>
+        </a:solidFill>
+        <a:latin typeface="+mn-lt"/>
+        <a:ea typeface="+mn-ea"/>
+        <a:cs typeface="+mn-cs"/>
+      </a:defRPr>
+    </a:lvl4pPr>
+    <a:lvl5pPr marL="1828800" algn="l" defTabSz="914400" rtl="0" eaLnBrk="1" latinLnBrk="0" hangingPunct="1">
+      <a:defRPr sz="1200" kern="1200">
+        <a:solidFill>
+          <a:schemeClr val="tx1"/>
+        </a:solidFill>
+        <a:latin typeface="+mn-lt"/>
+        <a:ea typeface="+mn-ea"/>
+        <a:cs typeface="+mn-cs"/>
+      </a:defRPr>
+    </a:lvl5pPr>
+    <a:lvl6pPr marL="2286000" algn="l" defTabSz="914400" rtl="0" eaLnBrk="1" latinLnBrk="0" hangingPunct="1">
+      <a:defRPr sz="1200" kern="1200">
+        <a:solidFill>
+          <a:schemeClr val="tx1"/>
+        </a:solidFill>
+        <a:latin typeface="+mn-lt"/>
+        <a:ea typeface="+mn-ea"/>
+        <a:cs typeface="+mn-cs"/>
+      </a:defRPr>
+    </a:lvl6pPr>
+    <a:lvl7pPr marL="2743200" algn="l" defTabSz="914400" rtl="0" eaLnBrk="1" latinLnBrk="0" hangingPunct="1">
+      <a:defRPr sz="1200" kern="1200">
+        <a:solidFill>
+          <a:schemeClr val="tx1"/>
+        </a:solidFill>
+        <a:latin typeface="+mn-lt"/>
+        <a:ea typeface="+mn-ea"/>
+        <a:cs typeface="+mn-cs"/>
+      </a:defRPr>
+    </a:lvl7pPr>
+    <a:lvl8pPr marL="3200400" algn="l" defTabSz="914400" rtl="0" eaLnBrk="1" latinLnBrk="0" hangingPunct="1">
+      <a:defRPr sz="1200" kern="1200">
+        <a:solidFill>
+          <a:schemeClr val="tx1"/>
+        </a:solidFill>
+        <a:latin typeface="+mn-lt"/>
+        <a:ea typeface="+mn-ea"/>
+        <a:cs typeface="+mn-cs"/>
+      </a:defRPr>
+    </a:lvl8pPr>
+    <a:lvl9pPr marL="3657600" algn="l" defTabSz="914400" rtl="0" eaLnBrk="1" latinLnBrk="0" hangingPunct="1">
+      <a:defRPr sz="1200" kern="1200">
+        <a:solidFill>
+          <a:schemeClr val="tx1"/>
+        </a:solidFill>
+        <a:latin typeface="+mn-lt"/>
+        <a:ea typeface="+mn-ea"/>
+        <a:cs typeface="+mn-cs"/>
+      </a:defRPr>
+    </a:lvl9pPr>
+  </p:notesStyle>
 </p:notesMaster>
 </file>
 
 <file path=ppt/notesSlides/notesSlide1.xml><?xml version="1.0" encoding="utf-8"?>
-<p:notes xmlns:a="http://schemas.openxmlformats.org/drawingml/2006/main" xmlns:r="http://schemas.openxmlformats.org/officeDocument/2006/relationships" xmlns:mc="http://schemas.openxmlformats.org/markup-compatibility/2006" xmlns:mv="urn:schemas-microsoft-com:mac:vml" xmlns:p="http://schemas.openxmlformats.org/presentationml/2006/main" xmlns:c="http://schemas.openxmlformats.org/drawingml/2006/chart" xmlns:dgm="http://schemas.openxmlformats.org/drawingml/2006/diagram" xmlns:o="urn:schemas-microsoft-com:office:office" xmlns:v="urn:schemas-microsoft-com:vml" xmlns:pvml="urn:schemas-microsoft-com:office:powerpoint" xmlns:com="http://schemas.openxmlformats.org/drawingml/2006/compatibility" xmlns:p14="http://schemas.microsoft.com/office/powerpoint/2010/main" showMasterPhAnim="0" showMasterSp="0">
+<p:notes xmlns:a="http://schemas.openxmlformats.org/drawingml/2006/main" xmlns:r="http://schemas.openxmlformats.org/officeDocument/2006/relationships" xmlns:p="http://schemas.openxmlformats.org/presentationml/2006/main" showMasterSp="0" showMasterPhAnim="0">
   <p:cSld>
     <p:spTree>
       <p:nvGrpSpPr>
-        <p:cNvPr id="72" name="Shape 72"/>
+        <p:cNvPr id="1" name="Shape 72"/>
         <p:cNvGrpSpPr/>
         <p:nvPr/>
       </p:nvGrpSpPr>
@@ -414,19 +523,26 @@
       <p:sp>
         <p:nvSpPr>
           <p:cNvPr id="73" name="Shape 73"/>
-          <p:cNvSpPr/>
+          <p:cNvSpPr>
+            <a:spLocks noGrp="1" noRot="1" noChangeAspect="1"/>
+          </p:cNvSpPr>
           <p:nvPr>
-            <p:ph idx="2" type="sldImg"/>
+            <p:ph type="sldImg" idx="2"/>
           </p:nvPr>
         </p:nvSpPr>
         <p:spPr>
           <a:xfrm>
-            <a:off x="381300" y="685800"/>
-            <a:ext cx="6096075" cy="3429000"/>
+            <a:off x="381000" y="685800"/>
+            <a:ext cx="6096000" cy="3429000"/>
           </a:xfrm>
           <a:custGeom>
+            <a:avLst/>
+            <a:gdLst/>
+            <a:ahLst/>
+            <a:cxnLst/>
+            <a:rect l="0" t="0" r="0" b="0"/>
             <a:pathLst>
-              <a:path extrusionOk="0" h="120000" w="120000">
+              <a:path w="120000" h="120000" extrusionOk="0">
                 <a:moveTo>
                   <a:pt x="0" y="0"/>
                 </a:moveTo>
@@ -448,9 +564,11 @@
       <p:sp>
         <p:nvSpPr>
           <p:cNvPr id="74" name="Shape 74"/>
-          <p:cNvSpPr txBox="1"/>
+          <p:cNvSpPr txBox="1">
+            <a:spLocks noGrp="1"/>
+          </p:cNvSpPr>
           <p:nvPr>
-            <p:ph idx="1" type="body"/>
+            <p:ph type="body" idx="1"/>
           </p:nvPr>
         </p:nvSpPr>
         <p:spPr>
@@ -463,7 +581,7 @@
           </a:prstGeom>
         </p:spPr>
         <p:txBody>
-          <a:bodyPr anchorCtr="0" anchor="t" bIns="91425" lIns="91425" rIns="91425" tIns="91425">
+          <a:bodyPr lIns="91425" tIns="91425" rIns="91425" bIns="91425" anchor="t" anchorCtr="0">
             <a:noAutofit/>
           </a:bodyPr>
           <a:lstStyle/>
@@ -474,9 +592,6 @@
               </a:spcBef>
               <a:buNone/>
             </a:pPr>
-            <a:r>
-              <a:t/>
-            </a:r>
             <a:endParaRPr/>
           </a:p>
         </p:txBody>
@@ -490,11 +605,11 @@
 </file>
 
 <file path=ppt/notesSlides/notesSlide2.xml><?xml version="1.0" encoding="utf-8"?>
-<p:notes xmlns:a="http://schemas.openxmlformats.org/drawingml/2006/main" xmlns:r="http://schemas.openxmlformats.org/officeDocument/2006/relationships" xmlns:mc="http://schemas.openxmlformats.org/markup-compatibility/2006" xmlns:mv="urn:schemas-microsoft-com:mac:vml" xmlns:p="http://schemas.openxmlformats.org/presentationml/2006/main" xmlns:c="http://schemas.openxmlformats.org/drawingml/2006/chart" xmlns:dgm="http://schemas.openxmlformats.org/drawingml/2006/diagram" xmlns:o="urn:schemas-microsoft-com:office:office" xmlns:v="urn:schemas-microsoft-com:vml" xmlns:pvml="urn:schemas-microsoft-com:office:powerpoint" xmlns:com="http://schemas.openxmlformats.org/drawingml/2006/compatibility" xmlns:p14="http://schemas.microsoft.com/office/powerpoint/2010/main" showMasterPhAnim="0" showMasterSp="0">
+<p:notes xmlns:a="http://schemas.openxmlformats.org/drawingml/2006/main" xmlns:r="http://schemas.openxmlformats.org/officeDocument/2006/relationships" xmlns:p="http://schemas.openxmlformats.org/presentationml/2006/main" showMasterSp="0" showMasterPhAnim="0">
   <p:cSld>
     <p:spTree>
       <p:nvGrpSpPr>
-        <p:cNvPr id="80" name="Shape 80"/>
+        <p:cNvPr id="1" name="Shape 80"/>
         <p:cNvGrpSpPr/>
         <p:nvPr/>
       </p:nvGrpSpPr>
@@ -509,19 +624,26 @@
       <p:sp>
         <p:nvSpPr>
           <p:cNvPr id="81" name="Shape 81"/>
-          <p:cNvSpPr/>
+          <p:cNvSpPr>
+            <a:spLocks noGrp="1" noRot="1" noChangeAspect="1"/>
+          </p:cNvSpPr>
           <p:nvPr>
-            <p:ph idx="2" type="sldImg"/>
+            <p:ph type="sldImg" idx="2"/>
           </p:nvPr>
         </p:nvSpPr>
         <p:spPr>
           <a:xfrm>
-            <a:off x="381300" y="685800"/>
+            <a:off x="381000" y="685800"/>
             <a:ext cx="6096000" cy="3429000"/>
           </a:xfrm>
           <a:custGeom>
+            <a:avLst/>
+            <a:gdLst/>
+            <a:ahLst/>
+            <a:cxnLst/>
+            <a:rect l="0" t="0" r="0" b="0"/>
             <a:pathLst>
-              <a:path extrusionOk="0" h="120000" w="120000">
+              <a:path w="120000" h="120000" extrusionOk="0">
                 <a:moveTo>
                   <a:pt x="0" y="0"/>
                 </a:moveTo>
@@ -543,9 +665,11 @@
       <p:sp>
         <p:nvSpPr>
           <p:cNvPr id="82" name="Shape 82"/>
-          <p:cNvSpPr txBox="1"/>
+          <p:cNvSpPr txBox="1">
+            <a:spLocks noGrp="1"/>
+          </p:cNvSpPr>
           <p:nvPr>
-            <p:ph idx="1" type="body"/>
+            <p:ph type="body" idx="1"/>
           </p:nvPr>
         </p:nvSpPr>
         <p:spPr>
@@ -558,7 +682,7 @@
           </a:prstGeom>
         </p:spPr>
         <p:txBody>
-          <a:bodyPr anchorCtr="0" anchor="t" bIns="91425" lIns="91425" rIns="91425" tIns="91425">
+          <a:bodyPr lIns="91425" tIns="91425" rIns="91425" bIns="91425" anchor="t" anchorCtr="0">
             <a:noAutofit/>
           </a:bodyPr>
           <a:lstStyle/>
@@ -569,9 +693,6 @@
               </a:spcBef>
               <a:buNone/>
             </a:pPr>
-            <a:r>
-              <a:t/>
-            </a:r>
             <a:endParaRPr/>
           </a:p>
         </p:txBody>
@@ -585,11 +706,11 @@
 </file>
 
 <file path=ppt/notesSlides/notesSlide3.xml><?xml version="1.0" encoding="utf-8"?>
-<p:notes xmlns:a="http://schemas.openxmlformats.org/drawingml/2006/main" xmlns:r="http://schemas.openxmlformats.org/officeDocument/2006/relationships" xmlns:mc="http://schemas.openxmlformats.org/markup-compatibility/2006" xmlns:mv="urn:schemas-microsoft-com:mac:vml" xmlns:p="http://schemas.openxmlformats.org/presentationml/2006/main" xmlns:c="http://schemas.openxmlformats.org/drawingml/2006/chart" xmlns:dgm="http://schemas.openxmlformats.org/drawingml/2006/diagram" xmlns:o="urn:schemas-microsoft-com:office:office" xmlns:v="urn:schemas-microsoft-com:vml" xmlns:pvml="urn:schemas-microsoft-com:office:powerpoint" xmlns:com="http://schemas.openxmlformats.org/drawingml/2006/compatibility" xmlns:p14="http://schemas.microsoft.com/office/powerpoint/2010/main" showMasterPhAnim="0" showMasterSp="0">
+<p:notes xmlns:a="http://schemas.openxmlformats.org/drawingml/2006/main" xmlns:r="http://schemas.openxmlformats.org/officeDocument/2006/relationships" xmlns:p="http://schemas.openxmlformats.org/presentationml/2006/main" showMasterSp="0" showMasterPhAnim="0">
   <p:cSld>
     <p:spTree>
       <p:nvGrpSpPr>
-        <p:cNvPr id="87" name="Shape 87"/>
+        <p:cNvPr id="1" name="Shape 87"/>
         <p:cNvGrpSpPr/>
         <p:nvPr/>
       </p:nvGrpSpPr>
@@ -604,19 +725,26 @@
       <p:sp>
         <p:nvSpPr>
           <p:cNvPr id="88" name="Shape 88"/>
-          <p:cNvSpPr/>
+          <p:cNvSpPr>
+            <a:spLocks noGrp="1" noRot="1" noChangeAspect="1"/>
+          </p:cNvSpPr>
           <p:nvPr>
-            <p:ph idx="2" type="sldImg"/>
+            <p:ph type="sldImg" idx="2"/>
           </p:nvPr>
         </p:nvSpPr>
         <p:spPr>
           <a:xfrm>
-            <a:off x="381300" y="685800"/>
+            <a:off x="381000" y="685800"/>
             <a:ext cx="6096000" cy="3429000"/>
           </a:xfrm>
           <a:custGeom>
+            <a:avLst/>
+            <a:gdLst/>
+            <a:ahLst/>
+            <a:cxnLst/>
+            <a:rect l="0" t="0" r="0" b="0"/>
             <a:pathLst>
-              <a:path extrusionOk="0" h="120000" w="120000">
+              <a:path w="120000" h="120000" extrusionOk="0">
                 <a:moveTo>
                   <a:pt x="0" y="0"/>
                 </a:moveTo>
@@ -638,9 +766,11 @@
       <p:sp>
         <p:nvSpPr>
           <p:cNvPr id="89" name="Shape 89"/>
-          <p:cNvSpPr txBox="1"/>
+          <p:cNvSpPr txBox="1">
+            <a:spLocks noGrp="1"/>
+          </p:cNvSpPr>
           <p:nvPr>
-            <p:ph idx="1" type="body"/>
+            <p:ph type="body" idx="1"/>
           </p:nvPr>
         </p:nvSpPr>
         <p:spPr>
@@ -653,7 +783,7 @@
           </a:prstGeom>
         </p:spPr>
         <p:txBody>
-          <a:bodyPr anchorCtr="0" anchor="t" bIns="91425" lIns="91425" rIns="91425" tIns="91425">
+          <a:bodyPr lIns="91425" tIns="91425" rIns="91425" bIns="91425" anchor="t" anchorCtr="0">
             <a:noAutofit/>
           </a:bodyPr>
           <a:lstStyle/>
@@ -664,9 +794,6 @@
               </a:spcBef>
               <a:buNone/>
             </a:pPr>
-            <a:r>
-              <a:t/>
-            </a:r>
             <a:endParaRPr/>
           </a:p>
         </p:txBody>
@@ -680,11 +807,11 @@
 </file>
 
 <file path=ppt/notesSlides/notesSlide4.xml><?xml version="1.0" encoding="utf-8"?>
-<p:notes xmlns:a="http://schemas.openxmlformats.org/drawingml/2006/main" xmlns:r="http://schemas.openxmlformats.org/officeDocument/2006/relationships" xmlns:mc="http://schemas.openxmlformats.org/markup-compatibility/2006" xmlns:mv="urn:schemas-microsoft-com:mac:vml" xmlns:p="http://schemas.openxmlformats.org/presentationml/2006/main" xmlns:c="http://schemas.openxmlformats.org/drawingml/2006/chart" xmlns:dgm="http://schemas.openxmlformats.org/drawingml/2006/diagram" xmlns:o="urn:schemas-microsoft-com:office:office" xmlns:v="urn:schemas-microsoft-com:vml" xmlns:pvml="urn:schemas-microsoft-com:office:powerpoint" xmlns:com="http://schemas.openxmlformats.org/drawingml/2006/compatibility" xmlns:p14="http://schemas.microsoft.com/office/powerpoint/2010/main" showMasterPhAnim="0" showMasterSp="0">
+<p:notes xmlns:a="http://schemas.openxmlformats.org/drawingml/2006/main" xmlns:r="http://schemas.openxmlformats.org/officeDocument/2006/relationships" xmlns:p="http://schemas.openxmlformats.org/presentationml/2006/main" showMasterSp="0" showMasterPhAnim="0">
   <p:cSld>
     <p:spTree>
       <p:nvGrpSpPr>
-        <p:cNvPr id="94" name="Shape 94"/>
+        <p:cNvPr id="1" name="Shape 94"/>
         <p:cNvGrpSpPr/>
         <p:nvPr/>
       </p:nvGrpSpPr>
@@ -699,19 +826,26 @@
       <p:sp>
         <p:nvSpPr>
           <p:cNvPr id="95" name="Shape 95"/>
-          <p:cNvSpPr/>
+          <p:cNvSpPr>
+            <a:spLocks noGrp="1" noRot="1" noChangeAspect="1"/>
+          </p:cNvSpPr>
           <p:nvPr>
-            <p:ph idx="2" type="sldImg"/>
+            <p:ph type="sldImg" idx="2"/>
           </p:nvPr>
         </p:nvSpPr>
         <p:spPr>
           <a:xfrm>
-            <a:off x="381300" y="685800"/>
+            <a:off x="381000" y="685800"/>
             <a:ext cx="6096000" cy="3429000"/>
           </a:xfrm>
           <a:custGeom>
+            <a:avLst/>
+            <a:gdLst/>
+            <a:ahLst/>
+            <a:cxnLst/>
+            <a:rect l="0" t="0" r="0" b="0"/>
             <a:pathLst>
-              <a:path extrusionOk="0" h="120000" w="120000">
+              <a:path w="120000" h="120000" extrusionOk="0">
                 <a:moveTo>
                   <a:pt x="0" y="0"/>
                 </a:moveTo>
@@ -733,9 +867,11 @@
       <p:sp>
         <p:nvSpPr>
           <p:cNvPr id="96" name="Shape 96"/>
-          <p:cNvSpPr txBox="1"/>
+          <p:cNvSpPr txBox="1">
+            <a:spLocks noGrp="1"/>
+          </p:cNvSpPr>
           <p:nvPr>
-            <p:ph idx="1" type="body"/>
+            <p:ph type="body" idx="1"/>
           </p:nvPr>
         </p:nvSpPr>
         <p:spPr>
@@ -748,7 +884,7 @@
           </a:prstGeom>
         </p:spPr>
         <p:txBody>
-          <a:bodyPr anchorCtr="0" anchor="t" bIns="91425" lIns="91425" rIns="91425" tIns="91425">
+          <a:bodyPr lIns="91425" tIns="91425" rIns="91425" bIns="91425" anchor="t" anchorCtr="0">
             <a:noAutofit/>
           </a:bodyPr>
           <a:lstStyle/>
@@ -759,9 +895,6 @@
               </a:spcBef>
               <a:buNone/>
             </a:pPr>
-            <a:r>
-              <a:t/>
-            </a:r>
             <a:endParaRPr/>
           </a:p>
         </p:txBody>
@@ -775,11 +908,11 @@
 </file>
 
 <file path=ppt/notesSlides/notesSlide5.xml><?xml version="1.0" encoding="utf-8"?>
-<p:notes xmlns:a="http://schemas.openxmlformats.org/drawingml/2006/main" xmlns:r="http://schemas.openxmlformats.org/officeDocument/2006/relationships" xmlns:mc="http://schemas.openxmlformats.org/markup-compatibility/2006" xmlns:mv="urn:schemas-microsoft-com:mac:vml" xmlns:p="http://schemas.openxmlformats.org/presentationml/2006/main" xmlns:c="http://schemas.openxmlformats.org/drawingml/2006/chart" xmlns:dgm="http://schemas.openxmlformats.org/drawingml/2006/diagram" xmlns:o="urn:schemas-microsoft-com:office:office" xmlns:v="urn:schemas-microsoft-com:vml" xmlns:pvml="urn:schemas-microsoft-com:office:powerpoint" xmlns:com="http://schemas.openxmlformats.org/drawingml/2006/compatibility" xmlns:p14="http://schemas.microsoft.com/office/powerpoint/2010/main" showMasterPhAnim="0" showMasterSp="0">
+<p:notes xmlns:a="http://schemas.openxmlformats.org/drawingml/2006/main" xmlns:r="http://schemas.openxmlformats.org/officeDocument/2006/relationships" xmlns:p="http://schemas.openxmlformats.org/presentationml/2006/main" showMasterSp="0" showMasterPhAnim="0">
   <p:cSld>
     <p:spTree>
       <p:nvGrpSpPr>
-        <p:cNvPr id="103" name="Shape 103"/>
+        <p:cNvPr id="1" name="Shape 103"/>
         <p:cNvGrpSpPr/>
         <p:nvPr/>
       </p:nvGrpSpPr>
@@ -794,19 +927,26 @@
       <p:sp>
         <p:nvSpPr>
           <p:cNvPr id="104" name="Shape 104"/>
-          <p:cNvSpPr/>
+          <p:cNvSpPr>
+            <a:spLocks noGrp="1" noRot="1" noChangeAspect="1"/>
+          </p:cNvSpPr>
           <p:nvPr>
-            <p:ph idx="2" type="sldImg"/>
+            <p:ph type="sldImg" idx="2"/>
           </p:nvPr>
         </p:nvSpPr>
         <p:spPr>
           <a:xfrm>
-            <a:off x="381300" y="685800"/>
+            <a:off x="381000" y="685800"/>
             <a:ext cx="6096000" cy="3429000"/>
           </a:xfrm>
           <a:custGeom>
+            <a:avLst/>
+            <a:gdLst/>
+            <a:ahLst/>
+            <a:cxnLst/>
+            <a:rect l="0" t="0" r="0" b="0"/>
             <a:pathLst>
-              <a:path extrusionOk="0" h="120000" w="120000">
+              <a:path w="120000" h="120000" extrusionOk="0">
                 <a:moveTo>
                   <a:pt x="0" y="0"/>
                 </a:moveTo>
@@ -828,9 +968,11 @@
       <p:sp>
         <p:nvSpPr>
           <p:cNvPr id="105" name="Shape 105"/>
-          <p:cNvSpPr txBox="1"/>
+          <p:cNvSpPr txBox="1">
+            <a:spLocks noGrp="1"/>
+          </p:cNvSpPr>
           <p:nvPr>
-            <p:ph idx="1" type="body"/>
+            <p:ph type="body" idx="1"/>
           </p:nvPr>
         </p:nvSpPr>
         <p:spPr>
@@ -843,7 +985,7 @@
           </a:prstGeom>
         </p:spPr>
         <p:txBody>
-          <a:bodyPr anchorCtr="0" anchor="t" bIns="91425" lIns="91425" rIns="91425" tIns="91425">
+          <a:bodyPr lIns="91425" tIns="91425" rIns="91425" bIns="91425" anchor="t" anchorCtr="0">
             <a:noAutofit/>
           </a:bodyPr>
           <a:lstStyle/>
@@ -854,9 +996,6 @@
               </a:spcBef>
               <a:buNone/>
             </a:pPr>
-            <a:r>
-              <a:t/>
-            </a:r>
             <a:endParaRPr/>
           </a:p>
         </p:txBody>
@@ -870,11 +1009,11 @@
 </file>
 
 <file path=ppt/notesSlides/notesSlide6.xml><?xml version="1.0" encoding="utf-8"?>
-<p:notes xmlns:a="http://schemas.openxmlformats.org/drawingml/2006/main" xmlns:r="http://schemas.openxmlformats.org/officeDocument/2006/relationships" xmlns:mc="http://schemas.openxmlformats.org/markup-compatibility/2006" xmlns:mv="urn:schemas-microsoft-com:mac:vml" xmlns:p="http://schemas.openxmlformats.org/presentationml/2006/main" xmlns:c="http://schemas.openxmlformats.org/drawingml/2006/chart" xmlns:dgm="http://schemas.openxmlformats.org/drawingml/2006/diagram" xmlns:o="urn:schemas-microsoft-com:office:office" xmlns:v="urn:schemas-microsoft-com:vml" xmlns:pvml="urn:schemas-microsoft-com:office:powerpoint" xmlns:com="http://schemas.openxmlformats.org/drawingml/2006/compatibility" xmlns:p14="http://schemas.microsoft.com/office/powerpoint/2010/main" showMasterPhAnim="0" showMasterSp="0">
+<p:notes xmlns:a="http://schemas.openxmlformats.org/drawingml/2006/main" xmlns:r="http://schemas.openxmlformats.org/officeDocument/2006/relationships" xmlns:p="http://schemas.openxmlformats.org/presentationml/2006/main" showMasterSp="0" showMasterPhAnim="0">
   <p:cSld>
     <p:spTree>
       <p:nvGrpSpPr>
-        <p:cNvPr id="115" name="Shape 115"/>
+        <p:cNvPr id="1" name="Shape 115"/>
         <p:cNvGrpSpPr/>
         <p:nvPr/>
       </p:nvGrpSpPr>
@@ -889,19 +1028,26 @@
       <p:sp>
         <p:nvSpPr>
           <p:cNvPr id="116" name="Shape 116"/>
-          <p:cNvSpPr/>
+          <p:cNvSpPr>
+            <a:spLocks noGrp="1" noRot="1" noChangeAspect="1"/>
+          </p:cNvSpPr>
           <p:nvPr>
-            <p:ph idx="2" type="sldImg"/>
+            <p:ph type="sldImg" idx="2"/>
           </p:nvPr>
         </p:nvSpPr>
         <p:spPr>
           <a:xfrm>
-            <a:off x="381300" y="685800"/>
+            <a:off x="381000" y="685800"/>
             <a:ext cx="6096000" cy="3429000"/>
           </a:xfrm>
           <a:custGeom>
+            <a:avLst/>
+            <a:gdLst/>
+            <a:ahLst/>
+            <a:cxnLst/>
+            <a:rect l="0" t="0" r="0" b="0"/>
             <a:pathLst>
-              <a:path extrusionOk="0" h="120000" w="120000">
+              <a:path w="120000" h="120000" extrusionOk="0">
                 <a:moveTo>
                   <a:pt x="0" y="0"/>
                 </a:moveTo>
@@ -923,9 +1069,11 @@
       <p:sp>
         <p:nvSpPr>
           <p:cNvPr id="117" name="Shape 117"/>
-          <p:cNvSpPr txBox="1"/>
+          <p:cNvSpPr txBox="1">
+            <a:spLocks noGrp="1"/>
+          </p:cNvSpPr>
           <p:nvPr>
-            <p:ph idx="1" type="body"/>
+            <p:ph type="body" idx="1"/>
           </p:nvPr>
         </p:nvSpPr>
         <p:spPr>
@@ -938,7 +1086,7 @@
           </a:prstGeom>
         </p:spPr>
         <p:txBody>
-          <a:bodyPr anchorCtr="0" anchor="t" bIns="91425" lIns="91425" rIns="91425" tIns="91425">
+          <a:bodyPr lIns="91425" tIns="91425" rIns="91425" bIns="91425" anchor="t" anchorCtr="0">
             <a:noAutofit/>
           </a:bodyPr>
           <a:lstStyle/>
@@ -949,9 +1097,6 @@
               </a:spcBef>
               <a:buNone/>
             </a:pPr>
-            <a:r>
-              <a:t/>
-            </a:r>
             <a:endParaRPr/>
           </a:p>
         </p:txBody>
@@ -965,11 +1110,11 @@
 </file>
 
 <file path=ppt/notesSlides/notesSlide7.xml><?xml version="1.0" encoding="utf-8"?>
-<p:notes xmlns:a="http://schemas.openxmlformats.org/drawingml/2006/main" xmlns:r="http://schemas.openxmlformats.org/officeDocument/2006/relationships" xmlns:mc="http://schemas.openxmlformats.org/markup-compatibility/2006" xmlns:mv="urn:schemas-microsoft-com:mac:vml" xmlns:p="http://schemas.openxmlformats.org/presentationml/2006/main" xmlns:c="http://schemas.openxmlformats.org/drawingml/2006/chart" xmlns:dgm="http://schemas.openxmlformats.org/drawingml/2006/diagram" xmlns:o="urn:schemas-microsoft-com:office:office" xmlns:v="urn:schemas-microsoft-com:vml" xmlns:pvml="urn:schemas-microsoft-com:office:powerpoint" xmlns:com="http://schemas.openxmlformats.org/drawingml/2006/compatibility" xmlns:p14="http://schemas.microsoft.com/office/powerpoint/2010/main" showMasterPhAnim="0" showMasterSp="0">
+<p:notes xmlns:a="http://schemas.openxmlformats.org/drawingml/2006/main" xmlns:r="http://schemas.openxmlformats.org/officeDocument/2006/relationships" xmlns:p="http://schemas.openxmlformats.org/presentationml/2006/main" showMasterSp="0" showMasterPhAnim="0">
   <p:cSld>
     <p:spTree>
       <p:nvGrpSpPr>
-        <p:cNvPr id="125" name="Shape 125"/>
+        <p:cNvPr id="1" name="Shape 125"/>
         <p:cNvGrpSpPr/>
         <p:nvPr/>
       </p:nvGrpSpPr>
@@ -984,19 +1129,26 @@
       <p:sp>
         <p:nvSpPr>
           <p:cNvPr id="126" name="Shape 126"/>
-          <p:cNvSpPr/>
+          <p:cNvSpPr>
+            <a:spLocks noGrp="1" noRot="1" noChangeAspect="1"/>
+          </p:cNvSpPr>
           <p:nvPr>
-            <p:ph idx="2" type="sldImg"/>
+            <p:ph type="sldImg" idx="2"/>
           </p:nvPr>
         </p:nvSpPr>
         <p:spPr>
           <a:xfrm>
-            <a:off x="381300" y="685800"/>
+            <a:off x="381000" y="685800"/>
             <a:ext cx="6096000" cy="3429000"/>
           </a:xfrm>
           <a:custGeom>
+            <a:avLst/>
+            <a:gdLst/>
+            <a:ahLst/>
+            <a:cxnLst/>
+            <a:rect l="0" t="0" r="0" b="0"/>
             <a:pathLst>
-              <a:path extrusionOk="0" h="120000" w="120000">
+              <a:path w="120000" h="120000" extrusionOk="0">
                 <a:moveTo>
                   <a:pt x="0" y="0"/>
                 </a:moveTo>
@@ -1018,9 +1170,11 @@
       <p:sp>
         <p:nvSpPr>
           <p:cNvPr id="127" name="Shape 127"/>
-          <p:cNvSpPr txBox="1"/>
+          <p:cNvSpPr txBox="1">
+            <a:spLocks noGrp="1"/>
+          </p:cNvSpPr>
           <p:nvPr>
-            <p:ph idx="1" type="body"/>
+            <p:ph type="body" idx="1"/>
           </p:nvPr>
         </p:nvSpPr>
         <p:spPr>
@@ -1033,7 +1187,7 @@
           </a:prstGeom>
         </p:spPr>
         <p:txBody>
-          <a:bodyPr anchorCtr="0" anchor="t" bIns="91425" lIns="91425" rIns="91425" tIns="91425">
+          <a:bodyPr lIns="91425" tIns="91425" rIns="91425" bIns="91425" anchor="t" anchorCtr="0">
             <a:noAutofit/>
           </a:bodyPr>
           <a:lstStyle/>
@@ -1044,9 +1198,6 @@
               </a:spcBef>
               <a:buNone/>
             </a:pPr>
-            <a:r>
-              <a:t/>
-            </a:r>
             <a:endParaRPr/>
           </a:p>
         </p:txBody>
@@ -1060,11 +1211,11 @@
 </file>
 
 <file path=ppt/notesSlides/notesSlide8.xml><?xml version="1.0" encoding="utf-8"?>
-<p:notes xmlns:a="http://schemas.openxmlformats.org/drawingml/2006/main" xmlns:r="http://schemas.openxmlformats.org/officeDocument/2006/relationships" xmlns:mc="http://schemas.openxmlformats.org/markup-compatibility/2006" xmlns:mv="urn:schemas-microsoft-com:mac:vml" xmlns:p="http://schemas.openxmlformats.org/presentationml/2006/main" xmlns:c="http://schemas.openxmlformats.org/drawingml/2006/chart" xmlns:dgm="http://schemas.openxmlformats.org/drawingml/2006/diagram" xmlns:o="urn:schemas-microsoft-com:office:office" xmlns:v="urn:schemas-microsoft-com:vml" xmlns:pvml="urn:schemas-microsoft-com:office:powerpoint" xmlns:com="http://schemas.openxmlformats.org/drawingml/2006/compatibility" xmlns:p14="http://schemas.microsoft.com/office/powerpoint/2010/main" showMasterPhAnim="0" showMasterSp="0">
+<p:notes xmlns:a="http://schemas.openxmlformats.org/drawingml/2006/main" xmlns:r="http://schemas.openxmlformats.org/officeDocument/2006/relationships" xmlns:p="http://schemas.openxmlformats.org/presentationml/2006/main" showMasterSp="0" showMasterPhAnim="0">
   <p:cSld>
     <p:spTree>
       <p:nvGrpSpPr>
-        <p:cNvPr id="132" name="Shape 132"/>
+        <p:cNvPr id="1" name="Shape 132"/>
         <p:cNvGrpSpPr/>
         <p:nvPr/>
       </p:nvGrpSpPr>
@@ -1079,19 +1230,26 @@
       <p:sp>
         <p:nvSpPr>
           <p:cNvPr id="133" name="Shape 133"/>
-          <p:cNvSpPr/>
+          <p:cNvSpPr>
+            <a:spLocks noGrp="1" noRot="1" noChangeAspect="1"/>
+          </p:cNvSpPr>
           <p:nvPr>
-            <p:ph idx="2" type="sldImg"/>
+            <p:ph type="sldImg" idx="2"/>
           </p:nvPr>
         </p:nvSpPr>
         <p:spPr>
           <a:xfrm>
-            <a:off x="381300" y="685800"/>
+            <a:off x="381000" y="685800"/>
             <a:ext cx="6096000" cy="3429000"/>
           </a:xfrm>
           <a:custGeom>
+            <a:avLst/>
+            <a:gdLst/>
+            <a:ahLst/>
+            <a:cxnLst/>
+            <a:rect l="0" t="0" r="0" b="0"/>
             <a:pathLst>
-              <a:path extrusionOk="0" h="120000" w="120000">
+              <a:path w="120000" h="120000" extrusionOk="0">
                 <a:moveTo>
                   <a:pt x="0" y="0"/>
                 </a:moveTo>
@@ -1113,9 +1271,11 @@
       <p:sp>
         <p:nvSpPr>
           <p:cNvPr id="134" name="Shape 134"/>
-          <p:cNvSpPr txBox="1"/>
+          <p:cNvSpPr txBox="1">
+            <a:spLocks noGrp="1"/>
+          </p:cNvSpPr>
           <p:nvPr>
-            <p:ph idx="1" type="body"/>
+            <p:ph type="body" idx="1"/>
           </p:nvPr>
         </p:nvSpPr>
         <p:spPr>
@@ -1128,7 +1288,7 @@
           </a:prstGeom>
         </p:spPr>
         <p:txBody>
-          <a:bodyPr anchorCtr="0" anchor="t" bIns="91425" lIns="91425" rIns="91425" tIns="91425">
+          <a:bodyPr lIns="91425" tIns="91425" rIns="91425" bIns="91425" anchor="t" anchorCtr="0">
             <a:noAutofit/>
           </a:bodyPr>
           <a:lstStyle/>
@@ -1139,9 +1299,6 @@
               </a:spcBef>
               <a:buNone/>
             </a:pPr>
-            <a:r>
-              <a:t/>
-            </a:r>
             <a:endParaRPr/>
           </a:p>
         </p:txBody>
@@ -1155,7 +1312,7 @@
 </file>
 
 <file path=ppt/slideLayouts/slideLayout1.xml><?xml version="1.0" encoding="utf-8"?>
-<p:sldLayout xmlns:a="http://schemas.openxmlformats.org/drawingml/2006/main" xmlns:r="http://schemas.openxmlformats.org/officeDocument/2006/relationships" xmlns:mc="http://schemas.openxmlformats.org/markup-compatibility/2006" xmlns:mv="urn:schemas-microsoft-com:mac:vml" xmlns:p="http://schemas.openxmlformats.org/presentationml/2006/main" xmlns:c="http://schemas.openxmlformats.org/drawingml/2006/chart" xmlns:dgm="http://schemas.openxmlformats.org/drawingml/2006/diagram" xmlns:o="urn:schemas-microsoft-com:office:office" xmlns:v="urn:schemas-microsoft-com:vml" xmlns:pvml="urn:schemas-microsoft-com:office:powerpoint" xmlns:com="http://schemas.openxmlformats.org/drawingml/2006/compatibility" xmlns:p14="http://schemas.microsoft.com/office/powerpoint/2010/main" type="title">
+<p:sldLayout xmlns:a="http://schemas.openxmlformats.org/drawingml/2006/main" xmlns:r="http://schemas.openxmlformats.org/officeDocument/2006/relationships" xmlns:p="http://schemas.openxmlformats.org/presentationml/2006/main" type="title">
   <p:cSld name="Title">
     <p:bg>
       <p:bgPr>
@@ -1164,14 +1321,15 @@
             <a:alphaModFix/>
           </a:blip>
           <a:stretch>
-            <a:fillRect b="0" l="0" r="0" t="0"/>
+            <a:fillRect/>
           </a:stretch>
         </a:blipFill>
+        <a:effectLst/>
       </p:bgPr>
     </p:bg>
     <p:spTree>
       <p:nvGrpSpPr>
-        <p:cNvPr id="9" name="Shape 9"/>
+        <p:cNvPr id="1" name="Shape 9"/>
         <p:cNvGrpSpPr/>
         <p:nvPr/>
       </p:nvGrpSpPr>
@@ -1186,7 +1344,9 @@
       <p:sp>
         <p:nvSpPr>
           <p:cNvPr id="10" name="Shape 10"/>
-          <p:cNvSpPr txBox="1"/>
+          <p:cNvSpPr txBox="1">
+            <a:spLocks noGrp="1"/>
+          </p:cNvSpPr>
           <p:nvPr>
             <p:ph type="ctrTitle"/>
           </p:nvPr>
@@ -1205,9 +1365,9 @@
           </a:ln>
         </p:spPr>
         <p:txBody>
-          <a:bodyPr anchorCtr="0" anchor="t" bIns="91425" lIns="91425" rIns="91425" tIns="91425"/>
+          <a:bodyPr lIns="91425" tIns="91425" rIns="91425" bIns="91425" anchor="t" anchorCtr="0"/>
           <a:lstStyle>
-            <a:lvl1pPr indent="0" lvl="0" marL="0" marR="0" rtl="0" algn="l">
+            <a:lvl1pPr marL="0" marR="0" lvl="0" indent="0" algn="l" rtl="0">
               <a:lnSpc>
                 <a:spcPct val="100000"/>
               </a:lnSpc>
@@ -1222,7 +1382,7 @@
               </a:buClr>
               <a:buFont typeface="Roboto Slab"/>
               <a:buNone/>
-              <a:defRPr b="1" i="0" sz="6000" u="none" cap="none" strike="noStrike">
+              <a:defRPr sz="6000" b="1" i="0" u="none" strike="noStrike" cap="none">
                 <a:solidFill>
                   <a:srgbClr val="0091EA"/>
                 </a:solidFill>
@@ -1232,7 +1392,7 @@
                 <a:sym typeface="Roboto Slab"/>
               </a:defRPr>
             </a:lvl1pPr>
-            <a:lvl2pPr indent="0" lvl="1">
+            <a:lvl2pPr lvl="1" indent="0">
               <a:spcBef>
                 <a:spcPts val="0"/>
               </a:spcBef>
@@ -1241,7 +1401,7 @@
               </a:buClr>
               <a:buFont typeface="Roboto Slab"/>
               <a:buNone/>
-              <a:defRPr b="1" sz="6000">
+              <a:defRPr sz="6000" b="1">
                 <a:solidFill>
                   <a:srgbClr val="0091EA"/>
                 </a:solidFill>
@@ -1251,7 +1411,7 @@
                 <a:sym typeface="Roboto Slab"/>
               </a:defRPr>
             </a:lvl2pPr>
-            <a:lvl3pPr indent="0" lvl="2">
+            <a:lvl3pPr lvl="2" indent="0">
               <a:spcBef>
                 <a:spcPts val="0"/>
               </a:spcBef>
@@ -1260,7 +1420,7 @@
               </a:buClr>
               <a:buFont typeface="Roboto Slab"/>
               <a:buNone/>
-              <a:defRPr b="1" sz="6000">
+              <a:defRPr sz="6000" b="1">
                 <a:solidFill>
                   <a:srgbClr val="0091EA"/>
                 </a:solidFill>
@@ -1270,7 +1430,7 @@
                 <a:sym typeface="Roboto Slab"/>
               </a:defRPr>
             </a:lvl3pPr>
-            <a:lvl4pPr indent="0" lvl="3">
+            <a:lvl4pPr lvl="3" indent="0">
               <a:spcBef>
                 <a:spcPts val="0"/>
               </a:spcBef>
@@ -1279,7 +1439,7 @@
               </a:buClr>
               <a:buFont typeface="Roboto Slab"/>
               <a:buNone/>
-              <a:defRPr b="1" sz="6000">
+              <a:defRPr sz="6000" b="1">
                 <a:solidFill>
                   <a:srgbClr val="0091EA"/>
                 </a:solidFill>
@@ -1289,7 +1449,7 @@
                 <a:sym typeface="Roboto Slab"/>
               </a:defRPr>
             </a:lvl4pPr>
-            <a:lvl5pPr indent="0" lvl="4">
+            <a:lvl5pPr lvl="4" indent="0">
               <a:spcBef>
                 <a:spcPts val="0"/>
               </a:spcBef>
@@ -1298,7 +1458,7 @@
               </a:buClr>
               <a:buFont typeface="Roboto Slab"/>
               <a:buNone/>
-              <a:defRPr b="1" sz="6000">
+              <a:defRPr sz="6000" b="1">
                 <a:solidFill>
                   <a:srgbClr val="0091EA"/>
                 </a:solidFill>
@@ -1308,7 +1468,7 @@
                 <a:sym typeface="Roboto Slab"/>
               </a:defRPr>
             </a:lvl5pPr>
-            <a:lvl6pPr indent="0" lvl="5">
+            <a:lvl6pPr lvl="5" indent="0">
               <a:spcBef>
                 <a:spcPts val="0"/>
               </a:spcBef>
@@ -1317,7 +1477,7 @@
               </a:buClr>
               <a:buFont typeface="Roboto Slab"/>
               <a:buNone/>
-              <a:defRPr b="1" sz="6000">
+              <a:defRPr sz="6000" b="1">
                 <a:solidFill>
                   <a:srgbClr val="0091EA"/>
                 </a:solidFill>
@@ -1327,7 +1487,7 @@
                 <a:sym typeface="Roboto Slab"/>
               </a:defRPr>
             </a:lvl6pPr>
-            <a:lvl7pPr indent="0" lvl="6">
+            <a:lvl7pPr lvl="6" indent="0">
               <a:spcBef>
                 <a:spcPts val="0"/>
               </a:spcBef>
@@ -1336,7 +1496,7 @@
               </a:buClr>
               <a:buFont typeface="Roboto Slab"/>
               <a:buNone/>
-              <a:defRPr b="1" sz="6000">
+              <a:defRPr sz="6000" b="1">
                 <a:solidFill>
                   <a:srgbClr val="0091EA"/>
                 </a:solidFill>
@@ -1346,7 +1506,7 @@
                 <a:sym typeface="Roboto Slab"/>
               </a:defRPr>
             </a:lvl7pPr>
-            <a:lvl8pPr indent="0" lvl="7">
+            <a:lvl8pPr lvl="7" indent="0">
               <a:spcBef>
                 <a:spcPts val="0"/>
               </a:spcBef>
@@ -1355,7 +1515,7 @@
               </a:buClr>
               <a:buFont typeface="Roboto Slab"/>
               <a:buNone/>
-              <a:defRPr b="1" sz="6000">
+              <a:defRPr sz="6000" b="1">
                 <a:solidFill>
                   <a:srgbClr val="0091EA"/>
                 </a:solidFill>
@@ -1365,7 +1525,7 @@
                 <a:sym typeface="Roboto Slab"/>
               </a:defRPr>
             </a:lvl8pPr>
-            <a:lvl9pPr indent="0" lvl="8">
+            <a:lvl9pPr lvl="8" indent="0">
               <a:spcBef>
                 <a:spcPts val="0"/>
               </a:spcBef>
@@ -1374,7 +1534,7 @@
               </a:buClr>
               <a:buFont typeface="Roboto Slab"/>
               <a:buNone/>
-              <a:defRPr b="1" sz="6000">
+              <a:defRPr sz="6000" b="1">
                 <a:solidFill>
                   <a:srgbClr val="0091EA"/>
                 </a:solidFill>
@@ -1385,7 +1545,9 @@
               </a:defRPr>
             </a:lvl9pPr>
           </a:lstStyle>
-          <a:p/>
+          <a:p>
+            <a:endParaRPr/>
+          </a:p>
         </p:txBody>
       </p:sp>
       <p:sp>
@@ -1410,12 +1572,12 @@
           </a:ln>
         </p:spPr>
         <p:txBody>
-          <a:bodyPr anchorCtr="0" anchor="ctr" bIns="91425" lIns="91425" rIns="91425" tIns="91425">
+          <a:bodyPr lIns="91425" tIns="91425" rIns="91425" bIns="91425" anchor="ctr" anchorCtr="0">
             <a:noAutofit/>
           </a:bodyPr>
           <a:lstStyle/>
           <a:p>
-            <a:pPr indent="0" lvl="0" marL="0" marR="0" rtl="0" algn="l">
+            <a:pPr marL="0" marR="0" lvl="0" indent="0" algn="l" rtl="0">
               <a:lnSpc>
                 <a:spcPct val="100000"/>
               </a:lnSpc>
@@ -1431,10 +1593,7 @@
               <a:buFont typeface="Arial"/>
               <a:buNone/>
             </a:pPr>
-            <a:r>
-              <a:t/>
-            </a:r>
-            <a:endParaRPr b="0" i="0" sz="1400" u="none" cap="none" strike="noStrike">
+            <a:endParaRPr sz="1400" b="0" i="0" u="none" strike="noStrike" cap="none">
               <a:solidFill>
                 <a:srgbClr val="000000"/>
               </a:solidFill>
@@ -1468,12 +1627,12 @@
           </a:ln>
         </p:spPr>
         <p:txBody>
-          <a:bodyPr anchorCtr="0" anchor="ctr" bIns="91425" lIns="91425" rIns="91425" tIns="91425">
+          <a:bodyPr lIns="91425" tIns="91425" rIns="91425" bIns="91425" anchor="ctr" anchorCtr="0">
             <a:noAutofit/>
           </a:bodyPr>
           <a:lstStyle/>
           <a:p>
-            <a:pPr indent="0" lvl="0" marL="0" marR="0" rtl="0" algn="l">
+            <a:pPr marL="0" marR="0" lvl="0" indent="0" algn="l" rtl="0">
               <a:lnSpc>
                 <a:spcPct val="100000"/>
               </a:lnSpc>
@@ -1489,10 +1648,7 @@
               <a:buFont typeface="Arial"/>
               <a:buNone/>
             </a:pPr>
-            <a:r>
-              <a:t/>
-            </a:r>
-            <a:endParaRPr b="0" i="0" sz="1400" u="none" cap="none" strike="noStrike">
+            <a:endParaRPr sz="1400" b="0" i="0" u="none" strike="noStrike" cap="none">
               <a:solidFill>
                 <a:srgbClr val="000000"/>
               </a:solidFill>
@@ -1526,12 +1682,12 @@
           </a:ln>
         </p:spPr>
         <p:txBody>
-          <a:bodyPr anchorCtr="0" anchor="ctr" bIns="91425" lIns="91425" rIns="91425" tIns="91425">
+          <a:bodyPr lIns="91425" tIns="91425" rIns="91425" bIns="91425" anchor="ctr" anchorCtr="0">
             <a:noAutofit/>
           </a:bodyPr>
           <a:lstStyle/>
           <a:p>
-            <a:pPr indent="0" lvl="0" marL="0" marR="0" rtl="0" algn="l">
+            <a:pPr marL="0" marR="0" lvl="0" indent="0" algn="l" rtl="0">
               <a:lnSpc>
                 <a:spcPct val="100000"/>
               </a:lnSpc>
@@ -1547,10 +1703,7 @@
               <a:buFont typeface="Arial"/>
               <a:buNone/>
             </a:pPr>
-            <a:r>
-              <a:t/>
-            </a:r>
-            <a:endParaRPr b="0" i="0" sz="1400" u="none" cap="none" strike="noStrike">
+            <a:endParaRPr sz="1400" b="0" i="0" u="none" strike="noStrike" cap="none">
               <a:solidFill>
                 <a:srgbClr val="000000"/>
               </a:solidFill>
@@ -1584,12 +1737,12 @@
           </a:ln>
         </p:spPr>
         <p:txBody>
-          <a:bodyPr anchorCtr="0" anchor="ctr" bIns="91425" lIns="91425" rIns="91425" tIns="91425">
+          <a:bodyPr lIns="91425" tIns="91425" rIns="91425" bIns="91425" anchor="ctr" anchorCtr="0">
             <a:noAutofit/>
           </a:bodyPr>
           <a:lstStyle/>
           <a:p>
-            <a:pPr indent="0" lvl="0" marL="0" marR="0" rtl="0" algn="l">
+            <a:pPr marL="0" marR="0" lvl="0" indent="0" algn="l" rtl="0">
               <a:lnSpc>
                 <a:spcPct val="100000"/>
               </a:lnSpc>
@@ -1605,10 +1758,7 @@
               <a:buFont typeface="Arial"/>
               <a:buNone/>
             </a:pPr>
-            <a:r>
-              <a:t/>
-            </a:r>
-            <a:endParaRPr b="0" i="0" sz="1400" u="none" cap="none" strike="noStrike">
+            <a:endParaRPr sz="1400" b="0" i="0" u="none" strike="noStrike" cap="none">
               <a:solidFill>
                 <a:srgbClr val="000000"/>
               </a:solidFill>
@@ -1642,12 +1792,12 @@
           </a:ln>
         </p:spPr>
         <p:txBody>
-          <a:bodyPr anchorCtr="0" anchor="ctr" bIns="91425" lIns="91425" rIns="91425" tIns="91425">
+          <a:bodyPr lIns="91425" tIns="91425" rIns="91425" bIns="91425" anchor="ctr" anchorCtr="0">
             <a:noAutofit/>
           </a:bodyPr>
           <a:lstStyle/>
           <a:p>
-            <a:pPr indent="0" lvl="0" marL="0" marR="0" rtl="0" algn="l">
+            <a:pPr marL="0" marR="0" lvl="0" indent="0" algn="l" rtl="0">
               <a:lnSpc>
                 <a:spcPct val="100000"/>
               </a:lnSpc>
@@ -1663,10 +1813,7 @@
               <a:buFont typeface="Arial"/>
               <a:buNone/>
             </a:pPr>
-            <a:r>
-              <a:t/>
-            </a:r>
-            <a:endParaRPr b="0" i="0" sz="1400" u="none" cap="none" strike="noStrike">
+            <a:endParaRPr sz="1400" b="0" i="0" u="none" strike="noStrike" cap="none">
               <a:solidFill>
                 <a:srgbClr val="000000"/>
               </a:solidFill>
@@ -1700,12 +1847,12 @@
           </a:ln>
         </p:spPr>
         <p:txBody>
-          <a:bodyPr anchorCtr="0" anchor="ctr" bIns="91425" lIns="91425" rIns="91425" tIns="91425">
+          <a:bodyPr lIns="91425" tIns="91425" rIns="91425" bIns="91425" anchor="ctr" anchorCtr="0">
             <a:noAutofit/>
           </a:bodyPr>
           <a:lstStyle/>
           <a:p>
-            <a:pPr indent="0" lvl="0" marL="0" marR="0" rtl="0" algn="l">
+            <a:pPr marL="0" marR="0" lvl="0" indent="0" algn="l" rtl="0">
               <a:lnSpc>
                 <a:spcPct val="100000"/>
               </a:lnSpc>
@@ -1721,10 +1868,7 @@
               <a:buFont typeface="Arial"/>
               <a:buNone/>
             </a:pPr>
-            <a:r>
-              <a:t/>
-            </a:r>
-            <a:endParaRPr b="0" i="0" sz="1400" u="none" cap="none" strike="noStrike">
+            <a:endParaRPr sz="1400" b="0" i="0" u="none" strike="noStrike" cap="none">
               <a:solidFill>
                 <a:srgbClr val="000000"/>
               </a:solidFill>
@@ -1758,12 +1902,12 @@
           </a:ln>
         </p:spPr>
         <p:txBody>
-          <a:bodyPr anchorCtr="0" anchor="ctr" bIns="91425" lIns="91425" rIns="91425" tIns="91425">
+          <a:bodyPr lIns="91425" tIns="91425" rIns="91425" bIns="91425" anchor="ctr" anchorCtr="0">
             <a:noAutofit/>
           </a:bodyPr>
           <a:lstStyle/>
           <a:p>
-            <a:pPr indent="0" lvl="0" marL="0" marR="0" rtl="0" algn="l">
+            <a:pPr marL="0" marR="0" lvl="0" indent="0" algn="l" rtl="0">
               <a:lnSpc>
                 <a:spcPct val="100000"/>
               </a:lnSpc>
@@ -1779,10 +1923,7 @@
               <a:buFont typeface="Arial"/>
               <a:buNone/>
             </a:pPr>
-            <a:r>
-              <a:t/>
-            </a:r>
-            <a:endParaRPr b="0" i="0" sz="1400" u="none" cap="none" strike="noStrike">
+            <a:endParaRPr sz="1400" b="0" i="0" u="none" strike="noStrike" cap="none">
               <a:solidFill>
                 <a:srgbClr val="000000"/>
               </a:solidFill>
@@ -1809,23 +1950,23 @@
             <a:avLst/>
           </a:prstGeom>
           <a:noFill/>
-          <a:ln cap="flat" cmpd="sng" w="19050">
+          <a:ln w="19050" cap="flat" cmpd="sng">
             <a:solidFill>
               <a:srgbClr val="0091EA"/>
             </a:solidFill>
             <a:prstDash val="solid"/>
             <a:round/>
-            <a:headEnd len="med" w="med" type="none"/>
-            <a:tailEnd len="med" w="med" type="none"/>
+            <a:headEnd type="none" w="med" len="med"/>
+            <a:tailEnd type="none" w="med" len="med"/>
           </a:ln>
         </p:spPr>
         <p:txBody>
-          <a:bodyPr anchorCtr="0" anchor="ctr" bIns="91425" lIns="91425" rIns="91425" tIns="91425">
+          <a:bodyPr lIns="91425" tIns="91425" rIns="91425" bIns="91425" anchor="ctr" anchorCtr="0">
             <a:noAutofit/>
           </a:bodyPr>
           <a:lstStyle/>
           <a:p>
-            <a:pPr indent="0" lvl="0" marL="0" marR="0" rtl="0" algn="l">
+            <a:pPr marL="0" marR="0" lvl="0" indent="0" algn="l" rtl="0">
               <a:lnSpc>
                 <a:spcPct val="100000"/>
               </a:lnSpc>
@@ -1841,10 +1982,7 @@
               <a:buFont typeface="Arial"/>
               <a:buNone/>
             </a:pPr>
-            <a:r>
-              <a:t/>
-            </a:r>
-            <a:endParaRPr b="0" i="0" sz="1400" u="none" cap="none" strike="noStrike">
+            <a:endParaRPr sz="1400" b="0" i="0" u="none" strike="noStrike" cap="none">
               <a:solidFill>
                 <a:srgbClr val="000000"/>
               </a:solidFill>
@@ -1871,23 +2009,23 @@
             <a:avLst/>
           </a:prstGeom>
           <a:noFill/>
-          <a:ln cap="flat" cmpd="sng" w="19050">
+          <a:ln w="19050" cap="flat" cmpd="sng">
             <a:solidFill>
               <a:srgbClr val="0091EA"/>
             </a:solidFill>
             <a:prstDash val="solid"/>
             <a:round/>
-            <a:headEnd len="med" w="med" type="none"/>
-            <a:tailEnd len="med" w="med" type="none"/>
+            <a:headEnd type="none" w="med" len="med"/>
+            <a:tailEnd type="none" w="med" len="med"/>
           </a:ln>
         </p:spPr>
         <p:txBody>
-          <a:bodyPr anchorCtr="0" anchor="ctr" bIns="91425" lIns="91425" rIns="91425" tIns="91425">
+          <a:bodyPr lIns="91425" tIns="91425" rIns="91425" bIns="91425" anchor="ctr" anchorCtr="0">
             <a:noAutofit/>
           </a:bodyPr>
           <a:lstStyle/>
           <a:p>
-            <a:pPr indent="0" lvl="0" marL="0" marR="0" rtl="0" algn="l">
+            <a:pPr marL="0" marR="0" lvl="0" indent="0" algn="l" rtl="0">
               <a:lnSpc>
                 <a:spcPct val="100000"/>
               </a:lnSpc>
@@ -1903,10 +2041,7 @@
               <a:buFont typeface="Arial"/>
               <a:buNone/>
             </a:pPr>
-            <a:r>
-              <a:t/>
-            </a:r>
-            <a:endParaRPr b="0" i="0" sz="1400" u="none" cap="none" strike="noStrike">
+            <a:endParaRPr sz="1400" b="0" i="0" u="none" strike="noStrike" cap="none">
               <a:solidFill>
                 <a:srgbClr val="000000"/>
               </a:solidFill>
@@ -1933,23 +2068,23 @@
             <a:avLst/>
           </a:prstGeom>
           <a:noFill/>
-          <a:ln cap="flat" cmpd="sng" w="19050">
+          <a:ln w="19050" cap="flat" cmpd="sng">
             <a:solidFill>
               <a:srgbClr val="0091EA"/>
             </a:solidFill>
             <a:prstDash val="solid"/>
             <a:round/>
-            <a:headEnd len="med" w="med" type="none"/>
-            <a:tailEnd len="med" w="med" type="none"/>
+            <a:headEnd type="none" w="med" len="med"/>
+            <a:tailEnd type="none" w="med" len="med"/>
           </a:ln>
         </p:spPr>
         <p:txBody>
-          <a:bodyPr anchorCtr="0" anchor="ctr" bIns="91425" lIns="91425" rIns="91425" tIns="91425">
+          <a:bodyPr lIns="91425" tIns="91425" rIns="91425" bIns="91425" anchor="ctr" anchorCtr="0">
             <a:noAutofit/>
           </a:bodyPr>
           <a:lstStyle/>
           <a:p>
-            <a:pPr indent="0" lvl="0" marL="0" marR="0" rtl="0" algn="l">
+            <a:pPr marL="0" marR="0" lvl="0" indent="0" algn="l" rtl="0">
               <a:lnSpc>
                 <a:spcPct val="100000"/>
               </a:lnSpc>
@@ -1965,10 +2100,7 @@
               <a:buFont typeface="Arial"/>
               <a:buNone/>
             </a:pPr>
-            <a:r>
-              <a:t/>
-            </a:r>
-            <a:endParaRPr b="0" i="0" sz="1400" u="none" cap="none" strike="noStrike">
+            <a:endParaRPr sz="1400" b="0" i="0" u="none" strike="noStrike" cap="none">
               <a:solidFill>
                 <a:srgbClr val="000000"/>
               </a:solidFill>
@@ -2002,12 +2134,12 @@
           </a:ln>
         </p:spPr>
         <p:txBody>
-          <a:bodyPr anchorCtr="0" anchor="ctr" bIns="91425" lIns="91425" rIns="91425" tIns="91425">
+          <a:bodyPr lIns="91425" tIns="91425" rIns="91425" bIns="91425" anchor="ctr" anchorCtr="0">
             <a:noAutofit/>
           </a:bodyPr>
           <a:lstStyle/>
           <a:p>
-            <a:pPr indent="0" lvl="0" marL="0" marR="0" rtl="0" algn="l">
+            <a:pPr marL="0" marR="0" lvl="0" indent="0" algn="l" rtl="0">
               <a:lnSpc>
                 <a:spcPct val="100000"/>
               </a:lnSpc>
@@ -2023,10 +2155,7 @@
               <a:buFont typeface="Arial"/>
               <a:buNone/>
             </a:pPr>
-            <a:r>
-              <a:t/>
-            </a:r>
-            <a:endParaRPr b="0" i="0" sz="1400" u="none" cap="none" strike="noStrike">
+            <a:endParaRPr sz="1400" b="0" i="0" u="none" strike="noStrike" cap="none">
               <a:solidFill>
                 <a:srgbClr val="000000"/>
               </a:solidFill>
@@ -2053,23 +2182,23 @@
             <a:avLst/>
           </a:prstGeom>
           <a:noFill/>
-          <a:ln cap="flat" cmpd="sng" w="19050">
+          <a:ln w="19050" cap="flat" cmpd="sng">
             <a:solidFill>
               <a:srgbClr val="0091EA"/>
             </a:solidFill>
             <a:prstDash val="solid"/>
             <a:round/>
-            <a:headEnd len="med" w="med" type="none"/>
-            <a:tailEnd len="med" w="med" type="none"/>
+            <a:headEnd type="none" w="med" len="med"/>
+            <a:tailEnd type="none" w="med" len="med"/>
           </a:ln>
         </p:spPr>
         <p:txBody>
-          <a:bodyPr anchorCtr="0" anchor="ctr" bIns="91425" lIns="91425" rIns="91425" tIns="91425">
+          <a:bodyPr lIns="91425" tIns="91425" rIns="91425" bIns="91425" anchor="ctr" anchorCtr="0">
             <a:noAutofit/>
           </a:bodyPr>
           <a:lstStyle/>
           <a:p>
-            <a:pPr indent="0" lvl="0" marL="0" marR="0" rtl="0" algn="l">
+            <a:pPr marL="0" marR="0" lvl="0" indent="0" algn="l" rtl="0">
               <a:lnSpc>
                 <a:spcPct val="100000"/>
               </a:lnSpc>
@@ -2085,10 +2214,7 @@
               <a:buFont typeface="Arial"/>
               <a:buNone/>
             </a:pPr>
-            <a:r>
-              <a:t/>
-            </a:r>
-            <a:endParaRPr b="0" i="0" sz="1400" u="none" cap="none" strike="noStrike">
+            <a:endParaRPr sz="1400" b="0" i="0" u="none" strike="noStrike" cap="none">
               <a:solidFill>
                 <a:srgbClr val="000000"/>
               </a:solidFill>
@@ -2122,12 +2248,12 @@
           </a:ln>
         </p:spPr>
         <p:txBody>
-          <a:bodyPr anchorCtr="0" anchor="ctr" bIns="91425" lIns="91425" rIns="91425" tIns="91425">
+          <a:bodyPr lIns="91425" tIns="91425" rIns="91425" bIns="91425" anchor="ctr" anchorCtr="0">
             <a:noAutofit/>
           </a:bodyPr>
           <a:lstStyle/>
           <a:p>
-            <a:pPr indent="0" lvl="0" marL="0" marR="0" rtl="0" algn="l">
+            <a:pPr marL="0" marR="0" lvl="0" indent="0" algn="l" rtl="0">
               <a:lnSpc>
                 <a:spcPct val="100000"/>
               </a:lnSpc>
@@ -2143,10 +2269,7 @@
               <a:buFont typeface="Arial"/>
               <a:buNone/>
             </a:pPr>
-            <a:r>
-              <a:t/>
-            </a:r>
-            <a:endParaRPr b="0" i="0" sz="1400" u="none" cap="none" strike="noStrike">
+            <a:endParaRPr sz="1400" b="0" i="0" u="none" strike="noStrike" cap="none">
               <a:solidFill>
                 <a:srgbClr val="000000"/>
               </a:solidFill>
@@ -2180,12 +2303,12 @@
           </a:ln>
         </p:spPr>
         <p:txBody>
-          <a:bodyPr anchorCtr="0" anchor="ctr" bIns="91425" lIns="91425" rIns="91425" tIns="91425">
+          <a:bodyPr lIns="91425" tIns="91425" rIns="91425" bIns="91425" anchor="ctr" anchorCtr="0">
             <a:noAutofit/>
           </a:bodyPr>
           <a:lstStyle/>
           <a:p>
-            <a:pPr indent="0" lvl="0" marL="0" marR="0" rtl="0" algn="l">
+            <a:pPr marL="0" marR="0" lvl="0" indent="0" algn="l" rtl="0">
               <a:lnSpc>
                 <a:spcPct val="100000"/>
               </a:lnSpc>
@@ -2201,10 +2324,7 @@
               <a:buFont typeface="Arial"/>
               <a:buNone/>
             </a:pPr>
-            <a:r>
-              <a:t/>
-            </a:r>
-            <a:endParaRPr b="0" i="0" sz="1400" u="none" cap="none" strike="noStrike">
+            <a:endParaRPr sz="1400" b="0" i="0" u="none" strike="noStrike" cap="none">
               <a:solidFill>
                 <a:srgbClr val="000000"/>
               </a:solidFill>
@@ -2231,23 +2351,23 @@
             <a:avLst/>
           </a:prstGeom>
           <a:noFill/>
-          <a:ln cap="flat" cmpd="sng" w="19050">
+          <a:ln w="19050" cap="flat" cmpd="sng">
             <a:solidFill>
               <a:srgbClr val="0091EA"/>
             </a:solidFill>
             <a:prstDash val="solid"/>
             <a:round/>
-            <a:headEnd len="med" w="med" type="none"/>
-            <a:tailEnd len="med" w="med" type="none"/>
+            <a:headEnd type="none" w="med" len="med"/>
+            <a:tailEnd type="none" w="med" len="med"/>
           </a:ln>
         </p:spPr>
         <p:txBody>
-          <a:bodyPr anchorCtr="0" anchor="ctr" bIns="91425" lIns="91425" rIns="91425" tIns="91425">
+          <a:bodyPr lIns="91425" tIns="91425" rIns="91425" bIns="91425" anchor="ctr" anchorCtr="0">
             <a:noAutofit/>
           </a:bodyPr>
           <a:lstStyle/>
           <a:p>
-            <a:pPr indent="0" lvl="0" marL="0" marR="0" rtl="0" algn="l">
+            <a:pPr marL="0" marR="0" lvl="0" indent="0" algn="l" rtl="0">
               <a:lnSpc>
                 <a:spcPct val="100000"/>
               </a:lnSpc>
@@ -2263,10 +2383,7 @@
               <a:buFont typeface="Arial"/>
               <a:buNone/>
             </a:pPr>
-            <a:r>
-              <a:t/>
-            </a:r>
-            <a:endParaRPr b="0" i="0" sz="1400" u="none" cap="none" strike="noStrike">
+            <a:endParaRPr sz="1400" b="0" i="0" u="none" strike="noStrike" cap="none">
               <a:solidFill>
                 <a:srgbClr val="000000"/>
               </a:solidFill>
@@ -2281,9 +2398,11 @@
       <p:sp>
         <p:nvSpPr>
           <p:cNvPr id="26" name="Shape 26"/>
-          <p:cNvSpPr txBox="1"/>
+          <p:cNvSpPr txBox="1">
+            <a:spLocks noGrp="1"/>
+          </p:cNvSpPr>
           <p:nvPr>
-            <p:ph idx="12" type="sldNum"/>
+            <p:ph type="sldNum" idx="12"/>
           </p:nvPr>
         </p:nvSpPr>
         <p:spPr>
@@ -2296,7 +2415,7 @@
           </a:prstGeom>
         </p:spPr>
         <p:txBody>
-          <a:bodyPr anchorCtr="0" anchor="ctr" bIns="91425" lIns="91425" rIns="91425" tIns="91425">
+          <a:bodyPr lIns="91425" tIns="91425" rIns="91425" bIns="91425" anchor="ctr" anchorCtr="0">
             <a:noAutofit/>
           </a:bodyPr>
           <a:lstStyle/>
@@ -2311,6 +2430,7 @@
               <a:rPr lang="zh-TW"/>
               <a:t>‹#›</a:t>
             </a:fld>
+            <a:endParaRPr lang="zh-TW"/>
           </a:p>
         </p:txBody>
       </p:sp>
@@ -2323,7 +2443,7 @@
 </file>
 
 <file path=ppt/slideLayouts/slideLayout10.xml><?xml version="1.0" encoding="utf-8"?>
-<p:sldLayout xmlns:a="http://schemas.openxmlformats.org/drawingml/2006/main" xmlns:r="http://schemas.openxmlformats.org/officeDocument/2006/relationships" xmlns:mc="http://schemas.openxmlformats.org/markup-compatibility/2006" xmlns:mv="urn:schemas-microsoft-com:mac:vml" xmlns:p="http://schemas.openxmlformats.org/presentationml/2006/main" xmlns:c="http://schemas.openxmlformats.org/drawingml/2006/chart" xmlns:dgm="http://schemas.openxmlformats.org/drawingml/2006/diagram" xmlns:o="urn:schemas-microsoft-com:office:office" xmlns:v="urn:schemas-microsoft-com:vml" xmlns:pvml="urn:schemas-microsoft-com:office:powerpoint" xmlns:com="http://schemas.openxmlformats.org/drawingml/2006/compatibility" xmlns:p14="http://schemas.microsoft.com/office/powerpoint/2010/main">
+<p:sldLayout xmlns:a="http://schemas.openxmlformats.org/drawingml/2006/main" xmlns:r="http://schemas.openxmlformats.org/officeDocument/2006/relationships" xmlns:p="http://schemas.openxmlformats.org/presentationml/2006/main">
   <p:cSld name="Caption">
     <p:bg>
       <p:bgPr>
@@ -2332,14 +2452,15 @@
             <a:alphaModFix/>
           </a:blip>
           <a:stretch>
-            <a:fillRect b="0" l="0" r="0" t="0"/>
+            <a:fillRect/>
           </a:stretch>
         </a:blipFill>
+        <a:effectLst/>
       </p:bgPr>
     </p:bg>
     <p:spTree>
       <p:nvGrpSpPr>
-        <p:cNvPr id="65" name="Shape 65"/>
+        <p:cNvPr id="1" name="Shape 65"/>
         <p:cNvGrpSpPr/>
         <p:nvPr/>
       </p:nvGrpSpPr>
@@ -2354,9 +2475,11 @@
       <p:sp>
         <p:nvSpPr>
           <p:cNvPr id="66" name="Shape 66"/>
-          <p:cNvSpPr txBox="1"/>
+          <p:cNvSpPr txBox="1">
+            <a:spLocks noGrp="1"/>
+          </p:cNvSpPr>
           <p:nvPr>
-            <p:ph idx="1" type="body"/>
+            <p:ph type="body" idx="1"/>
           </p:nvPr>
         </p:nvSpPr>
         <p:spPr>
@@ -2373,9 +2496,9 @@
           </a:ln>
         </p:spPr>
         <p:txBody>
-          <a:bodyPr anchorCtr="0" anchor="t" bIns="91425" lIns="91425" rIns="91425" tIns="91425"/>
+          <a:bodyPr lIns="91425" tIns="91425" rIns="91425" bIns="91425" anchor="t" anchorCtr="0"/>
           <a:lstStyle>
-            <a:lvl1pPr indent="0" lvl="0" marL="0" marR="0" rtl="0" algn="ctr">
+            <a:lvl1pPr marL="0" marR="0" lvl="0" indent="0" algn="ctr" rtl="0">
               <a:lnSpc>
                 <a:spcPct val="100000"/>
               </a:lnSpc>
@@ -2390,7 +2513,7 @@
               </a:buClr>
               <a:buFont typeface="Source Sans Pro"/>
               <a:buNone/>
-              <a:defRPr b="0" i="0" sz="1800" u="none" cap="none" strike="noStrike">
+              <a:defRPr sz="1800" b="0" i="0" u="none" strike="noStrike" cap="none">
                 <a:solidFill>
                   <a:srgbClr val="263238"/>
                 </a:solidFill>
@@ -2400,7 +2523,7 @@
                 <a:sym typeface="Source Sans Pro"/>
               </a:defRPr>
             </a:lvl1pPr>
-            <a:lvl2pPr indent="152400" lvl="1" marL="457200" marR="0" rtl="0" algn="l">
+            <a:lvl2pPr marL="457200" marR="0" lvl="1" indent="152400" algn="l" rtl="0">
               <a:lnSpc>
                 <a:spcPct val="100000"/>
               </a:lnSpc>
@@ -2416,7 +2539,7 @@
               <a:buSzPct val="100000"/>
               <a:buFont typeface="Source Sans Pro"/>
               <a:buChar char="○"/>
-              <a:defRPr b="0" i="0" sz="2400" u="none" cap="none" strike="noStrike">
+              <a:defRPr sz="2400" b="0" i="0" u="none" strike="noStrike" cap="none">
                 <a:solidFill>
                   <a:srgbClr val="263238"/>
                 </a:solidFill>
@@ -2426,7 +2549,7 @@
                 <a:sym typeface="Source Sans Pro"/>
               </a:defRPr>
             </a:lvl2pPr>
-            <a:lvl3pPr indent="152400" lvl="2" marL="914400" marR="0" rtl="0" algn="l">
+            <a:lvl3pPr marL="914400" marR="0" lvl="2" indent="152400" algn="l" rtl="0">
               <a:lnSpc>
                 <a:spcPct val="100000"/>
               </a:lnSpc>
@@ -2442,7 +2565,7 @@
               <a:buSzPct val="100000"/>
               <a:buFont typeface="Source Sans Pro"/>
               <a:buChar char="◉"/>
-              <a:defRPr b="0" i="0" sz="2400" u="none" cap="none" strike="noStrike">
+              <a:defRPr sz="2400" b="0" i="0" u="none" strike="noStrike" cap="none">
                 <a:solidFill>
                   <a:srgbClr val="263238"/>
                 </a:solidFill>
@@ -2452,7 +2575,7 @@
                 <a:sym typeface="Source Sans Pro"/>
               </a:defRPr>
             </a:lvl3pPr>
-            <a:lvl4pPr indent="0" lvl="3" marL="1371600" marR="0" rtl="0" algn="l">
+            <a:lvl4pPr marL="1371600" marR="0" lvl="3" indent="0" algn="l" rtl="0">
               <a:lnSpc>
                 <a:spcPct val="100000"/>
               </a:lnSpc>
@@ -2467,7 +2590,7 @@
               </a:buClr>
               <a:buFont typeface="Source Sans Pro"/>
               <a:buNone/>
-              <a:defRPr b="0" i="0" sz="1800" u="none" cap="none" strike="noStrike">
+              <a:defRPr sz="1800" b="0" i="0" u="none" strike="noStrike" cap="none">
                 <a:solidFill>
                   <a:srgbClr val="263238"/>
                 </a:solidFill>
@@ -2477,7 +2600,7 @@
                 <a:sym typeface="Source Sans Pro"/>
               </a:defRPr>
             </a:lvl4pPr>
-            <a:lvl5pPr indent="0" lvl="4" marL="1828800" marR="0" rtl="0" algn="l">
+            <a:lvl5pPr marL="1828800" marR="0" lvl="4" indent="0" algn="l" rtl="0">
               <a:lnSpc>
                 <a:spcPct val="100000"/>
               </a:lnSpc>
@@ -2492,7 +2615,7 @@
               </a:buClr>
               <a:buFont typeface="Source Sans Pro"/>
               <a:buNone/>
-              <a:defRPr b="0" i="0" sz="1800" u="none" cap="none" strike="noStrike">
+              <a:defRPr sz="1800" b="0" i="0" u="none" strike="noStrike" cap="none">
                 <a:solidFill>
                   <a:srgbClr val="263238"/>
                 </a:solidFill>
@@ -2502,7 +2625,7 @@
                 <a:sym typeface="Source Sans Pro"/>
               </a:defRPr>
             </a:lvl5pPr>
-            <a:lvl6pPr indent="0" lvl="5" marL="2286000" marR="0" rtl="0" algn="l">
+            <a:lvl6pPr marL="2286000" marR="0" lvl="5" indent="0" algn="l" rtl="0">
               <a:lnSpc>
                 <a:spcPct val="100000"/>
               </a:lnSpc>
@@ -2517,7 +2640,7 @@
               </a:buClr>
               <a:buFont typeface="Source Sans Pro"/>
               <a:buNone/>
-              <a:defRPr b="0" i="0" sz="1800" u="none" cap="none" strike="noStrike">
+              <a:defRPr sz="1800" b="0" i="0" u="none" strike="noStrike" cap="none">
                 <a:solidFill>
                   <a:srgbClr val="263238"/>
                 </a:solidFill>
@@ -2527,7 +2650,7 @@
                 <a:sym typeface="Source Sans Pro"/>
               </a:defRPr>
             </a:lvl6pPr>
-            <a:lvl7pPr indent="0" lvl="6" marL="2743200" marR="0" rtl="0" algn="l">
+            <a:lvl7pPr marL="2743200" marR="0" lvl="6" indent="0" algn="l" rtl="0">
               <a:lnSpc>
                 <a:spcPct val="100000"/>
               </a:lnSpc>
@@ -2542,7 +2665,7 @@
               </a:buClr>
               <a:buFont typeface="Source Sans Pro"/>
               <a:buNone/>
-              <a:defRPr b="0" i="0" sz="1800" u="none" cap="none" strike="noStrike">
+              <a:defRPr sz="1800" b="0" i="0" u="none" strike="noStrike" cap="none">
                 <a:solidFill>
                   <a:srgbClr val="263238"/>
                 </a:solidFill>
@@ -2552,7 +2675,7 @@
                 <a:sym typeface="Source Sans Pro"/>
               </a:defRPr>
             </a:lvl7pPr>
-            <a:lvl8pPr indent="0" lvl="7" marL="3200400" marR="0" rtl="0" algn="l">
+            <a:lvl8pPr marL="3200400" marR="0" lvl="7" indent="0" algn="l" rtl="0">
               <a:lnSpc>
                 <a:spcPct val="100000"/>
               </a:lnSpc>
@@ -2567,7 +2690,7 @@
               </a:buClr>
               <a:buFont typeface="Source Sans Pro"/>
               <a:buNone/>
-              <a:defRPr b="0" i="0" sz="1800" u="none" cap="none" strike="noStrike">
+              <a:defRPr sz="1800" b="0" i="0" u="none" strike="noStrike" cap="none">
                 <a:solidFill>
                   <a:srgbClr val="263238"/>
                 </a:solidFill>
@@ -2577,7 +2700,7 @@
                 <a:sym typeface="Source Sans Pro"/>
               </a:defRPr>
             </a:lvl8pPr>
-            <a:lvl9pPr indent="0" lvl="8" marL="3657600" marR="0" rtl="0" algn="l">
+            <a:lvl9pPr marL="3657600" marR="0" lvl="8" indent="0" algn="l" rtl="0">
               <a:lnSpc>
                 <a:spcPct val="100000"/>
               </a:lnSpc>
@@ -2592,7 +2715,7 @@
               </a:buClr>
               <a:buFont typeface="Source Sans Pro"/>
               <a:buNone/>
-              <a:defRPr b="0" i="0" sz="1800" u="none" cap="none" strike="noStrike">
+              <a:defRPr sz="1800" b="0" i="0" u="none" strike="noStrike" cap="none">
                 <a:solidFill>
                   <a:srgbClr val="263238"/>
                 </a:solidFill>
@@ -2603,15 +2726,19 @@
               </a:defRPr>
             </a:lvl9pPr>
           </a:lstStyle>
-          <a:p/>
+          <a:p>
+            <a:endParaRPr/>
+          </a:p>
         </p:txBody>
       </p:sp>
       <p:sp>
         <p:nvSpPr>
           <p:cNvPr id="67" name="Shape 67"/>
-          <p:cNvSpPr txBox="1"/>
+          <p:cNvSpPr txBox="1">
+            <a:spLocks noGrp="1"/>
+          </p:cNvSpPr>
           <p:nvPr>
-            <p:ph idx="12" type="sldNum"/>
+            <p:ph type="sldNum" idx="12"/>
           </p:nvPr>
         </p:nvSpPr>
         <p:spPr>
@@ -2624,7 +2751,7 @@
           </a:prstGeom>
         </p:spPr>
         <p:txBody>
-          <a:bodyPr anchorCtr="0" anchor="ctr" bIns="91425" lIns="91425" rIns="91425" tIns="91425">
+          <a:bodyPr lIns="91425" tIns="91425" rIns="91425" bIns="91425" anchor="ctr" anchorCtr="0">
             <a:noAutofit/>
           </a:bodyPr>
           <a:lstStyle/>
@@ -2639,6 +2766,7 @@
               <a:rPr lang="zh-TW"/>
               <a:t>‹#›</a:t>
             </a:fld>
+            <a:endParaRPr lang="zh-TW"/>
           </a:p>
         </p:txBody>
       </p:sp>
@@ -2651,11 +2779,11 @@
 </file>
 
 <file path=ppt/slideLayouts/slideLayout11.xml><?xml version="1.0" encoding="utf-8"?>
-<p:sldLayout xmlns:a="http://schemas.openxmlformats.org/drawingml/2006/main" xmlns:r="http://schemas.openxmlformats.org/officeDocument/2006/relationships" xmlns:mc="http://schemas.openxmlformats.org/markup-compatibility/2006" xmlns:mv="urn:schemas-microsoft-com:mac:vml" xmlns:p="http://schemas.openxmlformats.org/presentationml/2006/main" xmlns:c="http://schemas.openxmlformats.org/drawingml/2006/chart" xmlns:dgm="http://schemas.openxmlformats.org/drawingml/2006/diagram" xmlns:o="urn:schemas-microsoft-com:office:office" xmlns:v="urn:schemas-microsoft-com:vml" xmlns:pvml="urn:schemas-microsoft-com:office:powerpoint" xmlns:com="http://schemas.openxmlformats.org/drawingml/2006/compatibility" xmlns:p14="http://schemas.microsoft.com/office/powerpoint/2010/main">
+<p:sldLayout xmlns:a="http://schemas.openxmlformats.org/drawingml/2006/main" xmlns:r="http://schemas.openxmlformats.org/officeDocument/2006/relationships" xmlns:p="http://schemas.openxmlformats.org/presentationml/2006/main">
   <p:cSld name="TITLE_1">
     <p:spTree>
       <p:nvGrpSpPr>
-        <p:cNvPr id="68" name="Shape 68"/>
+        <p:cNvPr id="1" name="Shape 68"/>
         <p:cNvGrpSpPr/>
         <p:nvPr/>
       </p:nvGrpSpPr>
@@ -2670,7 +2798,9 @@
       <p:sp>
         <p:nvSpPr>
           <p:cNvPr id="69" name="Shape 69"/>
-          <p:cNvSpPr txBox="1"/>
+          <p:cNvSpPr txBox="1">
+            <a:spLocks noGrp="1"/>
+          </p:cNvSpPr>
           <p:nvPr>
             <p:ph type="ctrTitle"/>
           </p:nvPr>
@@ -2685,65 +2815,65 @@
           </a:prstGeom>
         </p:spPr>
         <p:txBody>
-          <a:bodyPr anchorCtr="0" anchor="b" bIns="91425" lIns="91425" rIns="91425" tIns="91425"/>
+          <a:bodyPr lIns="91425" tIns="91425" rIns="91425" bIns="91425" anchor="b" anchorCtr="0"/>
           <a:lstStyle>
-            <a:lvl1pPr lvl="0" rtl="0" algn="ctr">
+            <a:lvl1pPr lvl="0" algn="ctr" rtl="0">
               <a:spcBef>
                 <a:spcPts val="0"/>
               </a:spcBef>
               <a:buSzPct val="100000"/>
               <a:defRPr sz="5200"/>
             </a:lvl1pPr>
-            <a:lvl2pPr lvl="1" rtl="0" algn="ctr">
+            <a:lvl2pPr lvl="1" algn="ctr" rtl="0">
               <a:spcBef>
                 <a:spcPts val="0"/>
               </a:spcBef>
               <a:buSzPct val="100000"/>
               <a:defRPr sz="5200"/>
             </a:lvl2pPr>
-            <a:lvl3pPr lvl="2" rtl="0" algn="ctr">
+            <a:lvl3pPr lvl="2" algn="ctr" rtl="0">
               <a:spcBef>
                 <a:spcPts val="0"/>
               </a:spcBef>
               <a:buSzPct val="100000"/>
               <a:defRPr sz="5200"/>
             </a:lvl3pPr>
-            <a:lvl4pPr lvl="3" rtl="0" algn="ctr">
+            <a:lvl4pPr lvl="3" algn="ctr" rtl="0">
               <a:spcBef>
                 <a:spcPts val="0"/>
               </a:spcBef>
               <a:buSzPct val="100000"/>
               <a:defRPr sz="5200"/>
             </a:lvl4pPr>
-            <a:lvl5pPr lvl="4" rtl="0" algn="ctr">
+            <a:lvl5pPr lvl="4" algn="ctr" rtl="0">
               <a:spcBef>
                 <a:spcPts val="0"/>
               </a:spcBef>
               <a:buSzPct val="100000"/>
               <a:defRPr sz="5200"/>
             </a:lvl5pPr>
-            <a:lvl6pPr lvl="5" rtl="0" algn="ctr">
+            <a:lvl6pPr lvl="5" algn="ctr" rtl="0">
               <a:spcBef>
                 <a:spcPts val="0"/>
               </a:spcBef>
               <a:buSzPct val="100000"/>
               <a:defRPr sz="5200"/>
             </a:lvl6pPr>
-            <a:lvl7pPr lvl="6" rtl="0" algn="ctr">
+            <a:lvl7pPr lvl="6" algn="ctr" rtl="0">
               <a:spcBef>
                 <a:spcPts val="0"/>
               </a:spcBef>
               <a:buSzPct val="100000"/>
               <a:defRPr sz="5200"/>
             </a:lvl7pPr>
-            <a:lvl8pPr lvl="7" rtl="0" algn="ctr">
+            <a:lvl8pPr lvl="7" algn="ctr" rtl="0">
               <a:spcBef>
                 <a:spcPts val="0"/>
               </a:spcBef>
               <a:buSzPct val="100000"/>
               <a:defRPr sz="5200"/>
             </a:lvl8pPr>
-            <a:lvl9pPr lvl="8" rtl="0" algn="ctr">
+            <a:lvl9pPr lvl="8" algn="ctr" rtl="0">
               <a:spcBef>
                 <a:spcPts val="0"/>
               </a:spcBef>
@@ -2751,15 +2881,19 @@
               <a:defRPr sz="5200"/>
             </a:lvl9pPr>
           </a:lstStyle>
-          <a:p/>
+          <a:p>
+            <a:endParaRPr/>
+          </a:p>
         </p:txBody>
       </p:sp>
       <p:sp>
         <p:nvSpPr>
           <p:cNvPr id="70" name="Shape 70"/>
-          <p:cNvSpPr txBox="1"/>
+          <p:cNvSpPr txBox="1">
+            <a:spLocks noGrp="1"/>
+          </p:cNvSpPr>
           <p:nvPr>
-            <p:ph idx="1" type="subTitle"/>
+            <p:ph type="subTitle" idx="1"/>
           </p:nvPr>
         </p:nvSpPr>
         <p:spPr>
@@ -2772,9 +2906,9 @@
           </a:prstGeom>
         </p:spPr>
         <p:txBody>
-          <a:bodyPr anchorCtr="0" anchor="t" bIns="91425" lIns="91425" rIns="91425" tIns="91425"/>
+          <a:bodyPr lIns="91425" tIns="91425" rIns="91425" bIns="91425" anchor="t" anchorCtr="0"/>
           <a:lstStyle>
-            <a:lvl1pPr lvl="0" rtl="0" algn="ctr">
+            <a:lvl1pPr lvl="0" algn="ctr" rtl="0">
               <a:lnSpc>
                 <a:spcPct val="100000"/>
               </a:lnSpc>
@@ -2788,7 +2922,7 @@
               <a:buNone/>
               <a:defRPr sz="2800"/>
             </a:lvl1pPr>
-            <a:lvl2pPr lvl="1" rtl="0" algn="ctr">
+            <a:lvl2pPr lvl="1" algn="ctr" rtl="0">
               <a:lnSpc>
                 <a:spcPct val="100000"/>
               </a:lnSpc>
@@ -2802,7 +2936,7 @@
               <a:buNone/>
               <a:defRPr sz="2800"/>
             </a:lvl2pPr>
-            <a:lvl3pPr lvl="2" rtl="0" algn="ctr">
+            <a:lvl3pPr lvl="2" algn="ctr" rtl="0">
               <a:lnSpc>
                 <a:spcPct val="100000"/>
               </a:lnSpc>
@@ -2816,7 +2950,7 @@
               <a:buNone/>
               <a:defRPr sz="2800"/>
             </a:lvl3pPr>
-            <a:lvl4pPr lvl="3" rtl="0" algn="ctr">
+            <a:lvl4pPr lvl="3" algn="ctr" rtl="0">
               <a:lnSpc>
                 <a:spcPct val="100000"/>
               </a:lnSpc>
@@ -2830,7 +2964,7 @@
               <a:buNone/>
               <a:defRPr sz="2800"/>
             </a:lvl4pPr>
-            <a:lvl5pPr lvl="4" rtl="0" algn="ctr">
+            <a:lvl5pPr lvl="4" algn="ctr" rtl="0">
               <a:lnSpc>
                 <a:spcPct val="100000"/>
               </a:lnSpc>
@@ -2844,7 +2978,7 @@
               <a:buNone/>
               <a:defRPr sz="2800"/>
             </a:lvl5pPr>
-            <a:lvl6pPr lvl="5" rtl="0" algn="ctr">
+            <a:lvl6pPr lvl="5" algn="ctr" rtl="0">
               <a:lnSpc>
                 <a:spcPct val="100000"/>
               </a:lnSpc>
@@ -2858,7 +2992,7 @@
               <a:buNone/>
               <a:defRPr sz="2800"/>
             </a:lvl6pPr>
-            <a:lvl7pPr lvl="6" rtl="0" algn="ctr">
+            <a:lvl7pPr lvl="6" algn="ctr" rtl="0">
               <a:lnSpc>
                 <a:spcPct val="100000"/>
               </a:lnSpc>
@@ -2872,7 +3006,7 @@
               <a:buNone/>
               <a:defRPr sz="2800"/>
             </a:lvl7pPr>
-            <a:lvl8pPr lvl="7" rtl="0" algn="ctr">
+            <a:lvl8pPr lvl="7" algn="ctr" rtl="0">
               <a:lnSpc>
                 <a:spcPct val="100000"/>
               </a:lnSpc>
@@ -2886,7 +3020,7 @@
               <a:buNone/>
               <a:defRPr sz="2800"/>
             </a:lvl8pPr>
-            <a:lvl9pPr lvl="8" rtl="0" algn="ctr">
+            <a:lvl9pPr lvl="8" algn="ctr" rtl="0">
               <a:lnSpc>
                 <a:spcPct val="100000"/>
               </a:lnSpc>
@@ -2901,15 +3035,19 @@
               <a:defRPr sz="2800"/>
             </a:lvl9pPr>
           </a:lstStyle>
-          <a:p/>
+          <a:p>
+            <a:endParaRPr/>
+          </a:p>
         </p:txBody>
       </p:sp>
       <p:sp>
         <p:nvSpPr>
           <p:cNvPr id="71" name="Shape 71"/>
-          <p:cNvSpPr txBox="1"/>
+          <p:cNvSpPr txBox="1">
+            <a:spLocks noGrp="1"/>
+          </p:cNvSpPr>
           <p:nvPr>
-            <p:ph idx="12" type="sldNum"/>
+            <p:ph type="sldNum" idx="12"/>
           </p:nvPr>
         </p:nvSpPr>
         <p:spPr>
@@ -2922,7 +3060,7 @@
           </a:prstGeom>
         </p:spPr>
         <p:txBody>
-          <a:bodyPr anchorCtr="0" anchor="ctr" bIns="91425" lIns="91425" rIns="91425" tIns="91425">
+          <a:bodyPr lIns="91425" tIns="91425" rIns="91425" bIns="91425" anchor="ctr" anchorCtr="0">
             <a:noAutofit/>
           </a:bodyPr>
           <a:lstStyle/>
@@ -2937,6 +3075,7 @@
               <a:rPr lang="zh-TW"/>
               <a:t>‹#›</a:t>
             </a:fld>
+            <a:endParaRPr lang="zh-TW"/>
           </a:p>
         </p:txBody>
       </p:sp>
@@ -2949,11 +3088,11 @@
 </file>
 
 <file path=ppt/slideLayouts/slideLayout2.xml><?xml version="1.0" encoding="utf-8"?>
-<p:sldLayout xmlns:a="http://schemas.openxmlformats.org/drawingml/2006/main" xmlns:r="http://schemas.openxmlformats.org/officeDocument/2006/relationships" xmlns:mc="http://schemas.openxmlformats.org/markup-compatibility/2006" xmlns:mv="urn:schemas-microsoft-com:mac:vml" xmlns:p="http://schemas.openxmlformats.org/presentationml/2006/main" xmlns:c="http://schemas.openxmlformats.org/drawingml/2006/chart" xmlns:dgm="http://schemas.openxmlformats.org/drawingml/2006/diagram" xmlns:o="urn:schemas-microsoft-com:office:office" xmlns:v="urn:schemas-microsoft-com:vml" xmlns:pvml="urn:schemas-microsoft-com:office:powerpoint" xmlns:com="http://schemas.openxmlformats.org/drawingml/2006/compatibility" xmlns:p14="http://schemas.microsoft.com/office/powerpoint/2010/main" type="twoColTx">
+<p:sldLayout xmlns:a="http://schemas.openxmlformats.org/drawingml/2006/main" xmlns:r="http://schemas.openxmlformats.org/officeDocument/2006/relationships" xmlns:p="http://schemas.openxmlformats.org/presentationml/2006/main" type="twoColTx">
   <p:cSld name="Title + 2 columns">
     <p:spTree>
       <p:nvGrpSpPr>
-        <p:cNvPr id="27" name="Shape 27"/>
+        <p:cNvPr id="1" name="Shape 27"/>
         <p:cNvGrpSpPr/>
         <p:nvPr/>
       </p:nvGrpSpPr>
@@ -2968,7 +3107,9 @@
       <p:sp>
         <p:nvSpPr>
           <p:cNvPr id="28" name="Shape 28"/>
-          <p:cNvSpPr txBox="1"/>
+          <p:cNvSpPr txBox="1">
+            <a:spLocks noGrp="1"/>
+          </p:cNvSpPr>
           <p:nvPr>
             <p:ph type="title"/>
           </p:nvPr>
@@ -2987,9 +3128,9 @@
           </a:ln>
         </p:spPr>
         <p:txBody>
-          <a:bodyPr anchorCtr="0" anchor="b" bIns="91425" lIns="91425" rIns="91425" tIns="91425"/>
+          <a:bodyPr lIns="91425" tIns="91425" rIns="91425" bIns="91425" anchor="b" anchorCtr="0"/>
           <a:lstStyle>
-            <a:lvl1pPr indent="0" lvl="0" marL="0" marR="0" rtl="0" algn="l">
+            <a:lvl1pPr marL="0" marR="0" lvl="0" indent="0" algn="l" rtl="0">
               <a:lnSpc>
                 <a:spcPct val="100000"/>
               </a:lnSpc>
@@ -3004,7 +3145,7 @@
               </a:buClr>
               <a:buFont typeface="Roboto Slab"/>
               <a:buNone/>
-              <a:defRPr b="0" i="0" sz="2000" u="none" cap="none" strike="noStrike">
+              <a:defRPr sz="2000" b="0" i="0" u="none" strike="noStrike" cap="none">
                 <a:solidFill>
                   <a:srgbClr val="0091EA"/>
                 </a:solidFill>
@@ -3014,7 +3155,7 @@
                 <a:sym typeface="Roboto Slab"/>
               </a:defRPr>
             </a:lvl1pPr>
-            <a:lvl2pPr indent="0" lvl="1">
+            <a:lvl2pPr lvl="1" indent="0">
               <a:spcBef>
                 <a:spcPts val="0"/>
               </a:spcBef>
@@ -3033,7 +3174,7 @@
                 <a:sym typeface="Roboto Slab"/>
               </a:defRPr>
             </a:lvl2pPr>
-            <a:lvl3pPr indent="0" lvl="2">
+            <a:lvl3pPr lvl="2" indent="0">
               <a:spcBef>
                 <a:spcPts val="0"/>
               </a:spcBef>
@@ -3052,7 +3193,7 @@
                 <a:sym typeface="Roboto Slab"/>
               </a:defRPr>
             </a:lvl3pPr>
-            <a:lvl4pPr indent="0" lvl="3">
+            <a:lvl4pPr lvl="3" indent="0">
               <a:spcBef>
                 <a:spcPts val="0"/>
               </a:spcBef>
@@ -3071,7 +3212,7 @@
                 <a:sym typeface="Roboto Slab"/>
               </a:defRPr>
             </a:lvl4pPr>
-            <a:lvl5pPr indent="0" lvl="4">
+            <a:lvl5pPr lvl="4" indent="0">
               <a:spcBef>
                 <a:spcPts val="0"/>
               </a:spcBef>
@@ -3090,7 +3231,7 @@
                 <a:sym typeface="Roboto Slab"/>
               </a:defRPr>
             </a:lvl5pPr>
-            <a:lvl6pPr indent="0" lvl="5">
+            <a:lvl6pPr lvl="5" indent="0">
               <a:spcBef>
                 <a:spcPts val="0"/>
               </a:spcBef>
@@ -3109,7 +3250,7 @@
                 <a:sym typeface="Roboto Slab"/>
               </a:defRPr>
             </a:lvl6pPr>
-            <a:lvl7pPr indent="0" lvl="6">
+            <a:lvl7pPr lvl="6" indent="0">
               <a:spcBef>
                 <a:spcPts val="0"/>
               </a:spcBef>
@@ -3128,7 +3269,7 @@
                 <a:sym typeface="Roboto Slab"/>
               </a:defRPr>
             </a:lvl7pPr>
-            <a:lvl8pPr indent="0" lvl="7">
+            <a:lvl8pPr lvl="7" indent="0">
               <a:spcBef>
                 <a:spcPts val="0"/>
               </a:spcBef>
@@ -3147,7 +3288,7 @@
                 <a:sym typeface="Roboto Slab"/>
               </a:defRPr>
             </a:lvl8pPr>
-            <a:lvl9pPr indent="0" lvl="8">
+            <a:lvl9pPr lvl="8" indent="0">
               <a:spcBef>
                 <a:spcPts val="0"/>
               </a:spcBef>
@@ -3167,15 +3308,19 @@
               </a:defRPr>
             </a:lvl9pPr>
           </a:lstStyle>
-          <a:p/>
+          <a:p>
+            <a:endParaRPr/>
+          </a:p>
         </p:txBody>
       </p:sp>
       <p:sp>
         <p:nvSpPr>
           <p:cNvPr id="29" name="Shape 29"/>
-          <p:cNvSpPr txBox="1"/>
+          <p:cNvSpPr txBox="1">
+            <a:spLocks noGrp="1"/>
+          </p:cNvSpPr>
           <p:nvPr>
-            <p:ph idx="1" type="body"/>
+            <p:ph type="body" idx="1"/>
           </p:nvPr>
         </p:nvSpPr>
         <p:spPr>
@@ -3192,9 +3337,9 @@
           </a:ln>
         </p:spPr>
         <p:txBody>
-          <a:bodyPr anchorCtr="0" anchor="t" bIns="91425" lIns="91425" rIns="91425" tIns="91425"/>
+          <a:bodyPr lIns="91425" tIns="91425" rIns="91425" bIns="91425" anchor="t" anchorCtr="0"/>
           <a:lstStyle>
-            <a:lvl1pPr indent="165100" lvl="0" marL="0" marR="0" rtl="0" algn="l">
+            <a:lvl1pPr marL="0" marR="0" lvl="0" indent="165100" algn="l" rtl="0">
               <a:lnSpc>
                 <a:spcPct val="100000"/>
               </a:lnSpc>
@@ -3210,7 +3355,7 @@
               <a:buSzPct val="100000"/>
               <a:buFont typeface="Source Sans Pro"/>
               <a:buChar char="◎"/>
-              <a:defRPr b="0" i="0" sz="2600" u="none" cap="none" strike="noStrike">
+              <a:defRPr sz="2600" b="0" i="0" u="none" strike="noStrike" cap="none">
                 <a:solidFill>
                   <a:srgbClr val="263238"/>
                 </a:solidFill>
@@ -3220,7 +3365,7 @@
                 <a:sym typeface="Source Sans Pro"/>
               </a:defRPr>
             </a:lvl1pPr>
-            <a:lvl2pPr indent="165100" lvl="1" marL="457200" marR="0" rtl="0" algn="l">
+            <a:lvl2pPr marL="457200" marR="0" lvl="1" indent="165100" algn="l" rtl="0">
               <a:lnSpc>
                 <a:spcPct val="100000"/>
               </a:lnSpc>
@@ -3236,7 +3381,7 @@
               <a:buSzPct val="100000"/>
               <a:buFont typeface="Source Sans Pro"/>
               <a:buChar char="○"/>
-              <a:defRPr b="0" i="0" sz="2600" u="none" cap="none" strike="noStrike">
+              <a:defRPr sz="2600" b="0" i="0" u="none" strike="noStrike" cap="none">
                 <a:solidFill>
                   <a:srgbClr val="263238"/>
                 </a:solidFill>
@@ -3246,7 +3391,7 @@
                 <a:sym typeface="Source Sans Pro"/>
               </a:defRPr>
             </a:lvl2pPr>
-            <a:lvl3pPr indent="165100" lvl="2" marL="914400" marR="0" rtl="0" algn="l">
+            <a:lvl3pPr marL="914400" marR="0" lvl="2" indent="165100" algn="l" rtl="0">
               <a:lnSpc>
                 <a:spcPct val="100000"/>
               </a:lnSpc>
@@ -3262,7 +3407,7 @@
               <a:buSzPct val="100000"/>
               <a:buFont typeface="Source Sans Pro"/>
               <a:buChar char="◉"/>
-              <a:defRPr b="0" i="0" sz="2600" u="none" cap="none" strike="noStrike">
+              <a:defRPr sz="2600" b="0" i="0" u="none" strike="noStrike" cap="none">
                 <a:solidFill>
                   <a:srgbClr val="263238"/>
                 </a:solidFill>
@@ -3272,7 +3417,7 @@
                 <a:sym typeface="Source Sans Pro"/>
               </a:defRPr>
             </a:lvl3pPr>
-            <a:lvl4pPr indent="0" lvl="3" marL="1371600" marR="0" rtl="0" algn="l">
+            <a:lvl4pPr marL="1371600" marR="0" lvl="3" indent="0" algn="l" rtl="0">
               <a:lnSpc>
                 <a:spcPct val="100000"/>
               </a:lnSpc>
@@ -3287,7 +3432,7 @@
               </a:buClr>
               <a:buFont typeface="Source Sans Pro"/>
               <a:buNone/>
-              <a:defRPr b="0" i="0" sz="2600" u="none" cap="none" strike="noStrike">
+              <a:defRPr sz="2600" b="0" i="0" u="none" strike="noStrike" cap="none">
                 <a:solidFill>
                   <a:srgbClr val="263238"/>
                 </a:solidFill>
@@ -3297,7 +3442,7 @@
                 <a:sym typeface="Source Sans Pro"/>
               </a:defRPr>
             </a:lvl4pPr>
-            <a:lvl5pPr indent="0" lvl="4" marL="1828800" marR="0" rtl="0" algn="l">
+            <a:lvl5pPr marL="1828800" marR="0" lvl="4" indent="0" algn="l" rtl="0">
               <a:lnSpc>
                 <a:spcPct val="100000"/>
               </a:lnSpc>
@@ -3312,7 +3457,7 @@
               </a:buClr>
               <a:buFont typeface="Source Sans Pro"/>
               <a:buNone/>
-              <a:defRPr b="0" i="0" sz="2600" u="none" cap="none" strike="noStrike">
+              <a:defRPr sz="2600" b="0" i="0" u="none" strike="noStrike" cap="none">
                 <a:solidFill>
                   <a:srgbClr val="263238"/>
                 </a:solidFill>
@@ -3322,7 +3467,7 @@
                 <a:sym typeface="Source Sans Pro"/>
               </a:defRPr>
             </a:lvl5pPr>
-            <a:lvl6pPr indent="0" lvl="5" marL="2286000" marR="0" rtl="0" algn="l">
+            <a:lvl6pPr marL="2286000" marR="0" lvl="5" indent="0" algn="l" rtl="0">
               <a:lnSpc>
                 <a:spcPct val="100000"/>
               </a:lnSpc>
@@ -3337,7 +3482,7 @@
               </a:buClr>
               <a:buFont typeface="Source Sans Pro"/>
               <a:buNone/>
-              <a:defRPr b="0" i="0" sz="2600" u="none" cap="none" strike="noStrike">
+              <a:defRPr sz="2600" b="0" i="0" u="none" strike="noStrike" cap="none">
                 <a:solidFill>
                   <a:srgbClr val="263238"/>
                 </a:solidFill>
@@ -3347,7 +3492,7 @@
                 <a:sym typeface="Source Sans Pro"/>
               </a:defRPr>
             </a:lvl6pPr>
-            <a:lvl7pPr indent="0" lvl="6" marL="2743200" marR="0" rtl="0" algn="l">
+            <a:lvl7pPr marL="2743200" marR="0" lvl="6" indent="0" algn="l" rtl="0">
               <a:lnSpc>
                 <a:spcPct val="100000"/>
               </a:lnSpc>
@@ -3362,7 +3507,7 @@
               </a:buClr>
               <a:buFont typeface="Source Sans Pro"/>
               <a:buNone/>
-              <a:defRPr b="0" i="0" sz="2600" u="none" cap="none" strike="noStrike">
+              <a:defRPr sz="2600" b="0" i="0" u="none" strike="noStrike" cap="none">
                 <a:solidFill>
                   <a:srgbClr val="263238"/>
                 </a:solidFill>
@@ -3372,7 +3517,7 @@
                 <a:sym typeface="Source Sans Pro"/>
               </a:defRPr>
             </a:lvl7pPr>
-            <a:lvl8pPr indent="0" lvl="7" marL="3200400" marR="0" rtl="0" algn="l">
+            <a:lvl8pPr marL="3200400" marR="0" lvl="7" indent="0" algn="l" rtl="0">
               <a:lnSpc>
                 <a:spcPct val="100000"/>
               </a:lnSpc>
@@ -3387,7 +3532,7 @@
               </a:buClr>
               <a:buFont typeface="Source Sans Pro"/>
               <a:buNone/>
-              <a:defRPr b="0" i="0" sz="2600" u="none" cap="none" strike="noStrike">
+              <a:defRPr sz="2600" b="0" i="0" u="none" strike="noStrike" cap="none">
                 <a:solidFill>
                   <a:srgbClr val="263238"/>
                 </a:solidFill>
@@ -3397,7 +3542,7 @@
                 <a:sym typeface="Source Sans Pro"/>
               </a:defRPr>
             </a:lvl8pPr>
-            <a:lvl9pPr indent="0" lvl="8" marL="3657600" marR="0" rtl="0" algn="l">
+            <a:lvl9pPr marL="3657600" marR="0" lvl="8" indent="0" algn="l" rtl="0">
               <a:lnSpc>
                 <a:spcPct val="100000"/>
               </a:lnSpc>
@@ -3412,7 +3557,7 @@
               </a:buClr>
               <a:buFont typeface="Source Sans Pro"/>
               <a:buNone/>
-              <a:defRPr b="0" i="0" sz="2600" u="none" cap="none" strike="noStrike">
+              <a:defRPr sz="2600" b="0" i="0" u="none" strike="noStrike" cap="none">
                 <a:solidFill>
                   <a:srgbClr val="263238"/>
                 </a:solidFill>
@@ -3423,15 +3568,19 @@
               </a:defRPr>
             </a:lvl9pPr>
           </a:lstStyle>
-          <a:p/>
+          <a:p>
+            <a:endParaRPr/>
+          </a:p>
         </p:txBody>
       </p:sp>
       <p:sp>
         <p:nvSpPr>
           <p:cNvPr id="30" name="Shape 30"/>
-          <p:cNvSpPr txBox="1"/>
+          <p:cNvSpPr txBox="1">
+            <a:spLocks noGrp="1"/>
+          </p:cNvSpPr>
           <p:nvPr>
-            <p:ph idx="2" type="body"/>
+            <p:ph type="body" idx="2"/>
           </p:nvPr>
         </p:nvSpPr>
         <p:spPr>
@@ -3448,9 +3597,9 @@
           </a:ln>
         </p:spPr>
         <p:txBody>
-          <a:bodyPr anchorCtr="0" anchor="t" bIns="91425" lIns="91425" rIns="91425" tIns="91425"/>
+          <a:bodyPr lIns="91425" tIns="91425" rIns="91425" bIns="91425" anchor="t" anchorCtr="0"/>
           <a:lstStyle>
-            <a:lvl1pPr indent="165100" lvl="0" marL="0" marR="0" rtl="0" algn="l">
+            <a:lvl1pPr marL="0" marR="0" lvl="0" indent="165100" algn="l" rtl="0">
               <a:lnSpc>
                 <a:spcPct val="100000"/>
               </a:lnSpc>
@@ -3466,7 +3615,7 @@
               <a:buSzPct val="100000"/>
               <a:buFont typeface="Source Sans Pro"/>
               <a:buChar char="◎"/>
-              <a:defRPr b="0" i="0" sz="2600" u="none" cap="none" strike="noStrike">
+              <a:defRPr sz="2600" b="0" i="0" u="none" strike="noStrike" cap="none">
                 <a:solidFill>
                   <a:srgbClr val="263238"/>
                 </a:solidFill>
@@ -3476,7 +3625,7 @@
                 <a:sym typeface="Source Sans Pro"/>
               </a:defRPr>
             </a:lvl1pPr>
-            <a:lvl2pPr indent="165100" lvl="1" marL="457200" marR="0" rtl="0" algn="l">
+            <a:lvl2pPr marL="457200" marR="0" lvl="1" indent="165100" algn="l" rtl="0">
               <a:lnSpc>
                 <a:spcPct val="100000"/>
               </a:lnSpc>
@@ -3492,7 +3641,7 @@
               <a:buSzPct val="100000"/>
               <a:buFont typeface="Source Sans Pro"/>
               <a:buChar char="○"/>
-              <a:defRPr b="0" i="0" sz="2600" u="none" cap="none" strike="noStrike">
+              <a:defRPr sz="2600" b="0" i="0" u="none" strike="noStrike" cap="none">
                 <a:solidFill>
                   <a:srgbClr val="263238"/>
                 </a:solidFill>
@@ -3502,7 +3651,7 @@
                 <a:sym typeface="Source Sans Pro"/>
               </a:defRPr>
             </a:lvl2pPr>
-            <a:lvl3pPr indent="165100" lvl="2" marL="914400" marR="0" rtl="0" algn="l">
+            <a:lvl3pPr marL="914400" marR="0" lvl="2" indent="165100" algn="l" rtl="0">
               <a:lnSpc>
                 <a:spcPct val="100000"/>
               </a:lnSpc>
@@ -3518,7 +3667,7 @@
               <a:buSzPct val="100000"/>
               <a:buFont typeface="Source Sans Pro"/>
               <a:buChar char="◉"/>
-              <a:defRPr b="0" i="0" sz="2600" u="none" cap="none" strike="noStrike">
+              <a:defRPr sz="2600" b="0" i="0" u="none" strike="noStrike" cap="none">
                 <a:solidFill>
                   <a:srgbClr val="263238"/>
                 </a:solidFill>
@@ -3528,7 +3677,7 @@
                 <a:sym typeface="Source Sans Pro"/>
               </a:defRPr>
             </a:lvl3pPr>
-            <a:lvl4pPr indent="0" lvl="3" marL="1371600" marR="0" rtl="0" algn="l">
+            <a:lvl4pPr marL="1371600" marR="0" lvl="3" indent="0" algn="l" rtl="0">
               <a:lnSpc>
                 <a:spcPct val="100000"/>
               </a:lnSpc>
@@ -3543,7 +3692,7 @@
               </a:buClr>
               <a:buFont typeface="Source Sans Pro"/>
               <a:buNone/>
-              <a:defRPr b="0" i="0" sz="2600" u="none" cap="none" strike="noStrike">
+              <a:defRPr sz="2600" b="0" i="0" u="none" strike="noStrike" cap="none">
                 <a:solidFill>
                   <a:srgbClr val="263238"/>
                 </a:solidFill>
@@ -3553,7 +3702,7 @@
                 <a:sym typeface="Source Sans Pro"/>
               </a:defRPr>
             </a:lvl4pPr>
-            <a:lvl5pPr indent="0" lvl="4" marL="1828800" marR="0" rtl="0" algn="l">
+            <a:lvl5pPr marL="1828800" marR="0" lvl="4" indent="0" algn="l" rtl="0">
               <a:lnSpc>
                 <a:spcPct val="100000"/>
               </a:lnSpc>
@@ -3568,7 +3717,7 @@
               </a:buClr>
               <a:buFont typeface="Source Sans Pro"/>
               <a:buNone/>
-              <a:defRPr b="0" i="0" sz="2600" u="none" cap="none" strike="noStrike">
+              <a:defRPr sz="2600" b="0" i="0" u="none" strike="noStrike" cap="none">
                 <a:solidFill>
                   <a:srgbClr val="263238"/>
                 </a:solidFill>
@@ -3578,7 +3727,7 @@
                 <a:sym typeface="Source Sans Pro"/>
               </a:defRPr>
             </a:lvl5pPr>
-            <a:lvl6pPr indent="0" lvl="5" marL="2286000" marR="0" rtl="0" algn="l">
+            <a:lvl6pPr marL="2286000" marR="0" lvl="5" indent="0" algn="l" rtl="0">
               <a:lnSpc>
                 <a:spcPct val="100000"/>
               </a:lnSpc>
@@ -3593,7 +3742,7 @@
               </a:buClr>
               <a:buFont typeface="Source Sans Pro"/>
               <a:buNone/>
-              <a:defRPr b="0" i="0" sz="2600" u="none" cap="none" strike="noStrike">
+              <a:defRPr sz="2600" b="0" i="0" u="none" strike="noStrike" cap="none">
                 <a:solidFill>
                   <a:srgbClr val="263238"/>
                 </a:solidFill>
@@ -3603,7 +3752,7 @@
                 <a:sym typeface="Source Sans Pro"/>
               </a:defRPr>
             </a:lvl6pPr>
-            <a:lvl7pPr indent="0" lvl="6" marL="2743200" marR="0" rtl="0" algn="l">
+            <a:lvl7pPr marL="2743200" marR="0" lvl="6" indent="0" algn="l" rtl="0">
               <a:lnSpc>
                 <a:spcPct val="100000"/>
               </a:lnSpc>
@@ -3618,7 +3767,7 @@
               </a:buClr>
               <a:buFont typeface="Source Sans Pro"/>
               <a:buNone/>
-              <a:defRPr b="0" i="0" sz="2600" u="none" cap="none" strike="noStrike">
+              <a:defRPr sz="2600" b="0" i="0" u="none" strike="noStrike" cap="none">
                 <a:solidFill>
                   <a:srgbClr val="263238"/>
                 </a:solidFill>
@@ -3628,7 +3777,7 @@
                 <a:sym typeface="Source Sans Pro"/>
               </a:defRPr>
             </a:lvl7pPr>
-            <a:lvl8pPr indent="0" lvl="7" marL="3200400" marR="0" rtl="0" algn="l">
+            <a:lvl8pPr marL="3200400" marR="0" lvl="7" indent="0" algn="l" rtl="0">
               <a:lnSpc>
                 <a:spcPct val="100000"/>
               </a:lnSpc>
@@ -3643,7 +3792,7 @@
               </a:buClr>
               <a:buFont typeface="Source Sans Pro"/>
               <a:buNone/>
-              <a:defRPr b="0" i="0" sz="2600" u="none" cap="none" strike="noStrike">
+              <a:defRPr sz="2600" b="0" i="0" u="none" strike="noStrike" cap="none">
                 <a:solidFill>
                   <a:srgbClr val="263238"/>
                 </a:solidFill>
@@ -3653,7 +3802,7 @@
                 <a:sym typeface="Source Sans Pro"/>
               </a:defRPr>
             </a:lvl8pPr>
-            <a:lvl9pPr indent="0" lvl="8" marL="3657600" marR="0" rtl="0" algn="l">
+            <a:lvl9pPr marL="3657600" marR="0" lvl="8" indent="0" algn="l" rtl="0">
               <a:lnSpc>
                 <a:spcPct val="100000"/>
               </a:lnSpc>
@@ -3668,7 +3817,7 @@
               </a:buClr>
               <a:buFont typeface="Source Sans Pro"/>
               <a:buNone/>
-              <a:defRPr b="0" i="0" sz="2600" u="none" cap="none" strike="noStrike">
+              <a:defRPr sz="2600" b="0" i="0" u="none" strike="noStrike" cap="none">
                 <a:solidFill>
                   <a:srgbClr val="263238"/>
                 </a:solidFill>
@@ -3679,15 +3828,19 @@
               </a:defRPr>
             </a:lvl9pPr>
           </a:lstStyle>
-          <a:p/>
+          <a:p>
+            <a:endParaRPr/>
+          </a:p>
         </p:txBody>
       </p:sp>
       <p:sp>
         <p:nvSpPr>
           <p:cNvPr id="31" name="Shape 31"/>
-          <p:cNvSpPr txBox="1"/>
+          <p:cNvSpPr txBox="1">
+            <a:spLocks noGrp="1"/>
+          </p:cNvSpPr>
           <p:nvPr>
-            <p:ph idx="12" type="sldNum"/>
+            <p:ph type="sldNum" idx="12"/>
           </p:nvPr>
         </p:nvSpPr>
         <p:spPr>
@@ -3700,7 +3853,7 @@
           </a:prstGeom>
         </p:spPr>
         <p:txBody>
-          <a:bodyPr anchorCtr="0" anchor="ctr" bIns="91425" lIns="91425" rIns="91425" tIns="91425">
+          <a:bodyPr lIns="91425" tIns="91425" rIns="91425" bIns="91425" anchor="ctr" anchorCtr="0">
             <a:noAutofit/>
           </a:bodyPr>
           <a:lstStyle/>
@@ -3715,6 +3868,7 @@
               <a:rPr lang="zh-TW"/>
               <a:t>‹#›</a:t>
             </a:fld>
+            <a:endParaRPr lang="zh-TW"/>
           </a:p>
         </p:txBody>
       </p:sp>
@@ -3727,7 +3881,7 @@
 </file>
 
 <file path=ppt/slideLayouts/slideLayout3.xml><?xml version="1.0" encoding="utf-8"?>
-<p:sldLayout xmlns:a="http://schemas.openxmlformats.org/drawingml/2006/main" xmlns:r="http://schemas.openxmlformats.org/officeDocument/2006/relationships" xmlns:mc="http://schemas.openxmlformats.org/markup-compatibility/2006" xmlns:mv="urn:schemas-microsoft-com:mac:vml" xmlns:p="http://schemas.openxmlformats.org/presentationml/2006/main" xmlns:c="http://schemas.openxmlformats.org/drawingml/2006/chart" xmlns:dgm="http://schemas.openxmlformats.org/drawingml/2006/diagram" xmlns:o="urn:schemas-microsoft-com:office:office" xmlns:v="urn:schemas-microsoft-com:vml" xmlns:pvml="urn:schemas-microsoft-com:office:powerpoint" xmlns:com="http://schemas.openxmlformats.org/drawingml/2006/compatibility" xmlns:p14="http://schemas.microsoft.com/office/powerpoint/2010/main" type="blank">
+<p:sldLayout xmlns:a="http://schemas.openxmlformats.org/drawingml/2006/main" xmlns:r="http://schemas.openxmlformats.org/officeDocument/2006/relationships" xmlns:p="http://schemas.openxmlformats.org/presentationml/2006/main" type="blank">
   <p:cSld name="Blank">
     <p:bg>
       <p:bgPr>
@@ -3736,14 +3890,15 @@
             <a:alphaModFix/>
           </a:blip>
           <a:stretch>
-            <a:fillRect b="0" l="0" r="0" t="0"/>
+            <a:fillRect/>
           </a:stretch>
         </a:blipFill>
+        <a:effectLst/>
       </p:bgPr>
     </p:bg>
     <p:spTree>
       <p:nvGrpSpPr>
-        <p:cNvPr id="32" name="Shape 32"/>
+        <p:cNvPr id="1" name="Shape 32"/>
         <p:cNvGrpSpPr/>
         <p:nvPr/>
       </p:nvGrpSpPr>
@@ -3758,9 +3913,11 @@
       <p:sp>
         <p:nvSpPr>
           <p:cNvPr id="33" name="Shape 33"/>
-          <p:cNvSpPr txBox="1"/>
+          <p:cNvSpPr txBox="1">
+            <a:spLocks noGrp="1"/>
+          </p:cNvSpPr>
           <p:nvPr>
-            <p:ph idx="12" type="sldNum"/>
+            <p:ph type="sldNum" idx="12"/>
           </p:nvPr>
         </p:nvSpPr>
         <p:spPr>
@@ -3773,7 +3930,7 @@
           </a:prstGeom>
         </p:spPr>
         <p:txBody>
-          <a:bodyPr anchorCtr="0" anchor="ctr" bIns="91425" lIns="91425" rIns="91425" tIns="91425">
+          <a:bodyPr lIns="91425" tIns="91425" rIns="91425" bIns="91425" anchor="ctr" anchorCtr="0">
             <a:noAutofit/>
           </a:bodyPr>
           <a:lstStyle/>
@@ -3788,6 +3945,7 @@
               <a:rPr lang="zh-TW"/>
               <a:t>‹#›</a:t>
             </a:fld>
+            <a:endParaRPr lang="zh-TW"/>
           </a:p>
         </p:txBody>
       </p:sp>
@@ -3800,7 +3958,7 @@
 </file>
 
 <file path=ppt/slideLayouts/slideLayout4.xml><?xml version="1.0" encoding="utf-8"?>
-<p:sldLayout xmlns:a="http://schemas.openxmlformats.org/drawingml/2006/main" xmlns:r="http://schemas.openxmlformats.org/officeDocument/2006/relationships" xmlns:mc="http://schemas.openxmlformats.org/markup-compatibility/2006" xmlns:mv="urn:schemas-microsoft-com:mac:vml" xmlns:p="http://schemas.openxmlformats.org/presentationml/2006/main" xmlns:c="http://schemas.openxmlformats.org/drawingml/2006/chart" xmlns:dgm="http://schemas.openxmlformats.org/drawingml/2006/diagram" xmlns:o="urn:schemas-microsoft-com:office:office" xmlns:v="urn:schemas-microsoft-com:vml" xmlns:pvml="urn:schemas-microsoft-com:office:powerpoint" xmlns:com="http://schemas.openxmlformats.org/drawingml/2006/compatibility" xmlns:p14="http://schemas.microsoft.com/office/powerpoint/2010/main">
+<p:sldLayout xmlns:a="http://schemas.openxmlformats.org/drawingml/2006/main" xmlns:r="http://schemas.openxmlformats.org/officeDocument/2006/relationships" xmlns:p="http://schemas.openxmlformats.org/presentationml/2006/main">
   <p:cSld name="Subtitle">
     <p:bg>
       <p:bgPr>
@@ -3809,14 +3967,15 @@
             <a:alphaModFix/>
           </a:blip>
           <a:stretch>
-            <a:fillRect b="0" l="0" r="0" t="0"/>
+            <a:fillRect/>
           </a:stretch>
         </a:blipFill>
+        <a:effectLst/>
       </p:bgPr>
     </p:bg>
     <p:spTree>
       <p:nvGrpSpPr>
-        <p:cNvPr id="34" name="Shape 34"/>
+        <p:cNvPr id="1" name="Shape 34"/>
         <p:cNvGrpSpPr/>
         <p:nvPr/>
       </p:nvGrpSpPr>
@@ -3831,7 +3990,9 @@
       <p:sp>
         <p:nvSpPr>
           <p:cNvPr id="35" name="Shape 35"/>
-          <p:cNvSpPr txBox="1"/>
+          <p:cNvSpPr txBox="1">
+            <a:spLocks noGrp="1"/>
+          </p:cNvSpPr>
           <p:nvPr>
             <p:ph type="ctrTitle"/>
           </p:nvPr>
@@ -3850,9 +4011,9 @@
           </a:ln>
         </p:spPr>
         <p:txBody>
-          <a:bodyPr anchorCtr="0" anchor="b" bIns="91425" lIns="91425" rIns="91425" tIns="91425"/>
+          <a:bodyPr lIns="91425" tIns="91425" rIns="91425" bIns="91425" anchor="b" anchorCtr="0"/>
           <a:lstStyle>
-            <a:lvl1pPr indent="0" lvl="0" marL="0" marR="0" rtl="0" algn="l">
+            <a:lvl1pPr marL="0" marR="0" lvl="0" indent="0" algn="l" rtl="0">
               <a:lnSpc>
                 <a:spcPct val="100000"/>
               </a:lnSpc>
@@ -3867,7 +4028,7 @@
               </a:buClr>
               <a:buFont typeface="Roboto Slab"/>
               <a:buNone/>
-              <a:defRPr b="1" i="0" sz="4800" u="none" cap="none" strike="noStrike">
+              <a:defRPr sz="4800" b="1" i="0" u="none" strike="noStrike" cap="none">
                 <a:solidFill>
                   <a:srgbClr val="0091EA"/>
                 </a:solidFill>
@@ -3877,7 +4038,7 @@
                 <a:sym typeface="Roboto Slab"/>
               </a:defRPr>
             </a:lvl1pPr>
-            <a:lvl2pPr indent="0" lvl="1" rtl="0">
+            <a:lvl2pPr lvl="1" indent="0" rtl="0">
               <a:spcBef>
                 <a:spcPts val="0"/>
               </a:spcBef>
@@ -3886,7 +4047,7 @@
               </a:buClr>
               <a:buFont typeface="Roboto Slab"/>
               <a:buNone/>
-              <a:defRPr b="1" sz="4800">
+              <a:defRPr sz="4800" b="1">
                 <a:solidFill>
                   <a:srgbClr val="0091EA"/>
                 </a:solidFill>
@@ -3896,7 +4057,7 @@
                 <a:sym typeface="Roboto Slab"/>
               </a:defRPr>
             </a:lvl2pPr>
-            <a:lvl3pPr indent="0" lvl="2" rtl="0">
+            <a:lvl3pPr lvl="2" indent="0" rtl="0">
               <a:spcBef>
                 <a:spcPts val="0"/>
               </a:spcBef>
@@ -3905,7 +4066,7 @@
               </a:buClr>
               <a:buFont typeface="Roboto Slab"/>
               <a:buNone/>
-              <a:defRPr b="1" sz="4800">
+              <a:defRPr sz="4800" b="1">
                 <a:solidFill>
                   <a:srgbClr val="0091EA"/>
                 </a:solidFill>
@@ -3915,7 +4076,7 @@
                 <a:sym typeface="Roboto Slab"/>
               </a:defRPr>
             </a:lvl3pPr>
-            <a:lvl4pPr indent="0" lvl="3" rtl="0">
+            <a:lvl4pPr lvl="3" indent="0" rtl="0">
               <a:spcBef>
                 <a:spcPts val="0"/>
               </a:spcBef>
@@ -3924,7 +4085,7 @@
               </a:buClr>
               <a:buFont typeface="Roboto Slab"/>
               <a:buNone/>
-              <a:defRPr b="1" sz="4800">
+              <a:defRPr sz="4800" b="1">
                 <a:solidFill>
                   <a:srgbClr val="0091EA"/>
                 </a:solidFill>
@@ -3934,7 +4095,7 @@
                 <a:sym typeface="Roboto Slab"/>
               </a:defRPr>
             </a:lvl4pPr>
-            <a:lvl5pPr indent="0" lvl="4" rtl="0">
+            <a:lvl5pPr lvl="4" indent="0" rtl="0">
               <a:spcBef>
                 <a:spcPts val="0"/>
               </a:spcBef>
@@ -3943,7 +4104,7 @@
               </a:buClr>
               <a:buFont typeface="Roboto Slab"/>
               <a:buNone/>
-              <a:defRPr b="1" sz="4800">
+              <a:defRPr sz="4800" b="1">
                 <a:solidFill>
                   <a:srgbClr val="0091EA"/>
                 </a:solidFill>
@@ -3953,7 +4114,7 @@
                 <a:sym typeface="Roboto Slab"/>
               </a:defRPr>
             </a:lvl5pPr>
-            <a:lvl6pPr indent="0" lvl="5" rtl="0">
+            <a:lvl6pPr lvl="5" indent="0" rtl="0">
               <a:spcBef>
                 <a:spcPts val="0"/>
               </a:spcBef>
@@ -3962,7 +4123,7 @@
               </a:buClr>
               <a:buFont typeface="Roboto Slab"/>
               <a:buNone/>
-              <a:defRPr b="1" sz="4800">
+              <a:defRPr sz="4800" b="1">
                 <a:solidFill>
                   <a:srgbClr val="0091EA"/>
                 </a:solidFill>
@@ -3972,7 +4133,7 @@
                 <a:sym typeface="Roboto Slab"/>
               </a:defRPr>
             </a:lvl6pPr>
-            <a:lvl7pPr indent="0" lvl="6" rtl="0">
+            <a:lvl7pPr lvl="6" indent="0" rtl="0">
               <a:spcBef>
                 <a:spcPts val="0"/>
               </a:spcBef>
@@ -3981,7 +4142,7 @@
               </a:buClr>
               <a:buFont typeface="Roboto Slab"/>
               <a:buNone/>
-              <a:defRPr b="1" sz="4800">
+              <a:defRPr sz="4800" b="1">
                 <a:solidFill>
                   <a:srgbClr val="0091EA"/>
                 </a:solidFill>
@@ -3991,7 +4152,7 @@
                 <a:sym typeface="Roboto Slab"/>
               </a:defRPr>
             </a:lvl7pPr>
-            <a:lvl8pPr indent="0" lvl="7" rtl="0">
+            <a:lvl8pPr lvl="7" indent="0" rtl="0">
               <a:spcBef>
                 <a:spcPts val="0"/>
               </a:spcBef>
@@ -4000,7 +4161,7 @@
               </a:buClr>
               <a:buFont typeface="Roboto Slab"/>
               <a:buNone/>
-              <a:defRPr b="1" sz="4800">
+              <a:defRPr sz="4800" b="1">
                 <a:solidFill>
                   <a:srgbClr val="0091EA"/>
                 </a:solidFill>
@@ -4010,7 +4171,7 @@
                 <a:sym typeface="Roboto Slab"/>
               </a:defRPr>
             </a:lvl8pPr>
-            <a:lvl9pPr indent="0" lvl="8" rtl="0">
+            <a:lvl9pPr lvl="8" indent="0" rtl="0">
               <a:spcBef>
                 <a:spcPts val="0"/>
               </a:spcBef>
@@ -4019,7 +4180,7 @@
               </a:buClr>
               <a:buFont typeface="Roboto Slab"/>
               <a:buNone/>
-              <a:defRPr b="1" sz="4800">
+              <a:defRPr sz="4800" b="1">
                 <a:solidFill>
                   <a:srgbClr val="0091EA"/>
                 </a:solidFill>
@@ -4030,15 +4191,19 @@
               </a:defRPr>
             </a:lvl9pPr>
           </a:lstStyle>
-          <a:p/>
+          <a:p>
+            <a:endParaRPr/>
+          </a:p>
         </p:txBody>
       </p:sp>
       <p:sp>
         <p:nvSpPr>
           <p:cNvPr id="36" name="Shape 36"/>
-          <p:cNvSpPr txBox="1"/>
+          <p:cNvSpPr txBox="1">
+            <a:spLocks noGrp="1"/>
+          </p:cNvSpPr>
           <p:nvPr>
-            <p:ph idx="1" type="subTitle"/>
+            <p:ph type="subTitle" idx="1"/>
           </p:nvPr>
         </p:nvSpPr>
         <p:spPr>
@@ -4055,9 +4220,9 @@
           </a:ln>
         </p:spPr>
         <p:txBody>
-          <a:bodyPr anchorCtr="0" anchor="t" bIns="91425" lIns="91425" rIns="91425" tIns="91425"/>
+          <a:bodyPr lIns="91425" tIns="91425" rIns="91425" bIns="91425" anchor="t" anchorCtr="0"/>
           <a:lstStyle>
-            <a:lvl1pPr indent="0" lvl="0" marL="0" marR="0" rtl="0" algn="l">
+            <a:lvl1pPr marL="0" marR="0" lvl="0" indent="0" algn="l" rtl="0">
               <a:lnSpc>
                 <a:spcPct val="100000"/>
               </a:lnSpc>
@@ -4072,7 +4237,7 @@
               </a:buClr>
               <a:buFont typeface="Source Sans Pro"/>
               <a:buNone/>
-              <a:defRPr b="0" i="0" sz="3000" u="none" cap="none" strike="noStrike">
+              <a:defRPr sz="3000" b="0" i="0" u="none" strike="noStrike" cap="none">
                 <a:solidFill>
                   <a:srgbClr val="607D8B"/>
                 </a:solidFill>
@@ -4082,7 +4247,7 @@
                 <a:sym typeface="Source Sans Pro"/>
               </a:defRPr>
             </a:lvl1pPr>
-            <a:lvl2pPr indent="0" lvl="1" marL="457200" marR="0" rtl="0" algn="l">
+            <a:lvl2pPr marL="457200" marR="0" lvl="1" indent="0" algn="l" rtl="0">
               <a:lnSpc>
                 <a:spcPct val="100000"/>
               </a:lnSpc>
@@ -4097,7 +4262,7 @@
               </a:buClr>
               <a:buFont typeface="Source Sans Pro"/>
               <a:buNone/>
-              <a:defRPr b="0" i="0" sz="3000" u="none" cap="none" strike="noStrike">
+              <a:defRPr sz="3000" b="0" i="0" u="none" strike="noStrike" cap="none">
                 <a:solidFill>
                   <a:srgbClr val="607D8B"/>
                 </a:solidFill>
@@ -4107,7 +4272,7 @@
                 <a:sym typeface="Source Sans Pro"/>
               </a:defRPr>
             </a:lvl2pPr>
-            <a:lvl3pPr indent="0" lvl="2" marL="914400" marR="0" rtl="0" algn="l">
+            <a:lvl3pPr marL="914400" marR="0" lvl="2" indent="0" algn="l" rtl="0">
               <a:lnSpc>
                 <a:spcPct val="100000"/>
               </a:lnSpc>
@@ -4122,7 +4287,7 @@
               </a:buClr>
               <a:buFont typeface="Source Sans Pro"/>
               <a:buNone/>
-              <a:defRPr b="0" i="0" sz="3000" u="none" cap="none" strike="noStrike">
+              <a:defRPr sz="3000" b="0" i="0" u="none" strike="noStrike" cap="none">
                 <a:solidFill>
                   <a:srgbClr val="607D8B"/>
                 </a:solidFill>
@@ -4132,7 +4297,7 @@
                 <a:sym typeface="Source Sans Pro"/>
               </a:defRPr>
             </a:lvl3pPr>
-            <a:lvl4pPr indent="0" lvl="3" marL="1371600" marR="0" rtl="0" algn="l">
+            <a:lvl4pPr marL="1371600" marR="0" lvl="3" indent="0" algn="l" rtl="0">
               <a:lnSpc>
                 <a:spcPct val="100000"/>
               </a:lnSpc>
@@ -4147,7 +4312,7 @@
               </a:buClr>
               <a:buFont typeface="Source Sans Pro"/>
               <a:buNone/>
-              <a:defRPr b="0" i="0" sz="3000" u="none" cap="none" strike="noStrike">
+              <a:defRPr sz="3000" b="0" i="0" u="none" strike="noStrike" cap="none">
                 <a:solidFill>
                   <a:srgbClr val="607D8B"/>
                 </a:solidFill>
@@ -4157,7 +4322,7 @@
                 <a:sym typeface="Source Sans Pro"/>
               </a:defRPr>
             </a:lvl4pPr>
-            <a:lvl5pPr indent="0" lvl="4" marL="1828800" marR="0" rtl="0" algn="l">
+            <a:lvl5pPr marL="1828800" marR="0" lvl="4" indent="0" algn="l" rtl="0">
               <a:lnSpc>
                 <a:spcPct val="100000"/>
               </a:lnSpc>
@@ -4172,7 +4337,7 @@
               </a:buClr>
               <a:buFont typeface="Source Sans Pro"/>
               <a:buNone/>
-              <a:defRPr b="0" i="0" sz="3000" u="none" cap="none" strike="noStrike">
+              <a:defRPr sz="3000" b="0" i="0" u="none" strike="noStrike" cap="none">
                 <a:solidFill>
                   <a:srgbClr val="607D8B"/>
                 </a:solidFill>
@@ -4182,7 +4347,7 @@
                 <a:sym typeface="Source Sans Pro"/>
               </a:defRPr>
             </a:lvl5pPr>
-            <a:lvl6pPr indent="0" lvl="5" marL="2286000" marR="0" rtl="0" algn="l">
+            <a:lvl6pPr marL="2286000" marR="0" lvl="5" indent="0" algn="l" rtl="0">
               <a:lnSpc>
                 <a:spcPct val="100000"/>
               </a:lnSpc>
@@ -4197,7 +4362,7 @@
               </a:buClr>
               <a:buFont typeface="Source Sans Pro"/>
               <a:buNone/>
-              <a:defRPr b="0" i="0" sz="3000" u="none" cap="none" strike="noStrike">
+              <a:defRPr sz="3000" b="0" i="0" u="none" strike="noStrike" cap="none">
                 <a:solidFill>
                   <a:srgbClr val="607D8B"/>
                 </a:solidFill>
@@ -4207,7 +4372,7 @@
                 <a:sym typeface="Source Sans Pro"/>
               </a:defRPr>
             </a:lvl6pPr>
-            <a:lvl7pPr indent="0" lvl="6" marL="2743200" marR="0" rtl="0" algn="l">
+            <a:lvl7pPr marL="2743200" marR="0" lvl="6" indent="0" algn="l" rtl="0">
               <a:lnSpc>
                 <a:spcPct val="100000"/>
               </a:lnSpc>
@@ -4222,7 +4387,7 @@
               </a:buClr>
               <a:buFont typeface="Source Sans Pro"/>
               <a:buNone/>
-              <a:defRPr b="0" i="0" sz="3000" u="none" cap="none" strike="noStrike">
+              <a:defRPr sz="3000" b="0" i="0" u="none" strike="noStrike" cap="none">
                 <a:solidFill>
                   <a:srgbClr val="607D8B"/>
                 </a:solidFill>
@@ -4232,7 +4397,7 @@
                 <a:sym typeface="Source Sans Pro"/>
               </a:defRPr>
             </a:lvl7pPr>
-            <a:lvl8pPr indent="0" lvl="7" marL="3200400" marR="0" rtl="0" algn="l">
+            <a:lvl8pPr marL="3200400" marR="0" lvl="7" indent="0" algn="l" rtl="0">
               <a:lnSpc>
                 <a:spcPct val="100000"/>
               </a:lnSpc>
@@ -4247,7 +4412,7 @@
               </a:buClr>
               <a:buFont typeface="Source Sans Pro"/>
               <a:buNone/>
-              <a:defRPr b="0" i="0" sz="3000" u="none" cap="none" strike="noStrike">
+              <a:defRPr sz="3000" b="0" i="0" u="none" strike="noStrike" cap="none">
                 <a:solidFill>
                   <a:srgbClr val="607D8B"/>
                 </a:solidFill>
@@ -4257,7 +4422,7 @@
                 <a:sym typeface="Source Sans Pro"/>
               </a:defRPr>
             </a:lvl8pPr>
-            <a:lvl9pPr indent="0" lvl="8" marL="3657600" marR="0" rtl="0" algn="l">
+            <a:lvl9pPr marL="3657600" marR="0" lvl="8" indent="0" algn="l" rtl="0">
               <a:lnSpc>
                 <a:spcPct val="100000"/>
               </a:lnSpc>
@@ -4272,7 +4437,7 @@
               </a:buClr>
               <a:buFont typeface="Source Sans Pro"/>
               <a:buNone/>
-              <a:defRPr b="0" i="0" sz="3000" u="none" cap="none" strike="noStrike">
+              <a:defRPr sz="3000" b="0" i="0" u="none" strike="noStrike" cap="none">
                 <a:solidFill>
                   <a:srgbClr val="607D8B"/>
                 </a:solidFill>
@@ -4283,15 +4448,19 @@
               </a:defRPr>
             </a:lvl9pPr>
           </a:lstStyle>
-          <a:p/>
+          <a:p>
+            <a:endParaRPr/>
+          </a:p>
         </p:txBody>
       </p:sp>
       <p:sp>
         <p:nvSpPr>
           <p:cNvPr id="37" name="Shape 37"/>
-          <p:cNvSpPr txBox="1"/>
+          <p:cNvSpPr txBox="1">
+            <a:spLocks noGrp="1"/>
+          </p:cNvSpPr>
           <p:nvPr>
-            <p:ph idx="12" type="sldNum"/>
+            <p:ph type="sldNum" idx="12"/>
           </p:nvPr>
         </p:nvSpPr>
         <p:spPr>
@@ -4304,7 +4473,7 @@
           </a:prstGeom>
         </p:spPr>
         <p:txBody>
-          <a:bodyPr anchorCtr="0" anchor="ctr" bIns="91425" lIns="91425" rIns="91425" tIns="91425">
+          <a:bodyPr lIns="91425" tIns="91425" rIns="91425" bIns="91425" anchor="ctr" anchorCtr="0">
             <a:noAutofit/>
           </a:bodyPr>
           <a:lstStyle/>
@@ -4319,6 +4488,7 @@
               <a:rPr lang="zh-TW"/>
               <a:t>‹#›</a:t>
             </a:fld>
+            <a:endParaRPr lang="zh-TW"/>
           </a:p>
         </p:txBody>
       </p:sp>
@@ -4331,11 +4501,11 @@
 </file>
 
 <file path=ppt/slideLayouts/slideLayout5.xml><?xml version="1.0" encoding="utf-8"?>
-<p:sldLayout xmlns:a="http://schemas.openxmlformats.org/drawingml/2006/main" xmlns:r="http://schemas.openxmlformats.org/officeDocument/2006/relationships" xmlns:mc="http://schemas.openxmlformats.org/markup-compatibility/2006" xmlns:mv="urn:schemas-microsoft-com:mac:vml" xmlns:p="http://schemas.openxmlformats.org/presentationml/2006/main" xmlns:c="http://schemas.openxmlformats.org/drawingml/2006/chart" xmlns:dgm="http://schemas.openxmlformats.org/drawingml/2006/diagram" xmlns:o="urn:schemas-microsoft-com:office:office" xmlns:v="urn:schemas-microsoft-com:vml" xmlns:pvml="urn:schemas-microsoft-com:office:powerpoint" xmlns:com="http://schemas.openxmlformats.org/drawingml/2006/compatibility" xmlns:p14="http://schemas.microsoft.com/office/powerpoint/2010/main">
+<p:sldLayout xmlns:a="http://schemas.openxmlformats.org/drawingml/2006/main" xmlns:r="http://schemas.openxmlformats.org/officeDocument/2006/relationships" xmlns:p="http://schemas.openxmlformats.org/presentationml/2006/main">
   <p:cSld name="Quote">
     <p:spTree>
       <p:nvGrpSpPr>
-        <p:cNvPr id="38" name="Shape 38"/>
+        <p:cNvPr id="1" name="Shape 38"/>
         <p:cNvGrpSpPr/>
         <p:nvPr/>
       </p:nvGrpSpPr>
@@ -4349,7 +4519,7 @@
       </p:grpSpPr>
       <p:pic>
         <p:nvPicPr>
-          <p:cNvPr descr="connections-05.png" id="39" name="Shape 39"/>
+          <p:cNvPr id="39" name="Shape 39" descr="connections-05.png"/>
           <p:cNvPicPr preferRelativeResize="0"/>
           <p:nvPr/>
         </p:nvPicPr>
@@ -4357,11 +4527,11 @@
           <a:blip r:embed="rId2">
             <a:alphaModFix/>
           </a:blip>
-          <a:srcRect b="0" l="0" r="0" t="0"/>
+          <a:srcRect/>
           <a:stretch/>
         </p:blipFill>
         <p:spPr>
-          <a:xfrm flipH="1" rot="10800000">
+          <a:xfrm rot="10800000" flipH="1">
             <a:off x="5944" y="0"/>
             <a:ext cx="9132000" cy="5143500"/>
           </a:xfrm>
@@ -4377,9 +4547,11 @@
       <p:sp>
         <p:nvSpPr>
           <p:cNvPr id="40" name="Shape 40"/>
-          <p:cNvSpPr txBox="1"/>
+          <p:cNvSpPr txBox="1">
+            <a:spLocks noGrp="1"/>
+          </p:cNvSpPr>
           <p:nvPr>
-            <p:ph idx="1" type="body"/>
+            <p:ph type="body" idx="1"/>
           </p:nvPr>
         </p:nvSpPr>
         <p:spPr>
@@ -4396,9 +4568,9 @@
           </a:ln>
         </p:spPr>
         <p:txBody>
-          <a:bodyPr anchorCtr="0" anchor="t" bIns="91425" lIns="91425" rIns="91425" tIns="91425"/>
+          <a:bodyPr lIns="91425" tIns="91425" rIns="91425" bIns="91425" anchor="t" anchorCtr="0"/>
           <a:lstStyle>
-            <a:lvl1pPr indent="228600" lvl="0" marL="0" marR="0" rtl="0" algn="ctr">
+            <a:lvl1pPr marL="0" marR="0" lvl="0" indent="228600" algn="ctr" rtl="0">
               <a:lnSpc>
                 <a:spcPct val="100000"/>
               </a:lnSpc>
@@ -4414,7 +4586,7 @@
               <a:buSzPct val="100000"/>
               <a:buFont typeface="Source Sans Pro"/>
               <a:buChar char="◎"/>
-              <a:defRPr b="0" i="1" sz="3600" u="none" cap="none" strike="noStrike">
+              <a:defRPr sz="3600" b="0" i="1" u="none" strike="noStrike" cap="none">
                 <a:solidFill>
                   <a:srgbClr val="263238"/>
                 </a:solidFill>
@@ -4424,7 +4596,7 @@
                 <a:sym typeface="Source Sans Pro"/>
               </a:defRPr>
             </a:lvl1pPr>
-            <a:lvl2pPr indent="228600" lvl="1" marL="457200" marR="0" rtl="0" algn="ctr">
+            <a:lvl2pPr marL="457200" marR="0" lvl="1" indent="228600" algn="ctr" rtl="0">
               <a:lnSpc>
                 <a:spcPct val="100000"/>
               </a:lnSpc>
@@ -4440,7 +4612,7 @@
               <a:buSzPct val="100000"/>
               <a:buFont typeface="Source Sans Pro"/>
               <a:buChar char="○"/>
-              <a:defRPr b="0" i="1" sz="3600" u="none" cap="none" strike="noStrike">
+              <a:defRPr sz="3600" b="0" i="1" u="none" strike="noStrike" cap="none">
                 <a:solidFill>
                   <a:srgbClr val="263238"/>
                 </a:solidFill>
@@ -4450,7 +4622,7 @@
                 <a:sym typeface="Source Sans Pro"/>
               </a:defRPr>
             </a:lvl2pPr>
-            <a:lvl3pPr indent="228600" lvl="2" marL="914400" marR="0" rtl="0" algn="ctr">
+            <a:lvl3pPr marL="914400" marR="0" lvl="2" indent="228600" algn="ctr" rtl="0">
               <a:lnSpc>
                 <a:spcPct val="100000"/>
               </a:lnSpc>
@@ -4466,7 +4638,7 @@
               <a:buSzPct val="100000"/>
               <a:buFont typeface="Source Sans Pro"/>
               <a:buChar char="◉"/>
-              <a:defRPr b="0" i="1" sz="3600" u="none" cap="none" strike="noStrike">
+              <a:defRPr sz="3600" b="0" i="1" u="none" strike="noStrike" cap="none">
                 <a:solidFill>
                   <a:srgbClr val="263238"/>
                 </a:solidFill>
@@ -4476,7 +4648,7 @@
                 <a:sym typeface="Source Sans Pro"/>
               </a:defRPr>
             </a:lvl3pPr>
-            <a:lvl4pPr indent="0" lvl="3" marL="1371600" marR="0" rtl="0" algn="ctr">
+            <a:lvl4pPr marL="1371600" marR="0" lvl="3" indent="0" algn="ctr" rtl="0">
               <a:lnSpc>
                 <a:spcPct val="100000"/>
               </a:lnSpc>
@@ -4491,7 +4663,7 @@
               </a:buClr>
               <a:buFont typeface="Source Sans Pro"/>
               <a:buNone/>
-              <a:defRPr b="0" i="1" sz="3600" u="none" cap="none" strike="noStrike">
+              <a:defRPr sz="3600" b="0" i="1" u="none" strike="noStrike" cap="none">
                 <a:solidFill>
                   <a:srgbClr val="263238"/>
                 </a:solidFill>
@@ -4501,7 +4673,7 @@
                 <a:sym typeface="Source Sans Pro"/>
               </a:defRPr>
             </a:lvl4pPr>
-            <a:lvl5pPr indent="0" lvl="4" marL="1828800" marR="0" rtl="0" algn="ctr">
+            <a:lvl5pPr marL="1828800" marR="0" lvl="4" indent="0" algn="ctr" rtl="0">
               <a:lnSpc>
                 <a:spcPct val="100000"/>
               </a:lnSpc>
@@ -4516,7 +4688,7 @@
               </a:buClr>
               <a:buFont typeface="Source Sans Pro"/>
               <a:buNone/>
-              <a:defRPr b="0" i="1" sz="3600" u="none" cap="none" strike="noStrike">
+              <a:defRPr sz="3600" b="0" i="1" u="none" strike="noStrike" cap="none">
                 <a:solidFill>
                   <a:srgbClr val="263238"/>
                 </a:solidFill>
@@ -4526,7 +4698,7 @@
                 <a:sym typeface="Source Sans Pro"/>
               </a:defRPr>
             </a:lvl5pPr>
-            <a:lvl6pPr indent="0" lvl="5" marL="2286000" marR="0" rtl="0" algn="ctr">
+            <a:lvl6pPr marL="2286000" marR="0" lvl="5" indent="0" algn="ctr" rtl="0">
               <a:lnSpc>
                 <a:spcPct val="100000"/>
               </a:lnSpc>
@@ -4541,7 +4713,7 @@
               </a:buClr>
               <a:buFont typeface="Source Sans Pro"/>
               <a:buNone/>
-              <a:defRPr b="0" i="1" sz="3600" u="none" cap="none" strike="noStrike">
+              <a:defRPr sz="3600" b="0" i="1" u="none" strike="noStrike" cap="none">
                 <a:solidFill>
                   <a:srgbClr val="263238"/>
                 </a:solidFill>
@@ -4551,7 +4723,7 @@
                 <a:sym typeface="Source Sans Pro"/>
               </a:defRPr>
             </a:lvl6pPr>
-            <a:lvl7pPr indent="0" lvl="6" marL="2743200" marR="0" rtl="0" algn="ctr">
+            <a:lvl7pPr marL="2743200" marR="0" lvl="6" indent="0" algn="ctr" rtl="0">
               <a:lnSpc>
                 <a:spcPct val="100000"/>
               </a:lnSpc>
@@ -4566,7 +4738,7 @@
               </a:buClr>
               <a:buFont typeface="Source Sans Pro"/>
               <a:buNone/>
-              <a:defRPr b="0" i="1" sz="3600" u="none" cap="none" strike="noStrike">
+              <a:defRPr sz="3600" b="0" i="1" u="none" strike="noStrike" cap="none">
                 <a:solidFill>
                   <a:srgbClr val="263238"/>
                 </a:solidFill>
@@ -4576,7 +4748,7 @@
                 <a:sym typeface="Source Sans Pro"/>
               </a:defRPr>
             </a:lvl7pPr>
-            <a:lvl8pPr indent="0" lvl="7" marL="3200400" marR="0" rtl="0" algn="ctr">
+            <a:lvl8pPr marL="3200400" marR="0" lvl="7" indent="0" algn="ctr" rtl="0">
               <a:lnSpc>
                 <a:spcPct val="100000"/>
               </a:lnSpc>
@@ -4591,7 +4763,7 @@
               </a:buClr>
               <a:buFont typeface="Source Sans Pro"/>
               <a:buNone/>
-              <a:defRPr b="0" i="1" sz="3600" u="none" cap="none" strike="noStrike">
+              <a:defRPr sz="3600" b="0" i="1" u="none" strike="noStrike" cap="none">
                 <a:solidFill>
                   <a:srgbClr val="263238"/>
                 </a:solidFill>
@@ -4601,7 +4773,7 @@
                 <a:sym typeface="Source Sans Pro"/>
               </a:defRPr>
             </a:lvl8pPr>
-            <a:lvl9pPr indent="0" lvl="8" marL="3657600" marR="0" rtl="0" algn="ctr">
+            <a:lvl9pPr marL="3657600" marR="0" lvl="8" indent="0" algn="ctr" rtl="0">
               <a:lnSpc>
                 <a:spcPct val="100000"/>
               </a:lnSpc>
@@ -4616,7 +4788,7 @@
               </a:buClr>
               <a:buFont typeface="Source Sans Pro"/>
               <a:buNone/>
-              <a:defRPr b="0" i="1" sz="3600" u="none" cap="none" strike="noStrike">
+              <a:defRPr sz="3600" b="0" i="1" u="none" strike="noStrike" cap="none">
                 <a:solidFill>
                   <a:srgbClr val="263238"/>
                 </a:solidFill>
@@ -4627,7 +4799,9 @@
               </a:defRPr>
             </a:lvl9pPr>
           </a:lstStyle>
-          <a:p/>
+          <a:p>
+            <a:endParaRPr/>
+          </a:p>
         </p:txBody>
       </p:sp>
       <p:grpSp>
@@ -4664,12 +4838,12 @@
             </a:ln>
           </p:spPr>
           <p:txBody>
-            <a:bodyPr anchorCtr="0" anchor="t" bIns="91425" lIns="91425" rIns="91425" tIns="91425">
+            <a:bodyPr lIns="91425" tIns="91425" rIns="91425" bIns="91425" anchor="t" anchorCtr="0">
               <a:noAutofit/>
             </a:bodyPr>
             <a:lstStyle/>
             <a:p>
-              <a:pPr indent="0" lvl="0" marL="0" marR="0" rtl="0" algn="ctr">
+              <a:pPr marL="0" marR="0" lvl="0" indent="0" algn="ctr" rtl="0">
                 <a:lnSpc>
                   <a:spcPct val="100000"/>
                 </a:lnSpc>
@@ -4687,7 +4861,7 @@
                 <a:buNone/>
               </a:pPr>
               <a:r>
-                <a:rPr b="1" i="0" lang="zh-TW" sz="6000" u="none" cap="none" strike="noStrike">
+                <a:rPr lang="zh-TW" sz="6000" b="1" i="0" u="none" strike="noStrike" cap="none">
                   <a:solidFill>
                     <a:srgbClr val="0091EA"/>
                   </a:solidFill>
@@ -4716,23 +4890,23 @@
               <a:avLst/>
             </a:prstGeom>
             <a:noFill/>
-            <a:ln cap="flat" cmpd="sng" w="9525">
+            <a:ln w="9525" cap="flat" cmpd="sng">
               <a:solidFill>
                 <a:srgbClr val="CFD8DC"/>
               </a:solidFill>
               <a:prstDash val="dash"/>
               <a:round/>
-              <a:headEnd len="med" w="med" type="none"/>
-              <a:tailEnd len="med" w="med" type="none"/>
+              <a:headEnd type="none" w="med" len="med"/>
+              <a:tailEnd type="none" w="med" len="med"/>
             </a:ln>
           </p:spPr>
           <p:txBody>
-            <a:bodyPr anchorCtr="0" anchor="ctr" bIns="91425" lIns="91425" rIns="91425" tIns="91425">
+            <a:bodyPr lIns="91425" tIns="91425" rIns="91425" bIns="91425" anchor="ctr" anchorCtr="0">
               <a:noAutofit/>
             </a:bodyPr>
             <a:lstStyle/>
             <a:p>
-              <a:pPr indent="0" lvl="0" marL="0" marR="0" rtl="0" algn="l">
+              <a:pPr marL="0" marR="0" lvl="0" indent="0" algn="l" rtl="0">
                 <a:lnSpc>
                   <a:spcPct val="100000"/>
                 </a:lnSpc>
@@ -4748,10 +4922,7 @@
                 <a:buFont typeface="Arial"/>
                 <a:buNone/>
               </a:pPr>
-              <a:r>
-                <a:t/>
-              </a:r>
-              <a:endParaRPr b="0" i="0" sz="1400" u="none" cap="none" strike="noStrike">
+              <a:endParaRPr sz="1400" b="0" i="0" u="none" strike="noStrike" cap="none">
                 <a:solidFill>
                   <a:srgbClr val="000000"/>
                 </a:solidFill>
@@ -4778,23 +4949,23 @@
               <a:avLst/>
             </a:prstGeom>
             <a:noFill/>
-            <a:ln cap="flat" cmpd="sng" w="19050">
+            <a:ln w="19050" cap="flat" cmpd="sng">
               <a:solidFill>
                 <a:srgbClr val="CFD8DC"/>
               </a:solidFill>
               <a:prstDash val="solid"/>
               <a:round/>
-              <a:headEnd len="med" w="med" type="none"/>
-              <a:tailEnd len="med" w="med" type="none"/>
+              <a:headEnd type="none" w="med" len="med"/>
+              <a:tailEnd type="none" w="med" len="med"/>
             </a:ln>
           </p:spPr>
           <p:txBody>
-            <a:bodyPr anchorCtr="0" anchor="ctr" bIns="91425" lIns="91425" rIns="91425" tIns="91425">
+            <a:bodyPr lIns="91425" tIns="91425" rIns="91425" bIns="91425" anchor="ctr" anchorCtr="0">
               <a:noAutofit/>
             </a:bodyPr>
             <a:lstStyle/>
             <a:p>
-              <a:pPr indent="0" lvl="0" marL="0" marR="0" rtl="0" algn="l">
+              <a:pPr marL="0" marR="0" lvl="0" indent="0" algn="l" rtl="0">
                 <a:lnSpc>
                   <a:spcPct val="100000"/>
                 </a:lnSpc>
@@ -4810,10 +4981,7 @@
                 <a:buFont typeface="Arial"/>
                 <a:buNone/>
               </a:pPr>
-              <a:r>
-                <a:t/>
-              </a:r>
-              <a:endParaRPr b="0" i="0" sz="1400" u="none" cap="none" strike="noStrike">
+              <a:endParaRPr sz="1400" b="0" i="0" u="none" strike="noStrike" cap="none">
                 <a:solidFill>
                   <a:srgbClr val="000000"/>
                 </a:solidFill>
@@ -4843,14 +5011,14 @@
             <a:avLst/>
           </a:prstGeom>
           <a:noFill/>
-          <a:ln cap="flat" cmpd="sng" w="9525">
+          <a:ln w="9525" cap="flat" cmpd="sng">
             <a:solidFill>
               <a:srgbClr val="CFD8DC"/>
             </a:solidFill>
             <a:prstDash val="solid"/>
             <a:round/>
-            <a:headEnd len="med" w="med" type="none"/>
-            <a:tailEnd len="med" w="med" type="none"/>
+            <a:headEnd type="none" w="med" len="med"/>
+            <a:tailEnd type="none" w="med" len="med"/>
           </a:ln>
         </p:spPr>
       </p:cxnSp>
@@ -4869,14 +5037,14 @@
             <a:avLst/>
           </a:prstGeom>
           <a:noFill/>
-          <a:ln cap="flat" cmpd="sng" w="9525">
+          <a:ln w="9525" cap="flat" cmpd="sng">
             <a:solidFill>
               <a:srgbClr val="CFD8DC"/>
             </a:solidFill>
             <a:prstDash val="solid"/>
             <a:round/>
-            <a:headEnd len="med" w="med" type="none"/>
-            <a:tailEnd len="med" w="med" type="none"/>
+            <a:headEnd type="none" w="med" len="med"/>
+            <a:tailEnd type="none" w="med" len="med"/>
           </a:ln>
         </p:spPr>
       </p:cxnSp>
@@ -4887,7 +5055,7 @@
           <p:nvPr/>
         </p:nvCxnSpPr>
         <p:spPr>
-          <a:xfrm flipH="1" rot="10800000">
+          <a:xfrm rot="10800000" flipH="1">
             <a:off x="4749075" y="564918"/>
             <a:ext cx="95100" cy="261600"/>
           </a:xfrm>
@@ -4895,23 +5063,25 @@
             <a:avLst/>
           </a:prstGeom>
           <a:noFill/>
-          <a:ln cap="flat" cmpd="sng" w="9525">
+          <a:ln w="9525" cap="flat" cmpd="sng">
             <a:solidFill>
               <a:srgbClr val="CFD8DC"/>
             </a:solidFill>
             <a:prstDash val="solid"/>
             <a:round/>
-            <a:headEnd len="med" w="med" type="none"/>
-            <a:tailEnd len="med" w="med" type="none"/>
+            <a:headEnd type="none" w="med" len="med"/>
+            <a:tailEnd type="none" w="med" len="med"/>
           </a:ln>
         </p:spPr>
       </p:cxnSp>
       <p:sp>
         <p:nvSpPr>
           <p:cNvPr id="48" name="Shape 48"/>
-          <p:cNvSpPr txBox="1"/>
+          <p:cNvSpPr txBox="1">
+            <a:spLocks noGrp="1"/>
+          </p:cNvSpPr>
           <p:nvPr>
-            <p:ph idx="12" type="sldNum"/>
+            <p:ph type="sldNum" idx="12"/>
           </p:nvPr>
         </p:nvSpPr>
         <p:spPr>
@@ -4924,7 +5094,7 @@
           </a:prstGeom>
         </p:spPr>
         <p:txBody>
-          <a:bodyPr anchorCtr="0" anchor="ctr" bIns="91425" lIns="91425" rIns="91425" tIns="91425">
+          <a:bodyPr lIns="91425" tIns="91425" rIns="91425" bIns="91425" anchor="ctr" anchorCtr="0">
             <a:noAutofit/>
           </a:bodyPr>
           <a:lstStyle/>
@@ -4939,6 +5109,7 @@
               <a:rPr lang="zh-TW"/>
               <a:t>‹#›</a:t>
             </a:fld>
+            <a:endParaRPr lang="zh-TW"/>
           </a:p>
         </p:txBody>
       </p:sp>
@@ -4951,11 +5122,11 @@
 </file>
 
 <file path=ppt/slideLayouts/slideLayout6.xml><?xml version="1.0" encoding="utf-8"?>
-<p:sldLayout xmlns:a="http://schemas.openxmlformats.org/drawingml/2006/main" xmlns:r="http://schemas.openxmlformats.org/officeDocument/2006/relationships" xmlns:mc="http://schemas.openxmlformats.org/markup-compatibility/2006" xmlns:mv="urn:schemas-microsoft-com:mac:vml" xmlns:p="http://schemas.openxmlformats.org/presentationml/2006/main" xmlns:c="http://schemas.openxmlformats.org/drawingml/2006/chart" xmlns:dgm="http://schemas.openxmlformats.org/drawingml/2006/diagram" xmlns:o="urn:schemas-microsoft-com:office:office" xmlns:v="urn:schemas-microsoft-com:vml" xmlns:pvml="urn:schemas-microsoft-com:office:powerpoint" xmlns:com="http://schemas.openxmlformats.org/drawingml/2006/compatibility" xmlns:p14="http://schemas.microsoft.com/office/powerpoint/2010/main" type="tx">
+<p:sldLayout xmlns:a="http://schemas.openxmlformats.org/drawingml/2006/main" xmlns:r="http://schemas.openxmlformats.org/officeDocument/2006/relationships" xmlns:p="http://schemas.openxmlformats.org/presentationml/2006/main" type="tx">
   <p:cSld name="Title + 1 column">
     <p:spTree>
       <p:nvGrpSpPr>
-        <p:cNvPr id="49" name="Shape 49"/>
+        <p:cNvPr id="1" name="Shape 49"/>
         <p:cNvGrpSpPr/>
         <p:nvPr/>
       </p:nvGrpSpPr>
@@ -4970,7 +5141,9 @@
       <p:sp>
         <p:nvSpPr>
           <p:cNvPr id="50" name="Shape 50"/>
-          <p:cNvSpPr txBox="1"/>
+          <p:cNvSpPr txBox="1">
+            <a:spLocks noGrp="1"/>
+          </p:cNvSpPr>
           <p:nvPr>
             <p:ph type="title"/>
           </p:nvPr>
@@ -4989,9 +5162,9 @@
           </a:ln>
         </p:spPr>
         <p:txBody>
-          <a:bodyPr anchorCtr="0" anchor="b" bIns="91425" lIns="91425" rIns="91425" tIns="91425"/>
+          <a:bodyPr lIns="91425" tIns="91425" rIns="91425" bIns="91425" anchor="b" anchorCtr="0"/>
           <a:lstStyle>
-            <a:lvl1pPr indent="0" lvl="0" marL="0" marR="0" rtl="0" algn="l">
+            <a:lvl1pPr marL="0" marR="0" lvl="0" indent="0" algn="l" rtl="0">
               <a:lnSpc>
                 <a:spcPct val="100000"/>
               </a:lnSpc>
@@ -5006,7 +5179,7 @@
               </a:buClr>
               <a:buFont typeface="Roboto Slab"/>
               <a:buNone/>
-              <a:defRPr b="0" i="0" sz="2000" u="none" cap="none" strike="noStrike">
+              <a:defRPr sz="2000" b="0" i="0" u="none" strike="noStrike" cap="none">
                 <a:solidFill>
                   <a:srgbClr val="0091EA"/>
                 </a:solidFill>
@@ -5016,7 +5189,7 @@
                 <a:sym typeface="Roboto Slab"/>
               </a:defRPr>
             </a:lvl1pPr>
-            <a:lvl2pPr indent="0" lvl="1">
+            <a:lvl2pPr lvl="1" indent="0">
               <a:spcBef>
                 <a:spcPts val="0"/>
               </a:spcBef>
@@ -5035,7 +5208,7 @@
                 <a:sym typeface="Roboto Slab"/>
               </a:defRPr>
             </a:lvl2pPr>
-            <a:lvl3pPr indent="0" lvl="2">
+            <a:lvl3pPr lvl="2" indent="0">
               <a:spcBef>
                 <a:spcPts val="0"/>
               </a:spcBef>
@@ -5054,7 +5227,7 @@
                 <a:sym typeface="Roboto Slab"/>
               </a:defRPr>
             </a:lvl3pPr>
-            <a:lvl4pPr indent="0" lvl="3">
+            <a:lvl4pPr lvl="3" indent="0">
               <a:spcBef>
                 <a:spcPts val="0"/>
               </a:spcBef>
@@ -5073,7 +5246,7 @@
                 <a:sym typeface="Roboto Slab"/>
               </a:defRPr>
             </a:lvl4pPr>
-            <a:lvl5pPr indent="0" lvl="4">
+            <a:lvl5pPr lvl="4" indent="0">
               <a:spcBef>
                 <a:spcPts val="0"/>
               </a:spcBef>
@@ -5092,7 +5265,7 @@
                 <a:sym typeface="Roboto Slab"/>
               </a:defRPr>
             </a:lvl5pPr>
-            <a:lvl6pPr indent="0" lvl="5">
+            <a:lvl6pPr lvl="5" indent="0">
               <a:spcBef>
                 <a:spcPts val="0"/>
               </a:spcBef>
@@ -5111,7 +5284,7 @@
                 <a:sym typeface="Roboto Slab"/>
               </a:defRPr>
             </a:lvl6pPr>
-            <a:lvl7pPr indent="0" lvl="6">
+            <a:lvl7pPr lvl="6" indent="0">
               <a:spcBef>
                 <a:spcPts val="0"/>
               </a:spcBef>
@@ -5130,7 +5303,7 @@
                 <a:sym typeface="Roboto Slab"/>
               </a:defRPr>
             </a:lvl7pPr>
-            <a:lvl8pPr indent="0" lvl="7">
+            <a:lvl8pPr lvl="7" indent="0">
               <a:spcBef>
                 <a:spcPts val="0"/>
               </a:spcBef>
@@ -5149,7 +5322,7 @@
                 <a:sym typeface="Roboto Slab"/>
               </a:defRPr>
             </a:lvl8pPr>
-            <a:lvl9pPr indent="0" lvl="8">
+            <a:lvl9pPr lvl="8" indent="0">
               <a:spcBef>
                 <a:spcPts val="0"/>
               </a:spcBef>
@@ -5169,15 +5342,19 @@
               </a:defRPr>
             </a:lvl9pPr>
           </a:lstStyle>
-          <a:p/>
+          <a:p>
+            <a:endParaRPr/>
+          </a:p>
         </p:txBody>
       </p:sp>
       <p:sp>
         <p:nvSpPr>
           <p:cNvPr id="51" name="Shape 51"/>
-          <p:cNvSpPr txBox="1"/>
+          <p:cNvSpPr txBox="1">
+            <a:spLocks noGrp="1"/>
+          </p:cNvSpPr>
           <p:nvPr>
-            <p:ph idx="1" type="body"/>
+            <p:ph type="body" idx="1"/>
           </p:nvPr>
         </p:nvSpPr>
         <p:spPr>
@@ -5194,9 +5371,9 @@
           </a:ln>
         </p:spPr>
         <p:txBody>
-          <a:bodyPr anchorCtr="0" anchor="t" bIns="91425" lIns="91425" rIns="91425" tIns="91425"/>
+          <a:bodyPr lIns="91425" tIns="91425" rIns="91425" bIns="91425" anchor="t" anchorCtr="0"/>
           <a:lstStyle>
-            <a:lvl1pPr indent="190500" lvl="0" marL="0" marR="0" rtl="0" algn="l">
+            <a:lvl1pPr marL="0" marR="0" lvl="0" indent="190500" algn="l" rtl="0">
               <a:lnSpc>
                 <a:spcPct val="100000"/>
               </a:lnSpc>
@@ -5212,7 +5389,7 @@
               <a:buSzPct val="100000"/>
               <a:buFont typeface="Source Sans Pro"/>
               <a:buChar char="◎"/>
-              <a:defRPr b="0" i="0" sz="3000" u="none" cap="none" strike="noStrike">
+              <a:defRPr sz="3000" b="0" i="0" u="none" strike="noStrike" cap="none">
                 <a:solidFill>
                   <a:srgbClr val="263238"/>
                 </a:solidFill>
@@ -5222,7 +5399,7 @@
                 <a:sym typeface="Source Sans Pro"/>
               </a:defRPr>
             </a:lvl1pPr>
-            <a:lvl2pPr indent="152400" lvl="1" marL="457200" marR="0" rtl="0" algn="l">
+            <a:lvl2pPr marL="457200" marR="0" lvl="1" indent="152400" algn="l" rtl="0">
               <a:lnSpc>
                 <a:spcPct val="100000"/>
               </a:lnSpc>
@@ -5238,7 +5415,7 @@
               <a:buSzPct val="100000"/>
               <a:buFont typeface="Source Sans Pro"/>
               <a:buChar char="○"/>
-              <a:defRPr b="0" i="0" sz="2400" u="none" cap="none" strike="noStrike">
+              <a:defRPr sz="2400" b="0" i="0" u="none" strike="noStrike" cap="none">
                 <a:solidFill>
                   <a:srgbClr val="263238"/>
                 </a:solidFill>
@@ -5248,7 +5425,7 @@
                 <a:sym typeface="Source Sans Pro"/>
               </a:defRPr>
             </a:lvl2pPr>
-            <a:lvl3pPr indent="152400" lvl="2" marL="914400" marR="0" rtl="0" algn="l">
+            <a:lvl3pPr marL="914400" marR="0" lvl="2" indent="152400" algn="l" rtl="0">
               <a:lnSpc>
                 <a:spcPct val="100000"/>
               </a:lnSpc>
@@ -5264,7 +5441,7 @@
               <a:buSzPct val="100000"/>
               <a:buFont typeface="Source Sans Pro"/>
               <a:buChar char="◉"/>
-              <a:defRPr b="0" i="0" sz="2400" u="none" cap="none" strike="noStrike">
+              <a:defRPr sz="2400" b="0" i="0" u="none" strike="noStrike" cap="none">
                 <a:solidFill>
                   <a:srgbClr val="263238"/>
                 </a:solidFill>
@@ -5274,7 +5451,7 @@
                 <a:sym typeface="Source Sans Pro"/>
               </a:defRPr>
             </a:lvl3pPr>
-            <a:lvl4pPr indent="0" lvl="3" marL="1371600" marR="0" rtl="0" algn="l">
+            <a:lvl4pPr marL="1371600" marR="0" lvl="3" indent="0" algn="l" rtl="0">
               <a:lnSpc>
                 <a:spcPct val="100000"/>
               </a:lnSpc>
@@ -5289,7 +5466,7 @@
               </a:buClr>
               <a:buFont typeface="Source Sans Pro"/>
               <a:buNone/>
-              <a:defRPr b="0" i="0" sz="1800" u="none" cap="none" strike="noStrike">
+              <a:defRPr sz="1800" b="0" i="0" u="none" strike="noStrike" cap="none">
                 <a:solidFill>
                   <a:srgbClr val="263238"/>
                 </a:solidFill>
@@ -5299,7 +5476,7 @@
                 <a:sym typeface="Source Sans Pro"/>
               </a:defRPr>
             </a:lvl4pPr>
-            <a:lvl5pPr indent="0" lvl="4" marL="1828800" marR="0" rtl="0" algn="l">
+            <a:lvl5pPr marL="1828800" marR="0" lvl="4" indent="0" algn="l" rtl="0">
               <a:lnSpc>
                 <a:spcPct val="100000"/>
               </a:lnSpc>
@@ -5314,7 +5491,7 @@
               </a:buClr>
               <a:buFont typeface="Source Sans Pro"/>
               <a:buNone/>
-              <a:defRPr b="0" i="0" sz="1800" u="none" cap="none" strike="noStrike">
+              <a:defRPr sz="1800" b="0" i="0" u="none" strike="noStrike" cap="none">
                 <a:solidFill>
                   <a:srgbClr val="263238"/>
                 </a:solidFill>
@@ -5324,7 +5501,7 @@
                 <a:sym typeface="Source Sans Pro"/>
               </a:defRPr>
             </a:lvl5pPr>
-            <a:lvl6pPr indent="0" lvl="5" marL="2286000" marR="0" rtl="0" algn="l">
+            <a:lvl6pPr marL="2286000" marR="0" lvl="5" indent="0" algn="l" rtl="0">
               <a:lnSpc>
                 <a:spcPct val="100000"/>
               </a:lnSpc>
@@ -5339,7 +5516,7 @@
               </a:buClr>
               <a:buFont typeface="Source Sans Pro"/>
               <a:buNone/>
-              <a:defRPr b="0" i="0" sz="1800" u="none" cap="none" strike="noStrike">
+              <a:defRPr sz="1800" b="0" i="0" u="none" strike="noStrike" cap="none">
                 <a:solidFill>
                   <a:srgbClr val="263238"/>
                 </a:solidFill>
@@ -5349,7 +5526,7 @@
                 <a:sym typeface="Source Sans Pro"/>
               </a:defRPr>
             </a:lvl6pPr>
-            <a:lvl7pPr indent="0" lvl="6" marL="2743200" marR="0" rtl="0" algn="l">
+            <a:lvl7pPr marL="2743200" marR="0" lvl="6" indent="0" algn="l" rtl="0">
               <a:lnSpc>
                 <a:spcPct val="100000"/>
               </a:lnSpc>
@@ -5364,7 +5541,7 @@
               </a:buClr>
               <a:buFont typeface="Source Sans Pro"/>
               <a:buNone/>
-              <a:defRPr b="0" i="0" sz="1800" u="none" cap="none" strike="noStrike">
+              <a:defRPr sz="1800" b="0" i="0" u="none" strike="noStrike" cap="none">
                 <a:solidFill>
                   <a:srgbClr val="263238"/>
                 </a:solidFill>
@@ -5374,7 +5551,7 @@
                 <a:sym typeface="Source Sans Pro"/>
               </a:defRPr>
             </a:lvl7pPr>
-            <a:lvl8pPr indent="0" lvl="7" marL="3200400" marR="0" rtl="0" algn="l">
+            <a:lvl8pPr marL="3200400" marR="0" lvl="7" indent="0" algn="l" rtl="0">
               <a:lnSpc>
                 <a:spcPct val="100000"/>
               </a:lnSpc>
@@ -5389,7 +5566,7 @@
               </a:buClr>
               <a:buFont typeface="Source Sans Pro"/>
               <a:buNone/>
-              <a:defRPr b="0" i="0" sz="1800" u="none" cap="none" strike="noStrike">
+              <a:defRPr sz="1800" b="0" i="0" u="none" strike="noStrike" cap="none">
                 <a:solidFill>
                   <a:srgbClr val="263238"/>
                 </a:solidFill>
@@ -5399,7 +5576,7 @@
                 <a:sym typeface="Source Sans Pro"/>
               </a:defRPr>
             </a:lvl8pPr>
-            <a:lvl9pPr indent="0" lvl="8" marL="3657600" marR="0" rtl="0" algn="l">
+            <a:lvl9pPr marL="3657600" marR="0" lvl="8" indent="0" algn="l" rtl="0">
               <a:lnSpc>
                 <a:spcPct val="100000"/>
               </a:lnSpc>
@@ -5414,7 +5591,7 @@
               </a:buClr>
               <a:buFont typeface="Source Sans Pro"/>
               <a:buNone/>
-              <a:defRPr b="0" i="0" sz="1800" u="none" cap="none" strike="noStrike">
+              <a:defRPr sz="1800" b="0" i="0" u="none" strike="noStrike" cap="none">
                 <a:solidFill>
                   <a:srgbClr val="263238"/>
                 </a:solidFill>
@@ -5425,15 +5602,19 @@
               </a:defRPr>
             </a:lvl9pPr>
           </a:lstStyle>
-          <a:p/>
+          <a:p>
+            <a:endParaRPr/>
+          </a:p>
         </p:txBody>
       </p:sp>
       <p:sp>
         <p:nvSpPr>
           <p:cNvPr id="52" name="Shape 52"/>
-          <p:cNvSpPr txBox="1"/>
+          <p:cNvSpPr txBox="1">
+            <a:spLocks noGrp="1"/>
+          </p:cNvSpPr>
           <p:nvPr>
-            <p:ph idx="12" type="sldNum"/>
+            <p:ph type="sldNum" idx="12"/>
           </p:nvPr>
         </p:nvSpPr>
         <p:spPr>
@@ -5446,7 +5627,7 @@
           </a:prstGeom>
         </p:spPr>
         <p:txBody>
-          <a:bodyPr anchorCtr="0" anchor="ctr" bIns="91425" lIns="91425" rIns="91425" tIns="91425">
+          <a:bodyPr lIns="91425" tIns="91425" rIns="91425" bIns="91425" anchor="ctr" anchorCtr="0">
             <a:noAutofit/>
           </a:bodyPr>
           <a:lstStyle/>
@@ -5461,6 +5642,7 @@
               <a:rPr lang="zh-TW"/>
               <a:t>‹#›</a:t>
             </a:fld>
+            <a:endParaRPr lang="zh-TW"/>
           </a:p>
         </p:txBody>
       </p:sp>
@@ -5473,11 +5655,11 @@
 </file>
 
 <file path=ppt/slideLayouts/slideLayout7.xml><?xml version="1.0" encoding="utf-8"?>
-<p:sldLayout xmlns:a="http://schemas.openxmlformats.org/drawingml/2006/main" xmlns:r="http://schemas.openxmlformats.org/officeDocument/2006/relationships" xmlns:mc="http://schemas.openxmlformats.org/markup-compatibility/2006" xmlns:mv="urn:schemas-microsoft-com:mac:vml" xmlns:p="http://schemas.openxmlformats.org/presentationml/2006/main" xmlns:c="http://schemas.openxmlformats.org/drawingml/2006/chart" xmlns:dgm="http://schemas.openxmlformats.org/drawingml/2006/diagram" xmlns:o="urn:schemas-microsoft-com:office:office" xmlns:v="urn:schemas-microsoft-com:vml" xmlns:pvml="urn:schemas-microsoft-com:office:powerpoint" xmlns:com="http://schemas.openxmlformats.org/drawingml/2006/compatibility" xmlns:p14="http://schemas.microsoft.com/office/powerpoint/2010/main">
+<p:sldLayout xmlns:a="http://schemas.openxmlformats.org/drawingml/2006/main" xmlns:r="http://schemas.openxmlformats.org/officeDocument/2006/relationships" xmlns:p="http://schemas.openxmlformats.org/presentationml/2006/main">
   <p:cSld name="Title + 3 columns">
     <p:spTree>
       <p:nvGrpSpPr>
-        <p:cNvPr id="53" name="Shape 53"/>
+        <p:cNvPr id="1" name="Shape 53"/>
         <p:cNvGrpSpPr/>
         <p:nvPr/>
       </p:nvGrpSpPr>
@@ -5492,7 +5674,9 @@
       <p:sp>
         <p:nvSpPr>
           <p:cNvPr id="54" name="Shape 54"/>
-          <p:cNvSpPr txBox="1"/>
+          <p:cNvSpPr txBox="1">
+            <a:spLocks noGrp="1"/>
+          </p:cNvSpPr>
           <p:nvPr>
             <p:ph type="title"/>
           </p:nvPr>
@@ -5511,9 +5695,9 @@
           </a:ln>
         </p:spPr>
         <p:txBody>
-          <a:bodyPr anchorCtr="0" anchor="b" bIns="91425" lIns="91425" rIns="91425" tIns="91425"/>
+          <a:bodyPr lIns="91425" tIns="91425" rIns="91425" bIns="91425" anchor="b" anchorCtr="0"/>
           <a:lstStyle>
-            <a:lvl1pPr indent="0" lvl="0" marL="0" marR="0" rtl="0" algn="l">
+            <a:lvl1pPr marL="0" marR="0" lvl="0" indent="0" algn="l" rtl="0">
               <a:lnSpc>
                 <a:spcPct val="100000"/>
               </a:lnSpc>
@@ -5528,7 +5712,7 @@
               </a:buClr>
               <a:buFont typeface="Roboto Slab"/>
               <a:buNone/>
-              <a:defRPr b="0" i="0" sz="2000" u="none" cap="none" strike="noStrike">
+              <a:defRPr sz="2000" b="0" i="0" u="none" strike="noStrike" cap="none">
                 <a:solidFill>
                   <a:srgbClr val="0091EA"/>
                 </a:solidFill>
@@ -5538,7 +5722,7 @@
                 <a:sym typeface="Roboto Slab"/>
               </a:defRPr>
             </a:lvl1pPr>
-            <a:lvl2pPr indent="0" lvl="1" rtl="0">
+            <a:lvl2pPr lvl="1" indent="0" rtl="0">
               <a:spcBef>
                 <a:spcPts val="0"/>
               </a:spcBef>
@@ -5557,7 +5741,7 @@
                 <a:sym typeface="Roboto Slab"/>
               </a:defRPr>
             </a:lvl2pPr>
-            <a:lvl3pPr indent="0" lvl="2" rtl="0">
+            <a:lvl3pPr lvl="2" indent="0" rtl="0">
               <a:spcBef>
                 <a:spcPts val="0"/>
               </a:spcBef>
@@ -5576,7 +5760,7 @@
                 <a:sym typeface="Roboto Slab"/>
               </a:defRPr>
             </a:lvl3pPr>
-            <a:lvl4pPr indent="0" lvl="3" rtl="0">
+            <a:lvl4pPr lvl="3" indent="0" rtl="0">
               <a:spcBef>
                 <a:spcPts val="0"/>
               </a:spcBef>
@@ -5595,7 +5779,7 @@
                 <a:sym typeface="Roboto Slab"/>
               </a:defRPr>
             </a:lvl4pPr>
-            <a:lvl5pPr indent="0" lvl="4" rtl="0">
+            <a:lvl5pPr lvl="4" indent="0" rtl="0">
               <a:spcBef>
                 <a:spcPts val="0"/>
               </a:spcBef>
@@ -5614,7 +5798,7 @@
                 <a:sym typeface="Roboto Slab"/>
               </a:defRPr>
             </a:lvl5pPr>
-            <a:lvl6pPr indent="0" lvl="5" rtl="0">
+            <a:lvl6pPr lvl="5" indent="0" rtl="0">
               <a:spcBef>
                 <a:spcPts val="0"/>
               </a:spcBef>
@@ -5633,7 +5817,7 @@
                 <a:sym typeface="Roboto Slab"/>
               </a:defRPr>
             </a:lvl6pPr>
-            <a:lvl7pPr indent="0" lvl="6" rtl="0">
+            <a:lvl7pPr lvl="6" indent="0" rtl="0">
               <a:spcBef>
                 <a:spcPts val="0"/>
               </a:spcBef>
@@ -5652,7 +5836,7 @@
                 <a:sym typeface="Roboto Slab"/>
               </a:defRPr>
             </a:lvl7pPr>
-            <a:lvl8pPr indent="0" lvl="7" rtl="0">
+            <a:lvl8pPr lvl="7" indent="0" rtl="0">
               <a:spcBef>
                 <a:spcPts val="0"/>
               </a:spcBef>
@@ -5671,7 +5855,7 @@
                 <a:sym typeface="Roboto Slab"/>
               </a:defRPr>
             </a:lvl8pPr>
-            <a:lvl9pPr indent="0" lvl="8" rtl="0">
+            <a:lvl9pPr lvl="8" indent="0" rtl="0">
               <a:spcBef>
                 <a:spcPts val="0"/>
               </a:spcBef>
@@ -5691,15 +5875,19 @@
               </a:defRPr>
             </a:lvl9pPr>
           </a:lstStyle>
-          <a:p/>
+          <a:p>
+            <a:endParaRPr/>
+          </a:p>
         </p:txBody>
       </p:sp>
       <p:sp>
         <p:nvSpPr>
           <p:cNvPr id="55" name="Shape 55"/>
-          <p:cNvSpPr txBox="1"/>
+          <p:cNvSpPr txBox="1">
+            <a:spLocks noGrp="1"/>
+          </p:cNvSpPr>
           <p:nvPr>
-            <p:ph idx="1" type="body"/>
+            <p:ph type="body" idx="1"/>
           </p:nvPr>
         </p:nvSpPr>
         <p:spPr>
@@ -5716,9 +5904,9 @@
           </a:ln>
         </p:spPr>
         <p:txBody>
-          <a:bodyPr anchorCtr="0" anchor="t" bIns="91425" lIns="91425" rIns="91425" tIns="91425"/>
+          <a:bodyPr lIns="91425" tIns="91425" rIns="91425" bIns="91425" anchor="t" anchorCtr="0"/>
           <a:lstStyle>
-            <a:lvl1pPr indent="127000" lvl="0" marL="0" marR="0" rtl="0" algn="l">
+            <a:lvl1pPr marL="0" marR="0" lvl="0" indent="127000" algn="l" rtl="0">
               <a:lnSpc>
                 <a:spcPct val="100000"/>
               </a:lnSpc>
@@ -5734,7 +5922,7 @@
               <a:buSzPct val="100000"/>
               <a:buFont typeface="Source Sans Pro"/>
               <a:buChar char="◎"/>
-              <a:defRPr b="0" i="0" sz="2000" u="none" cap="none" strike="noStrike">
+              <a:defRPr sz="2000" b="0" i="0" u="none" strike="noStrike" cap="none">
                 <a:solidFill>
                   <a:srgbClr val="263238"/>
                 </a:solidFill>
@@ -5744,7 +5932,7 @@
                 <a:sym typeface="Source Sans Pro"/>
               </a:defRPr>
             </a:lvl1pPr>
-            <a:lvl2pPr indent="127000" lvl="1" marL="457200" marR="0" rtl="0" algn="l">
+            <a:lvl2pPr marL="457200" marR="0" lvl="1" indent="127000" algn="l" rtl="0">
               <a:lnSpc>
                 <a:spcPct val="100000"/>
               </a:lnSpc>
@@ -5760,7 +5948,7 @@
               <a:buSzPct val="100000"/>
               <a:buFont typeface="Source Sans Pro"/>
               <a:buChar char="○"/>
-              <a:defRPr b="0" i="0" sz="2000" u="none" cap="none" strike="noStrike">
+              <a:defRPr sz="2000" b="0" i="0" u="none" strike="noStrike" cap="none">
                 <a:solidFill>
                   <a:srgbClr val="263238"/>
                 </a:solidFill>
@@ -5770,7 +5958,7 @@
                 <a:sym typeface="Source Sans Pro"/>
               </a:defRPr>
             </a:lvl2pPr>
-            <a:lvl3pPr indent="127000" lvl="2" marL="914400" marR="0" rtl="0" algn="l">
+            <a:lvl3pPr marL="914400" marR="0" lvl="2" indent="127000" algn="l" rtl="0">
               <a:lnSpc>
                 <a:spcPct val="100000"/>
               </a:lnSpc>
@@ -5786,7 +5974,7 @@
               <a:buSzPct val="100000"/>
               <a:buFont typeface="Source Sans Pro"/>
               <a:buChar char="◉"/>
-              <a:defRPr b="0" i="0" sz="2000" u="none" cap="none" strike="noStrike">
+              <a:defRPr sz="2000" b="0" i="0" u="none" strike="noStrike" cap="none">
                 <a:solidFill>
                   <a:srgbClr val="263238"/>
                 </a:solidFill>
@@ -5796,7 +5984,7 @@
                 <a:sym typeface="Source Sans Pro"/>
               </a:defRPr>
             </a:lvl3pPr>
-            <a:lvl4pPr indent="0" lvl="3" marL="1371600" marR="0" rtl="0" algn="l">
+            <a:lvl4pPr marL="1371600" marR="0" lvl="3" indent="0" algn="l" rtl="0">
               <a:lnSpc>
                 <a:spcPct val="100000"/>
               </a:lnSpc>
@@ -5811,7 +5999,7 @@
               </a:buClr>
               <a:buFont typeface="Source Sans Pro"/>
               <a:buNone/>
-              <a:defRPr b="0" i="0" sz="2000" u="none" cap="none" strike="noStrike">
+              <a:defRPr sz="2000" b="0" i="0" u="none" strike="noStrike" cap="none">
                 <a:solidFill>
                   <a:srgbClr val="263238"/>
                 </a:solidFill>
@@ -5821,7 +6009,7 @@
                 <a:sym typeface="Source Sans Pro"/>
               </a:defRPr>
             </a:lvl4pPr>
-            <a:lvl5pPr indent="0" lvl="4" marL="1828800" marR="0" rtl="0" algn="l">
+            <a:lvl5pPr marL="1828800" marR="0" lvl="4" indent="0" algn="l" rtl="0">
               <a:lnSpc>
                 <a:spcPct val="100000"/>
               </a:lnSpc>
@@ -5836,7 +6024,7 @@
               </a:buClr>
               <a:buFont typeface="Source Sans Pro"/>
               <a:buNone/>
-              <a:defRPr b="0" i="0" sz="2000" u="none" cap="none" strike="noStrike">
+              <a:defRPr sz="2000" b="0" i="0" u="none" strike="noStrike" cap="none">
                 <a:solidFill>
                   <a:srgbClr val="263238"/>
                 </a:solidFill>
@@ -5846,7 +6034,7 @@
                 <a:sym typeface="Source Sans Pro"/>
               </a:defRPr>
             </a:lvl5pPr>
-            <a:lvl6pPr indent="0" lvl="5" marL="2286000" marR="0" rtl="0" algn="l">
+            <a:lvl6pPr marL="2286000" marR="0" lvl="5" indent="0" algn="l" rtl="0">
               <a:lnSpc>
                 <a:spcPct val="100000"/>
               </a:lnSpc>
@@ -5861,7 +6049,7 @@
               </a:buClr>
               <a:buFont typeface="Source Sans Pro"/>
               <a:buNone/>
-              <a:defRPr b="0" i="0" sz="2000" u="none" cap="none" strike="noStrike">
+              <a:defRPr sz="2000" b="0" i="0" u="none" strike="noStrike" cap="none">
                 <a:solidFill>
                   <a:srgbClr val="263238"/>
                 </a:solidFill>
@@ -5871,7 +6059,7 @@
                 <a:sym typeface="Source Sans Pro"/>
               </a:defRPr>
             </a:lvl6pPr>
-            <a:lvl7pPr indent="0" lvl="6" marL="2743200" marR="0" rtl="0" algn="l">
+            <a:lvl7pPr marL="2743200" marR="0" lvl="6" indent="0" algn="l" rtl="0">
               <a:lnSpc>
                 <a:spcPct val="100000"/>
               </a:lnSpc>
@@ -5886,7 +6074,7 @@
               </a:buClr>
               <a:buFont typeface="Source Sans Pro"/>
               <a:buNone/>
-              <a:defRPr b="0" i="0" sz="2000" u="none" cap="none" strike="noStrike">
+              <a:defRPr sz="2000" b="0" i="0" u="none" strike="noStrike" cap="none">
                 <a:solidFill>
                   <a:srgbClr val="263238"/>
                 </a:solidFill>
@@ -5896,7 +6084,7 @@
                 <a:sym typeface="Source Sans Pro"/>
               </a:defRPr>
             </a:lvl7pPr>
-            <a:lvl8pPr indent="0" lvl="7" marL="3200400" marR="0" rtl="0" algn="l">
+            <a:lvl8pPr marL="3200400" marR="0" lvl="7" indent="0" algn="l" rtl="0">
               <a:lnSpc>
                 <a:spcPct val="100000"/>
               </a:lnSpc>
@@ -5911,7 +6099,7 @@
               </a:buClr>
               <a:buFont typeface="Source Sans Pro"/>
               <a:buNone/>
-              <a:defRPr b="0" i="0" sz="2000" u="none" cap="none" strike="noStrike">
+              <a:defRPr sz="2000" b="0" i="0" u="none" strike="noStrike" cap="none">
                 <a:solidFill>
                   <a:srgbClr val="263238"/>
                 </a:solidFill>
@@ -5921,7 +6109,7 @@
                 <a:sym typeface="Source Sans Pro"/>
               </a:defRPr>
             </a:lvl8pPr>
-            <a:lvl9pPr indent="0" lvl="8" marL="3657600" marR="0" rtl="0" algn="l">
+            <a:lvl9pPr marL="3657600" marR="0" lvl="8" indent="0" algn="l" rtl="0">
               <a:lnSpc>
                 <a:spcPct val="100000"/>
               </a:lnSpc>
@@ -5936,7 +6124,7 @@
               </a:buClr>
               <a:buFont typeface="Source Sans Pro"/>
               <a:buNone/>
-              <a:defRPr b="0" i="0" sz="2000" u="none" cap="none" strike="noStrike">
+              <a:defRPr sz="2000" b="0" i="0" u="none" strike="noStrike" cap="none">
                 <a:solidFill>
                   <a:srgbClr val="263238"/>
                 </a:solidFill>
@@ -5947,15 +6135,19 @@
               </a:defRPr>
             </a:lvl9pPr>
           </a:lstStyle>
-          <a:p/>
+          <a:p>
+            <a:endParaRPr/>
+          </a:p>
         </p:txBody>
       </p:sp>
       <p:sp>
         <p:nvSpPr>
           <p:cNvPr id="56" name="Shape 56"/>
-          <p:cNvSpPr txBox="1"/>
+          <p:cNvSpPr txBox="1">
+            <a:spLocks noGrp="1"/>
+          </p:cNvSpPr>
           <p:nvPr>
-            <p:ph idx="2" type="body"/>
+            <p:ph type="body" idx="2"/>
           </p:nvPr>
         </p:nvSpPr>
         <p:spPr>
@@ -5972,9 +6164,9 @@
           </a:ln>
         </p:spPr>
         <p:txBody>
-          <a:bodyPr anchorCtr="0" anchor="t" bIns="91425" lIns="91425" rIns="91425" tIns="91425"/>
+          <a:bodyPr lIns="91425" tIns="91425" rIns="91425" bIns="91425" anchor="t" anchorCtr="0"/>
           <a:lstStyle>
-            <a:lvl1pPr indent="127000" lvl="0" marL="0" marR="0" rtl="0" algn="l">
+            <a:lvl1pPr marL="0" marR="0" lvl="0" indent="127000" algn="l" rtl="0">
               <a:lnSpc>
                 <a:spcPct val="100000"/>
               </a:lnSpc>
@@ -5990,7 +6182,7 @@
               <a:buSzPct val="100000"/>
               <a:buFont typeface="Source Sans Pro"/>
               <a:buChar char="◎"/>
-              <a:defRPr b="0" i="0" sz="2000" u="none" cap="none" strike="noStrike">
+              <a:defRPr sz="2000" b="0" i="0" u="none" strike="noStrike" cap="none">
                 <a:solidFill>
                   <a:srgbClr val="263238"/>
                 </a:solidFill>
@@ -6000,7 +6192,7 @@
                 <a:sym typeface="Source Sans Pro"/>
               </a:defRPr>
             </a:lvl1pPr>
-            <a:lvl2pPr indent="127000" lvl="1" marL="457200" marR="0" rtl="0" algn="l">
+            <a:lvl2pPr marL="457200" marR="0" lvl="1" indent="127000" algn="l" rtl="0">
               <a:lnSpc>
                 <a:spcPct val="100000"/>
               </a:lnSpc>
@@ -6016,7 +6208,7 @@
               <a:buSzPct val="100000"/>
               <a:buFont typeface="Source Sans Pro"/>
               <a:buChar char="○"/>
-              <a:defRPr b="0" i="0" sz="2000" u="none" cap="none" strike="noStrike">
+              <a:defRPr sz="2000" b="0" i="0" u="none" strike="noStrike" cap="none">
                 <a:solidFill>
                   <a:srgbClr val="263238"/>
                 </a:solidFill>
@@ -6026,7 +6218,7 @@
                 <a:sym typeface="Source Sans Pro"/>
               </a:defRPr>
             </a:lvl2pPr>
-            <a:lvl3pPr indent="127000" lvl="2" marL="914400" marR="0" rtl="0" algn="l">
+            <a:lvl3pPr marL="914400" marR="0" lvl="2" indent="127000" algn="l" rtl="0">
               <a:lnSpc>
                 <a:spcPct val="100000"/>
               </a:lnSpc>
@@ -6042,7 +6234,7 @@
               <a:buSzPct val="100000"/>
               <a:buFont typeface="Source Sans Pro"/>
               <a:buChar char="◉"/>
-              <a:defRPr b="0" i="0" sz="2000" u="none" cap="none" strike="noStrike">
+              <a:defRPr sz="2000" b="0" i="0" u="none" strike="noStrike" cap="none">
                 <a:solidFill>
                   <a:srgbClr val="263238"/>
                 </a:solidFill>
@@ -6052,7 +6244,7 @@
                 <a:sym typeface="Source Sans Pro"/>
               </a:defRPr>
             </a:lvl3pPr>
-            <a:lvl4pPr indent="0" lvl="3" marL="1371600" marR="0" rtl="0" algn="l">
+            <a:lvl4pPr marL="1371600" marR="0" lvl="3" indent="0" algn="l" rtl="0">
               <a:lnSpc>
                 <a:spcPct val="100000"/>
               </a:lnSpc>
@@ -6067,7 +6259,7 @@
               </a:buClr>
               <a:buFont typeface="Source Sans Pro"/>
               <a:buNone/>
-              <a:defRPr b="0" i="0" sz="2000" u="none" cap="none" strike="noStrike">
+              <a:defRPr sz="2000" b="0" i="0" u="none" strike="noStrike" cap="none">
                 <a:solidFill>
                   <a:srgbClr val="263238"/>
                 </a:solidFill>
@@ -6077,7 +6269,7 @@
                 <a:sym typeface="Source Sans Pro"/>
               </a:defRPr>
             </a:lvl4pPr>
-            <a:lvl5pPr indent="0" lvl="4" marL="1828800" marR="0" rtl="0" algn="l">
+            <a:lvl5pPr marL="1828800" marR="0" lvl="4" indent="0" algn="l" rtl="0">
               <a:lnSpc>
                 <a:spcPct val="100000"/>
               </a:lnSpc>
@@ -6092,7 +6284,7 @@
               </a:buClr>
               <a:buFont typeface="Source Sans Pro"/>
               <a:buNone/>
-              <a:defRPr b="0" i="0" sz="2000" u="none" cap="none" strike="noStrike">
+              <a:defRPr sz="2000" b="0" i="0" u="none" strike="noStrike" cap="none">
                 <a:solidFill>
                   <a:srgbClr val="263238"/>
                 </a:solidFill>
@@ -6102,7 +6294,7 @@
                 <a:sym typeface="Source Sans Pro"/>
               </a:defRPr>
             </a:lvl5pPr>
-            <a:lvl6pPr indent="0" lvl="5" marL="2286000" marR="0" rtl="0" algn="l">
+            <a:lvl6pPr marL="2286000" marR="0" lvl="5" indent="0" algn="l" rtl="0">
               <a:lnSpc>
                 <a:spcPct val="100000"/>
               </a:lnSpc>
@@ -6117,7 +6309,7 @@
               </a:buClr>
               <a:buFont typeface="Source Sans Pro"/>
               <a:buNone/>
-              <a:defRPr b="0" i="0" sz="2000" u="none" cap="none" strike="noStrike">
+              <a:defRPr sz="2000" b="0" i="0" u="none" strike="noStrike" cap="none">
                 <a:solidFill>
                   <a:srgbClr val="263238"/>
                 </a:solidFill>
@@ -6127,7 +6319,7 @@
                 <a:sym typeface="Source Sans Pro"/>
               </a:defRPr>
             </a:lvl6pPr>
-            <a:lvl7pPr indent="0" lvl="6" marL="2743200" marR="0" rtl="0" algn="l">
+            <a:lvl7pPr marL="2743200" marR="0" lvl="6" indent="0" algn="l" rtl="0">
               <a:lnSpc>
                 <a:spcPct val="100000"/>
               </a:lnSpc>
@@ -6142,7 +6334,7 @@
               </a:buClr>
               <a:buFont typeface="Source Sans Pro"/>
               <a:buNone/>
-              <a:defRPr b="0" i="0" sz="2000" u="none" cap="none" strike="noStrike">
+              <a:defRPr sz="2000" b="0" i="0" u="none" strike="noStrike" cap="none">
                 <a:solidFill>
                   <a:srgbClr val="263238"/>
                 </a:solidFill>
@@ -6152,7 +6344,7 @@
                 <a:sym typeface="Source Sans Pro"/>
               </a:defRPr>
             </a:lvl7pPr>
-            <a:lvl8pPr indent="0" lvl="7" marL="3200400" marR="0" rtl="0" algn="l">
+            <a:lvl8pPr marL="3200400" marR="0" lvl="7" indent="0" algn="l" rtl="0">
               <a:lnSpc>
                 <a:spcPct val="100000"/>
               </a:lnSpc>
@@ -6167,7 +6359,7 @@
               </a:buClr>
               <a:buFont typeface="Source Sans Pro"/>
               <a:buNone/>
-              <a:defRPr b="0" i="0" sz="2000" u="none" cap="none" strike="noStrike">
+              <a:defRPr sz="2000" b="0" i="0" u="none" strike="noStrike" cap="none">
                 <a:solidFill>
                   <a:srgbClr val="263238"/>
                 </a:solidFill>
@@ -6177,7 +6369,7 @@
                 <a:sym typeface="Source Sans Pro"/>
               </a:defRPr>
             </a:lvl8pPr>
-            <a:lvl9pPr indent="0" lvl="8" marL="3657600" marR="0" rtl="0" algn="l">
+            <a:lvl9pPr marL="3657600" marR="0" lvl="8" indent="0" algn="l" rtl="0">
               <a:lnSpc>
                 <a:spcPct val="100000"/>
               </a:lnSpc>
@@ -6192,7 +6384,7 @@
               </a:buClr>
               <a:buFont typeface="Source Sans Pro"/>
               <a:buNone/>
-              <a:defRPr b="0" i="0" sz="2000" u="none" cap="none" strike="noStrike">
+              <a:defRPr sz="2000" b="0" i="0" u="none" strike="noStrike" cap="none">
                 <a:solidFill>
                   <a:srgbClr val="263238"/>
                 </a:solidFill>
@@ -6203,15 +6395,19 @@
               </a:defRPr>
             </a:lvl9pPr>
           </a:lstStyle>
-          <a:p/>
+          <a:p>
+            <a:endParaRPr/>
+          </a:p>
         </p:txBody>
       </p:sp>
       <p:sp>
         <p:nvSpPr>
           <p:cNvPr id="57" name="Shape 57"/>
-          <p:cNvSpPr txBox="1"/>
+          <p:cNvSpPr txBox="1">
+            <a:spLocks noGrp="1"/>
+          </p:cNvSpPr>
           <p:nvPr>
-            <p:ph idx="3" type="body"/>
+            <p:ph type="body" idx="3"/>
           </p:nvPr>
         </p:nvSpPr>
         <p:spPr>
@@ -6228,9 +6424,9 @@
           </a:ln>
         </p:spPr>
         <p:txBody>
-          <a:bodyPr anchorCtr="0" anchor="t" bIns="91425" lIns="91425" rIns="91425" tIns="91425"/>
+          <a:bodyPr lIns="91425" tIns="91425" rIns="91425" bIns="91425" anchor="t" anchorCtr="0"/>
           <a:lstStyle>
-            <a:lvl1pPr indent="127000" lvl="0" marL="0" marR="0" rtl="0" algn="l">
+            <a:lvl1pPr marL="0" marR="0" lvl="0" indent="127000" algn="l" rtl="0">
               <a:lnSpc>
                 <a:spcPct val="100000"/>
               </a:lnSpc>
@@ -6246,7 +6442,7 @@
               <a:buSzPct val="100000"/>
               <a:buFont typeface="Source Sans Pro"/>
               <a:buChar char="◎"/>
-              <a:defRPr b="0" i="0" sz="2000" u="none" cap="none" strike="noStrike">
+              <a:defRPr sz="2000" b="0" i="0" u="none" strike="noStrike" cap="none">
                 <a:solidFill>
                   <a:srgbClr val="263238"/>
                 </a:solidFill>
@@ -6256,7 +6452,7 @@
                 <a:sym typeface="Source Sans Pro"/>
               </a:defRPr>
             </a:lvl1pPr>
-            <a:lvl2pPr indent="127000" lvl="1" marL="457200" marR="0" rtl="0" algn="l">
+            <a:lvl2pPr marL="457200" marR="0" lvl="1" indent="127000" algn="l" rtl="0">
               <a:lnSpc>
                 <a:spcPct val="100000"/>
               </a:lnSpc>
@@ -6272,7 +6468,7 @@
               <a:buSzPct val="100000"/>
               <a:buFont typeface="Source Sans Pro"/>
               <a:buChar char="○"/>
-              <a:defRPr b="0" i="0" sz="2000" u="none" cap="none" strike="noStrike">
+              <a:defRPr sz="2000" b="0" i="0" u="none" strike="noStrike" cap="none">
                 <a:solidFill>
                   <a:srgbClr val="263238"/>
                 </a:solidFill>
@@ -6282,7 +6478,7 @@
                 <a:sym typeface="Source Sans Pro"/>
               </a:defRPr>
             </a:lvl2pPr>
-            <a:lvl3pPr indent="127000" lvl="2" marL="914400" marR="0" rtl="0" algn="l">
+            <a:lvl3pPr marL="914400" marR="0" lvl="2" indent="127000" algn="l" rtl="0">
               <a:lnSpc>
                 <a:spcPct val="100000"/>
               </a:lnSpc>
@@ -6298,7 +6494,7 @@
               <a:buSzPct val="100000"/>
               <a:buFont typeface="Source Sans Pro"/>
               <a:buChar char="◉"/>
-              <a:defRPr b="0" i="0" sz="2000" u="none" cap="none" strike="noStrike">
+              <a:defRPr sz="2000" b="0" i="0" u="none" strike="noStrike" cap="none">
                 <a:solidFill>
                   <a:srgbClr val="263238"/>
                 </a:solidFill>
@@ -6308,7 +6504,7 @@
                 <a:sym typeface="Source Sans Pro"/>
               </a:defRPr>
             </a:lvl3pPr>
-            <a:lvl4pPr indent="0" lvl="3" marL="1371600" marR="0" rtl="0" algn="l">
+            <a:lvl4pPr marL="1371600" marR="0" lvl="3" indent="0" algn="l" rtl="0">
               <a:lnSpc>
                 <a:spcPct val="100000"/>
               </a:lnSpc>
@@ -6323,7 +6519,7 @@
               </a:buClr>
               <a:buFont typeface="Source Sans Pro"/>
               <a:buNone/>
-              <a:defRPr b="0" i="0" sz="2000" u="none" cap="none" strike="noStrike">
+              <a:defRPr sz="2000" b="0" i="0" u="none" strike="noStrike" cap="none">
                 <a:solidFill>
                   <a:srgbClr val="263238"/>
                 </a:solidFill>
@@ -6333,7 +6529,7 @@
                 <a:sym typeface="Source Sans Pro"/>
               </a:defRPr>
             </a:lvl4pPr>
-            <a:lvl5pPr indent="0" lvl="4" marL="1828800" marR="0" rtl="0" algn="l">
+            <a:lvl5pPr marL="1828800" marR="0" lvl="4" indent="0" algn="l" rtl="0">
               <a:lnSpc>
                 <a:spcPct val="100000"/>
               </a:lnSpc>
@@ -6348,7 +6544,7 @@
               </a:buClr>
               <a:buFont typeface="Source Sans Pro"/>
               <a:buNone/>
-              <a:defRPr b="0" i="0" sz="2000" u="none" cap="none" strike="noStrike">
+              <a:defRPr sz="2000" b="0" i="0" u="none" strike="noStrike" cap="none">
                 <a:solidFill>
                   <a:srgbClr val="263238"/>
                 </a:solidFill>
@@ -6358,7 +6554,7 @@
                 <a:sym typeface="Source Sans Pro"/>
               </a:defRPr>
             </a:lvl5pPr>
-            <a:lvl6pPr indent="0" lvl="5" marL="2286000" marR="0" rtl="0" algn="l">
+            <a:lvl6pPr marL="2286000" marR="0" lvl="5" indent="0" algn="l" rtl="0">
               <a:lnSpc>
                 <a:spcPct val="100000"/>
               </a:lnSpc>
@@ -6373,7 +6569,7 @@
               </a:buClr>
               <a:buFont typeface="Source Sans Pro"/>
               <a:buNone/>
-              <a:defRPr b="0" i="0" sz="2000" u="none" cap="none" strike="noStrike">
+              <a:defRPr sz="2000" b="0" i="0" u="none" strike="noStrike" cap="none">
                 <a:solidFill>
                   <a:srgbClr val="263238"/>
                 </a:solidFill>
@@ -6383,7 +6579,7 @@
                 <a:sym typeface="Source Sans Pro"/>
               </a:defRPr>
             </a:lvl6pPr>
-            <a:lvl7pPr indent="0" lvl="6" marL="2743200" marR="0" rtl="0" algn="l">
+            <a:lvl7pPr marL="2743200" marR="0" lvl="6" indent="0" algn="l" rtl="0">
               <a:lnSpc>
                 <a:spcPct val="100000"/>
               </a:lnSpc>
@@ -6398,7 +6594,7 @@
               </a:buClr>
               <a:buFont typeface="Source Sans Pro"/>
               <a:buNone/>
-              <a:defRPr b="0" i="0" sz="2000" u="none" cap="none" strike="noStrike">
+              <a:defRPr sz="2000" b="0" i="0" u="none" strike="noStrike" cap="none">
                 <a:solidFill>
                   <a:srgbClr val="263238"/>
                 </a:solidFill>
@@ -6408,7 +6604,7 @@
                 <a:sym typeface="Source Sans Pro"/>
               </a:defRPr>
             </a:lvl7pPr>
-            <a:lvl8pPr indent="0" lvl="7" marL="3200400" marR="0" rtl="0" algn="l">
+            <a:lvl8pPr marL="3200400" marR="0" lvl="7" indent="0" algn="l" rtl="0">
               <a:lnSpc>
                 <a:spcPct val="100000"/>
               </a:lnSpc>
@@ -6423,7 +6619,7 @@
               </a:buClr>
               <a:buFont typeface="Source Sans Pro"/>
               <a:buNone/>
-              <a:defRPr b="0" i="0" sz="2000" u="none" cap="none" strike="noStrike">
+              <a:defRPr sz="2000" b="0" i="0" u="none" strike="noStrike" cap="none">
                 <a:solidFill>
                   <a:srgbClr val="263238"/>
                 </a:solidFill>
@@ -6433,7 +6629,7 @@
                 <a:sym typeface="Source Sans Pro"/>
               </a:defRPr>
             </a:lvl8pPr>
-            <a:lvl9pPr indent="0" lvl="8" marL="3657600" marR="0" rtl="0" algn="l">
+            <a:lvl9pPr marL="3657600" marR="0" lvl="8" indent="0" algn="l" rtl="0">
               <a:lnSpc>
                 <a:spcPct val="100000"/>
               </a:lnSpc>
@@ -6448,7 +6644,7 @@
               </a:buClr>
               <a:buFont typeface="Source Sans Pro"/>
               <a:buNone/>
-              <a:defRPr b="0" i="0" sz="2000" u="none" cap="none" strike="noStrike">
+              <a:defRPr sz="2000" b="0" i="0" u="none" strike="noStrike" cap="none">
                 <a:solidFill>
                   <a:srgbClr val="263238"/>
                 </a:solidFill>
@@ -6459,15 +6655,19 @@
               </a:defRPr>
             </a:lvl9pPr>
           </a:lstStyle>
-          <a:p/>
+          <a:p>
+            <a:endParaRPr/>
+          </a:p>
         </p:txBody>
       </p:sp>
       <p:sp>
         <p:nvSpPr>
           <p:cNvPr id="58" name="Shape 58"/>
-          <p:cNvSpPr txBox="1"/>
+          <p:cNvSpPr txBox="1">
+            <a:spLocks noGrp="1"/>
+          </p:cNvSpPr>
           <p:nvPr>
-            <p:ph idx="12" type="sldNum"/>
+            <p:ph type="sldNum" idx="12"/>
           </p:nvPr>
         </p:nvSpPr>
         <p:spPr>
@@ -6480,7 +6680,7 @@
           </a:prstGeom>
         </p:spPr>
         <p:txBody>
-          <a:bodyPr anchorCtr="0" anchor="ctr" bIns="91425" lIns="91425" rIns="91425" tIns="91425">
+          <a:bodyPr lIns="91425" tIns="91425" rIns="91425" bIns="91425" anchor="ctr" anchorCtr="0">
             <a:noAutofit/>
           </a:bodyPr>
           <a:lstStyle/>
@@ -6495,6 +6695,7 @@
               <a:rPr lang="zh-TW"/>
               <a:t>‹#›</a:t>
             </a:fld>
+            <a:endParaRPr lang="zh-TW"/>
           </a:p>
         </p:txBody>
       </p:sp>
@@ -6507,7 +6708,7 @@
 </file>
 
 <file path=ppt/slideLayouts/slideLayout8.xml><?xml version="1.0" encoding="utf-8"?>
-<p:sldLayout xmlns:a="http://schemas.openxmlformats.org/drawingml/2006/main" xmlns:r="http://schemas.openxmlformats.org/officeDocument/2006/relationships" xmlns:mc="http://schemas.openxmlformats.org/markup-compatibility/2006" xmlns:mv="urn:schemas-microsoft-com:mac:vml" xmlns:p="http://schemas.openxmlformats.org/presentationml/2006/main" xmlns:c="http://schemas.openxmlformats.org/drawingml/2006/chart" xmlns:dgm="http://schemas.openxmlformats.org/drawingml/2006/diagram" xmlns:o="urn:schemas-microsoft-com:office:office" xmlns:v="urn:schemas-microsoft-com:vml" xmlns:pvml="urn:schemas-microsoft-com:office:powerpoint" xmlns:com="http://schemas.openxmlformats.org/drawingml/2006/compatibility" xmlns:p14="http://schemas.microsoft.com/office/powerpoint/2010/main" type="titleOnly">
+<p:sldLayout xmlns:a="http://schemas.openxmlformats.org/drawingml/2006/main" xmlns:r="http://schemas.openxmlformats.org/officeDocument/2006/relationships" xmlns:p="http://schemas.openxmlformats.org/presentationml/2006/main" type="titleOnly">
   <p:cSld name="Title only">
     <p:bg>
       <p:bgPr>
@@ -6516,14 +6717,15 @@
             <a:alphaModFix/>
           </a:blip>
           <a:stretch>
-            <a:fillRect b="0" l="0" r="0" t="0"/>
+            <a:fillRect/>
           </a:stretch>
         </a:blipFill>
+        <a:effectLst/>
       </p:bgPr>
     </p:bg>
     <p:spTree>
       <p:nvGrpSpPr>
-        <p:cNvPr id="59" name="Shape 59"/>
+        <p:cNvPr id="1" name="Shape 59"/>
         <p:cNvGrpSpPr/>
         <p:nvPr/>
       </p:nvGrpSpPr>
@@ -6538,7 +6740,9 @@
       <p:sp>
         <p:nvSpPr>
           <p:cNvPr id="60" name="Shape 60"/>
-          <p:cNvSpPr txBox="1"/>
+          <p:cNvSpPr txBox="1">
+            <a:spLocks noGrp="1"/>
+          </p:cNvSpPr>
           <p:nvPr>
             <p:ph type="title"/>
           </p:nvPr>
@@ -6557,9 +6761,9 @@
           </a:ln>
         </p:spPr>
         <p:txBody>
-          <a:bodyPr anchorCtr="0" anchor="b" bIns="91425" lIns="91425" rIns="91425" tIns="91425"/>
+          <a:bodyPr lIns="91425" tIns="91425" rIns="91425" bIns="91425" anchor="b" anchorCtr="0"/>
           <a:lstStyle>
-            <a:lvl1pPr indent="0" lvl="0" marL="0" marR="0" rtl="0" algn="l">
+            <a:lvl1pPr marL="0" marR="0" lvl="0" indent="0" algn="l" rtl="0">
               <a:lnSpc>
                 <a:spcPct val="100000"/>
               </a:lnSpc>
@@ -6574,7 +6778,7 @@
               </a:buClr>
               <a:buFont typeface="Roboto Slab"/>
               <a:buNone/>
-              <a:defRPr b="0" i="0" sz="2000" u="none" cap="none" strike="noStrike">
+              <a:defRPr sz="2000" b="0" i="0" u="none" strike="noStrike" cap="none">
                 <a:solidFill>
                   <a:srgbClr val="0091EA"/>
                 </a:solidFill>
@@ -6584,7 +6788,7 @@
                 <a:sym typeface="Roboto Slab"/>
               </a:defRPr>
             </a:lvl1pPr>
-            <a:lvl2pPr indent="0" lvl="1">
+            <a:lvl2pPr lvl="1" indent="0">
               <a:spcBef>
                 <a:spcPts val="0"/>
               </a:spcBef>
@@ -6603,7 +6807,7 @@
                 <a:sym typeface="Roboto Slab"/>
               </a:defRPr>
             </a:lvl2pPr>
-            <a:lvl3pPr indent="0" lvl="2">
+            <a:lvl3pPr lvl="2" indent="0">
               <a:spcBef>
                 <a:spcPts val="0"/>
               </a:spcBef>
@@ -6622,7 +6826,7 @@
                 <a:sym typeface="Roboto Slab"/>
               </a:defRPr>
             </a:lvl3pPr>
-            <a:lvl4pPr indent="0" lvl="3">
+            <a:lvl4pPr lvl="3" indent="0">
               <a:spcBef>
                 <a:spcPts val="0"/>
               </a:spcBef>
@@ -6641,7 +6845,7 @@
                 <a:sym typeface="Roboto Slab"/>
               </a:defRPr>
             </a:lvl4pPr>
-            <a:lvl5pPr indent="0" lvl="4">
+            <a:lvl5pPr lvl="4" indent="0">
               <a:spcBef>
                 <a:spcPts val="0"/>
               </a:spcBef>
@@ -6660,7 +6864,7 @@
                 <a:sym typeface="Roboto Slab"/>
               </a:defRPr>
             </a:lvl5pPr>
-            <a:lvl6pPr indent="0" lvl="5">
+            <a:lvl6pPr lvl="5" indent="0">
               <a:spcBef>
                 <a:spcPts val="0"/>
               </a:spcBef>
@@ -6679,7 +6883,7 @@
                 <a:sym typeface="Roboto Slab"/>
               </a:defRPr>
             </a:lvl6pPr>
-            <a:lvl7pPr indent="0" lvl="6">
+            <a:lvl7pPr lvl="6" indent="0">
               <a:spcBef>
                 <a:spcPts val="0"/>
               </a:spcBef>
@@ -6698,7 +6902,7 @@
                 <a:sym typeface="Roboto Slab"/>
               </a:defRPr>
             </a:lvl7pPr>
-            <a:lvl8pPr indent="0" lvl="7">
+            <a:lvl8pPr lvl="7" indent="0">
               <a:spcBef>
                 <a:spcPts val="0"/>
               </a:spcBef>
@@ -6717,7 +6921,7 @@
                 <a:sym typeface="Roboto Slab"/>
               </a:defRPr>
             </a:lvl8pPr>
-            <a:lvl9pPr indent="0" lvl="8">
+            <a:lvl9pPr lvl="8" indent="0">
               <a:spcBef>
                 <a:spcPts val="0"/>
               </a:spcBef>
@@ -6737,15 +6941,19 @@
               </a:defRPr>
             </a:lvl9pPr>
           </a:lstStyle>
-          <a:p/>
+          <a:p>
+            <a:endParaRPr/>
+          </a:p>
         </p:txBody>
       </p:sp>
       <p:sp>
         <p:nvSpPr>
           <p:cNvPr id="61" name="Shape 61"/>
-          <p:cNvSpPr txBox="1"/>
+          <p:cNvSpPr txBox="1">
+            <a:spLocks noGrp="1"/>
+          </p:cNvSpPr>
           <p:nvPr>
-            <p:ph idx="12" type="sldNum"/>
+            <p:ph type="sldNum" idx="12"/>
           </p:nvPr>
         </p:nvSpPr>
         <p:spPr>
@@ -6758,7 +6966,7 @@
           </a:prstGeom>
         </p:spPr>
         <p:txBody>
-          <a:bodyPr anchorCtr="0" anchor="ctr" bIns="91425" lIns="91425" rIns="91425" tIns="91425">
+          <a:bodyPr lIns="91425" tIns="91425" rIns="91425" bIns="91425" anchor="ctr" anchorCtr="0">
             <a:noAutofit/>
           </a:bodyPr>
           <a:lstStyle/>
@@ -6773,6 +6981,7 @@
               <a:rPr lang="zh-TW"/>
               <a:t>‹#›</a:t>
             </a:fld>
+            <a:endParaRPr lang="zh-TW"/>
           </a:p>
         </p:txBody>
       </p:sp>
@@ -6785,7 +6994,7 @@
 </file>
 
 <file path=ppt/slideLayouts/slideLayout9.xml><?xml version="1.0" encoding="utf-8"?>
-<p:sldLayout xmlns:a="http://schemas.openxmlformats.org/drawingml/2006/main" xmlns:r="http://schemas.openxmlformats.org/officeDocument/2006/relationships" xmlns:mc="http://schemas.openxmlformats.org/markup-compatibility/2006" xmlns:mv="urn:schemas-microsoft-com:mac:vml" xmlns:p="http://schemas.openxmlformats.org/presentationml/2006/main" xmlns:c="http://schemas.openxmlformats.org/drawingml/2006/chart" xmlns:dgm="http://schemas.openxmlformats.org/drawingml/2006/diagram" xmlns:o="urn:schemas-microsoft-com:office:office" xmlns:v="urn:schemas-microsoft-com:vml" xmlns:pvml="urn:schemas-microsoft-com:office:powerpoint" xmlns:com="http://schemas.openxmlformats.org/drawingml/2006/compatibility" xmlns:p14="http://schemas.microsoft.com/office/powerpoint/2010/main">
+<p:sldLayout xmlns:a="http://schemas.openxmlformats.org/drawingml/2006/main" xmlns:r="http://schemas.openxmlformats.org/officeDocument/2006/relationships" xmlns:p="http://schemas.openxmlformats.org/presentationml/2006/main">
   <p:cSld name="Blank complete pattern">
     <p:bg>
       <p:bgPr>
@@ -6794,14 +7003,15 @@
             <a:alphaModFix/>
           </a:blip>
           <a:stretch>
-            <a:fillRect b="0" l="0" r="0" t="0"/>
+            <a:fillRect/>
           </a:stretch>
         </a:blipFill>
+        <a:effectLst/>
       </p:bgPr>
     </p:bg>
     <p:spTree>
       <p:nvGrpSpPr>
-        <p:cNvPr id="62" name="Shape 62"/>
+        <p:cNvPr id="1" name="Shape 62"/>
         <p:cNvGrpSpPr/>
         <p:nvPr/>
       </p:nvGrpSpPr>
@@ -6837,12 +7047,12 @@
           </a:ln>
         </p:spPr>
         <p:txBody>
-          <a:bodyPr anchorCtr="0" anchor="ctr" bIns="91425" lIns="91425" rIns="91425" tIns="91425">
+          <a:bodyPr lIns="91425" tIns="91425" rIns="91425" bIns="91425" anchor="ctr" anchorCtr="0">
             <a:noAutofit/>
           </a:bodyPr>
           <a:lstStyle/>
           <a:p>
-            <a:pPr indent="0" lvl="0" marL="0" marR="0" rtl="0" algn="l">
+            <a:pPr marL="0" marR="0" lvl="0" indent="0" algn="l" rtl="0">
               <a:lnSpc>
                 <a:spcPct val="100000"/>
               </a:lnSpc>
@@ -6858,10 +7068,7 @@
               <a:buFont typeface="Arial"/>
               <a:buNone/>
             </a:pPr>
-            <a:r>
-              <a:t/>
-            </a:r>
-            <a:endParaRPr b="0" i="0" sz="1400" u="none" cap="none" strike="noStrike">
+            <a:endParaRPr sz="1400" b="0" i="0" u="none" strike="noStrike" cap="none">
               <a:solidFill>
                 <a:srgbClr val="000000"/>
               </a:solidFill>
@@ -6876,9 +7083,11 @@
       <p:sp>
         <p:nvSpPr>
           <p:cNvPr id="64" name="Shape 64"/>
-          <p:cNvSpPr txBox="1"/>
+          <p:cNvSpPr txBox="1">
+            <a:spLocks noGrp="1"/>
+          </p:cNvSpPr>
           <p:nvPr>
-            <p:ph idx="12" type="sldNum"/>
+            <p:ph type="sldNum" idx="12"/>
           </p:nvPr>
         </p:nvSpPr>
         <p:spPr>
@@ -6891,7 +7100,7 @@
           </a:prstGeom>
         </p:spPr>
         <p:txBody>
-          <a:bodyPr anchorCtr="0" anchor="ctr" bIns="91425" lIns="91425" rIns="91425" tIns="91425">
+          <a:bodyPr lIns="91425" tIns="91425" rIns="91425" bIns="91425" anchor="ctr" anchorCtr="0">
             <a:noAutofit/>
           </a:bodyPr>
           <a:lstStyle/>
@@ -6906,6 +7115,7 @@
               <a:rPr lang="zh-TW"/>
               <a:t>‹#›</a:t>
             </a:fld>
+            <a:endParaRPr lang="zh-TW"/>
           </a:p>
         </p:txBody>
       </p:sp>
@@ -6918,23 +7128,24 @@
 </file>
 
 <file path=ppt/slideMasters/slideMaster1.xml><?xml version="1.0" encoding="utf-8"?>
-<p:sldMaster xmlns:a="http://schemas.openxmlformats.org/drawingml/2006/main" xmlns:r="http://schemas.openxmlformats.org/officeDocument/2006/relationships" xmlns:mc="http://schemas.openxmlformats.org/markup-compatibility/2006" xmlns:mv="urn:schemas-microsoft-com:mac:vml" xmlns:p="http://schemas.openxmlformats.org/presentationml/2006/main" xmlns:c="http://schemas.openxmlformats.org/drawingml/2006/chart" xmlns:dgm="http://schemas.openxmlformats.org/drawingml/2006/diagram" xmlns:o="urn:schemas-microsoft-com:office:office" xmlns:v="urn:schemas-microsoft-com:vml" xmlns:pvml="urn:schemas-microsoft-com:office:powerpoint" xmlns:com="http://schemas.openxmlformats.org/drawingml/2006/compatibility" xmlns:p14="http://schemas.microsoft.com/office/powerpoint/2010/main">
+<p:sldMaster xmlns:a="http://schemas.openxmlformats.org/drawingml/2006/main" xmlns:r="http://schemas.openxmlformats.org/officeDocument/2006/relationships" xmlns:p="http://schemas.openxmlformats.org/presentationml/2006/main">
   <p:cSld>
     <p:bg>
       <p:bgPr>
         <a:blipFill rotWithShape="1">
-          <a:blip r:embed="rId1">
+          <a:blip r:embed="rId13">
             <a:alphaModFix/>
           </a:blip>
           <a:stretch>
-            <a:fillRect b="0" l="0" r="0" t="0"/>
+            <a:fillRect/>
           </a:stretch>
         </a:blipFill>
+        <a:effectLst/>
       </p:bgPr>
     </p:bg>
     <p:spTree>
       <p:nvGrpSpPr>
-        <p:cNvPr id="5" name="Shape 5"/>
+        <p:cNvPr id="1" name="Shape 5"/>
         <p:cNvGrpSpPr/>
         <p:nvPr/>
       </p:nvGrpSpPr>
@@ -6949,7 +7160,9 @@
       <p:sp>
         <p:nvSpPr>
           <p:cNvPr id="6" name="Shape 6"/>
-          <p:cNvSpPr txBox="1"/>
+          <p:cNvSpPr txBox="1">
+            <a:spLocks noGrp="1"/>
+          </p:cNvSpPr>
           <p:nvPr>
             <p:ph type="title"/>
           </p:nvPr>
@@ -6968,9 +7181,9 @@
           </a:ln>
         </p:spPr>
         <p:txBody>
-          <a:bodyPr anchorCtr="0" anchor="b" bIns="91425" lIns="91425" rIns="91425" tIns="91425"/>
+          <a:bodyPr lIns="91425" tIns="91425" rIns="91425" bIns="91425" anchor="b" anchorCtr="0"/>
           <a:lstStyle>
-            <a:lvl1pPr indent="0" lvl="0" marL="0" marR="0" rtl="0" algn="l">
+            <a:lvl1pPr marL="0" marR="0" lvl="0" indent="0" algn="l" rtl="0">
               <a:lnSpc>
                 <a:spcPct val="100000"/>
               </a:lnSpc>
@@ -6985,7 +7198,7 @@
               </a:buClr>
               <a:buFont typeface="Roboto Slab"/>
               <a:buNone/>
-              <a:defRPr b="0" i="0" sz="2000" u="none" cap="none" strike="noStrike">
+              <a:defRPr sz="2000" b="0" i="0" u="none" strike="noStrike" cap="none">
                 <a:solidFill>
                   <a:srgbClr val="0091EA"/>
                 </a:solidFill>
@@ -6995,7 +7208,7 @@
                 <a:sym typeface="Roboto Slab"/>
               </a:defRPr>
             </a:lvl1pPr>
-            <a:lvl2pPr indent="0" lvl="1">
+            <a:lvl2pPr lvl="1" indent="0">
               <a:spcBef>
                 <a:spcPts val="0"/>
               </a:spcBef>
@@ -7014,7 +7227,7 @@
                 <a:sym typeface="Roboto Slab"/>
               </a:defRPr>
             </a:lvl2pPr>
-            <a:lvl3pPr indent="0" lvl="2">
+            <a:lvl3pPr lvl="2" indent="0">
               <a:spcBef>
                 <a:spcPts val="0"/>
               </a:spcBef>
@@ -7033,7 +7246,7 @@
                 <a:sym typeface="Roboto Slab"/>
               </a:defRPr>
             </a:lvl3pPr>
-            <a:lvl4pPr indent="0" lvl="3">
+            <a:lvl4pPr lvl="3" indent="0">
               <a:spcBef>
                 <a:spcPts val="0"/>
               </a:spcBef>
@@ -7052,7 +7265,7 @@
                 <a:sym typeface="Roboto Slab"/>
               </a:defRPr>
             </a:lvl4pPr>
-            <a:lvl5pPr indent="0" lvl="4">
+            <a:lvl5pPr lvl="4" indent="0">
               <a:spcBef>
                 <a:spcPts val="0"/>
               </a:spcBef>
@@ -7071,7 +7284,7 @@
                 <a:sym typeface="Roboto Slab"/>
               </a:defRPr>
             </a:lvl5pPr>
-            <a:lvl6pPr indent="0" lvl="5">
+            <a:lvl6pPr lvl="5" indent="0">
               <a:spcBef>
                 <a:spcPts val="0"/>
               </a:spcBef>
@@ -7090,7 +7303,7 @@
                 <a:sym typeface="Roboto Slab"/>
               </a:defRPr>
             </a:lvl6pPr>
-            <a:lvl7pPr indent="0" lvl="6">
+            <a:lvl7pPr lvl="6" indent="0">
               <a:spcBef>
                 <a:spcPts val="0"/>
               </a:spcBef>
@@ -7109,7 +7322,7 @@
                 <a:sym typeface="Roboto Slab"/>
               </a:defRPr>
             </a:lvl7pPr>
-            <a:lvl8pPr indent="0" lvl="7">
+            <a:lvl8pPr lvl="7" indent="0">
               <a:spcBef>
                 <a:spcPts val="0"/>
               </a:spcBef>
@@ -7128,7 +7341,7 @@
                 <a:sym typeface="Roboto Slab"/>
               </a:defRPr>
             </a:lvl8pPr>
-            <a:lvl9pPr indent="0" lvl="8">
+            <a:lvl9pPr lvl="8" indent="0">
               <a:spcBef>
                 <a:spcPts val="0"/>
               </a:spcBef>
@@ -7148,15 +7361,19 @@
               </a:defRPr>
             </a:lvl9pPr>
           </a:lstStyle>
-          <a:p/>
+          <a:p>
+            <a:endParaRPr/>
+          </a:p>
         </p:txBody>
       </p:sp>
       <p:sp>
         <p:nvSpPr>
           <p:cNvPr id="7" name="Shape 7"/>
-          <p:cNvSpPr txBox="1"/>
+          <p:cNvSpPr txBox="1">
+            <a:spLocks noGrp="1"/>
+          </p:cNvSpPr>
           <p:nvPr>
-            <p:ph idx="1" type="body"/>
+            <p:ph type="body" idx="1"/>
           </p:nvPr>
         </p:nvSpPr>
         <p:spPr>
@@ -7173,9 +7390,9 @@
           </a:ln>
         </p:spPr>
         <p:txBody>
-          <a:bodyPr anchorCtr="0" anchor="t" bIns="91425" lIns="91425" rIns="91425" tIns="91425"/>
+          <a:bodyPr lIns="91425" tIns="91425" rIns="91425" bIns="91425" anchor="t" anchorCtr="0"/>
           <a:lstStyle>
-            <a:lvl1pPr indent="190500" lvl="0" marL="0" marR="0" rtl="0" algn="l">
+            <a:lvl1pPr marL="0" marR="0" lvl="0" indent="190500" algn="l" rtl="0">
               <a:lnSpc>
                 <a:spcPct val="100000"/>
               </a:lnSpc>
@@ -7191,7 +7408,7 @@
               <a:buSzPct val="100000"/>
               <a:buFont typeface="Source Sans Pro"/>
               <a:buChar char="◎"/>
-              <a:defRPr b="0" i="0" sz="3000" u="none" cap="none" strike="noStrike">
+              <a:defRPr sz="3000" b="0" i="0" u="none" strike="noStrike" cap="none">
                 <a:solidFill>
                   <a:srgbClr val="263238"/>
                 </a:solidFill>
@@ -7201,7 +7418,7 @@
                 <a:sym typeface="Source Sans Pro"/>
               </a:defRPr>
             </a:lvl1pPr>
-            <a:lvl2pPr indent="152400" lvl="1" marL="457200" marR="0" rtl="0" algn="l">
+            <a:lvl2pPr marL="457200" marR="0" lvl="1" indent="152400" algn="l" rtl="0">
               <a:lnSpc>
                 <a:spcPct val="100000"/>
               </a:lnSpc>
@@ -7217,7 +7434,7 @@
               <a:buSzPct val="100000"/>
               <a:buFont typeface="Source Sans Pro"/>
               <a:buChar char="○"/>
-              <a:defRPr b="0" i="0" sz="2400" u="none" cap="none" strike="noStrike">
+              <a:defRPr sz="2400" b="0" i="0" u="none" strike="noStrike" cap="none">
                 <a:solidFill>
                   <a:srgbClr val="263238"/>
                 </a:solidFill>
@@ -7227,7 +7444,7 @@
                 <a:sym typeface="Source Sans Pro"/>
               </a:defRPr>
             </a:lvl2pPr>
-            <a:lvl3pPr indent="152400" lvl="2" marL="914400" marR="0" rtl="0" algn="l">
+            <a:lvl3pPr marL="914400" marR="0" lvl="2" indent="152400" algn="l" rtl="0">
               <a:lnSpc>
                 <a:spcPct val="100000"/>
               </a:lnSpc>
@@ -7243,7 +7460,7 @@
               <a:buSzPct val="100000"/>
               <a:buFont typeface="Source Sans Pro"/>
               <a:buChar char="◉"/>
-              <a:defRPr b="0" i="0" sz="2400" u="none" cap="none" strike="noStrike">
+              <a:defRPr sz="2400" b="0" i="0" u="none" strike="noStrike" cap="none">
                 <a:solidFill>
                   <a:srgbClr val="263238"/>
                 </a:solidFill>
@@ -7253,7 +7470,7 @@
                 <a:sym typeface="Source Sans Pro"/>
               </a:defRPr>
             </a:lvl3pPr>
-            <a:lvl4pPr indent="0" lvl="3" marL="1371600" marR="0" rtl="0" algn="l">
+            <a:lvl4pPr marL="1371600" marR="0" lvl="3" indent="0" algn="l" rtl="0">
               <a:lnSpc>
                 <a:spcPct val="100000"/>
               </a:lnSpc>
@@ -7268,7 +7485,7 @@
               </a:buClr>
               <a:buFont typeface="Source Sans Pro"/>
               <a:buNone/>
-              <a:defRPr b="0" i="0" sz="1800" u="none" cap="none" strike="noStrike">
+              <a:defRPr sz="1800" b="0" i="0" u="none" strike="noStrike" cap="none">
                 <a:solidFill>
                   <a:srgbClr val="263238"/>
                 </a:solidFill>
@@ -7278,7 +7495,7 @@
                 <a:sym typeface="Source Sans Pro"/>
               </a:defRPr>
             </a:lvl4pPr>
-            <a:lvl5pPr indent="0" lvl="4" marL="1828800" marR="0" rtl="0" algn="l">
+            <a:lvl5pPr marL="1828800" marR="0" lvl="4" indent="0" algn="l" rtl="0">
               <a:lnSpc>
                 <a:spcPct val="100000"/>
               </a:lnSpc>
@@ -7293,7 +7510,7 @@
               </a:buClr>
               <a:buFont typeface="Source Sans Pro"/>
               <a:buNone/>
-              <a:defRPr b="0" i="0" sz="1800" u="none" cap="none" strike="noStrike">
+              <a:defRPr sz="1800" b="0" i="0" u="none" strike="noStrike" cap="none">
                 <a:solidFill>
                   <a:srgbClr val="263238"/>
                 </a:solidFill>
@@ -7303,7 +7520,7 @@
                 <a:sym typeface="Source Sans Pro"/>
               </a:defRPr>
             </a:lvl5pPr>
-            <a:lvl6pPr indent="0" lvl="5" marL="2286000" marR="0" rtl="0" algn="l">
+            <a:lvl6pPr marL="2286000" marR="0" lvl="5" indent="0" algn="l" rtl="0">
               <a:lnSpc>
                 <a:spcPct val="100000"/>
               </a:lnSpc>
@@ -7318,7 +7535,7 @@
               </a:buClr>
               <a:buFont typeface="Source Sans Pro"/>
               <a:buNone/>
-              <a:defRPr b="0" i="0" sz="1800" u="none" cap="none" strike="noStrike">
+              <a:defRPr sz="1800" b="0" i="0" u="none" strike="noStrike" cap="none">
                 <a:solidFill>
                   <a:srgbClr val="263238"/>
                 </a:solidFill>
@@ -7328,7 +7545,7 @@
                 <a:sym typeface="Source Sans Pro"/>
               </a:defRPr>
             </a:lvl6pPr>
-            <a:lvl7pPr indent="0" lvl="6" marL="2743200" marR="0" rtl="0" algn="l">
+            <a:lvl7pPr marL="2743200" marR="0" lvl="6" indent="0" algn="l" rtl="0">
               <a:lnSpc>
                 <a:spcPct val="100000"/>
               </a:lnSpc>
@@ -7343,7 +7560,7 @@
               </a:buClr>
               <a:buFont typeface="Source Sans Pro"/>
               <a:buNone/>
-              <a:defRPr b="0" i="0" sz="1800" u="none" cap="none" strike="noStrike">
+              <a:defRPr sz="1800" b="0" i="0" u="none" strike="noStrike" cap="none">
                 <a:solidFill>
                   <a:srgbClr val="263238"/>
                 </a:solidFill>
@@ -7353,7 +7570,7 @@
                 <a:sym typeface="Source Sans Pro"/>
               </a:defRPr>
             </a:lvl7pPr>
-            <a:lvl8pPr indent="0" lvl="7" marL="3200400" marR="0" rtl="0" algn="l">
+            <a:lvl8pPr marL="3200400" marR="0" lvl="7" indent="0" algn="l" rtl="0">
               <a:lnSpc>
                 <a:spcPct val="100000"/>
               </a:lnSpc>
@@ -7368,7 +7585,7 @@
               </a:buClr>
               <a:buFont typeface="Source Sans Pro"/>
               <a:buNone/>
-              <a:defRPr b="0" i="0" sz="1800" u="none" cap="none" strike="noStrike">
+              <a:defRPr sz="1800" b="0" i="0" u="none" strike="noStrike" cap="none">
                 <a:solidFill>
                   <a:srgbClr val="263238"/>
                 </a:solidFill>
@@ -7378,7 +7595,7 @@
                 <a:sym typeface="Source Sans Pro"/>
               </a:defRPr>
             </a:lvl8pPr>
-            <a:lvl9pPr indent="0" lvl="8" marL="3657600" marR="0" rtl="0" algn="l">
+            <a:lvl9pPr marL="3657600" marR="0" lvl="8" indent="0" algn="l" rtl="0">
               <a:lnSpc>
                 <a:spcPct val="100000"/>
               </a:lnSpc>
@@ -7393,7 +7610,7 @@
               </a:buClr>
               <a:buFont typeface="Source Sans Pro"/>
               <a:buNone/>
-              <a:defRPr b="0" i="0" sz="1800" u="none" cap="none" strike="noStrike">
+              <a:defRPr sz="1800" b="0" i="0" u="none" strike="noStrike" cap="none">
                 <a:solidFill>
                   <a:srgbClr val="263238"/>
                 </a:solidFill>
@@ -7404,15 +7621,19 @@
               </a:defRPr>
             </a:lvl9pPr>
           </a:lstStyle>
-          <a:p/>
+          <a:p>
+            <a:endParaRPr/>
+          </a:p>
         </p:txBody>
       </p:sp>
       <p:sp>
         <p:nvSpPr>
           <p:cNvPr id="8" name="Shape 8"/>
-          <p:cNvSpPr txBox="1"/>
+          <p:cNvSpPr txBox="1">
+            <a:spLocks noGrp="1"/>
+          </p:cNvSpPr>
           <p:nvPr>
-            <p:ph idx="12" type="sldNum"/>
+            <p:ph type="sldNum" idx="12"/>
           </p:nvPr>
         </p:nvSpPr>
         <p:spPr>
@@ -7429,7 +7650,7 @@
           </a:ln>
         </p:spPr>
         <p:txBody>
-          <a:bodyPr anchorCtr="0" anchor="ctr" bIns="91425" lIns="91425" rIns="91425" tIns="91425">
+          <a:bodyPr lIns="91425" tIns="91425" rIns="91425" bIns="91425" anchor="ctr" anchorCtr="0">
             <a:noAutofit/>
           </a:bodyPr>
           <a:lstStyle/>
@@ -7452,29 +7673,38 @@
               </a:rPr>
               <a:t>‹#›</a:t>
             </a:fld>
+            <a:endParaRPr lang="zh-TW" sz="1300">
+              <a:solidFill>
+                <a:srgbClr val="263238"/>
+              </a:solidFill>
+              <a:latin typeface="Source Sans Pro"/>
+              <a:ea typeface="Source Sans Pro"/>
+              <a:cs typeface="Source Sans Pro"/>
+              <a:sym typeface="Source Sans Pro"/>
+            </a:endParaRPr>
           </a:p>
         </p:txBody>
       </p:sp>
     </p:spTree>
   </p:cSld>
-  <p:clrMap accent1="accent1" accent2="accent2" accent3="accent3" accent4="accent4" accent5="accent5" accent6="accent6" bg1="lt1" bg2="dk2" tx1="dk1" tx2="lt2" folHlink="folHlink" hlink="hlink"/>
+  <p:clrMap bg1="lt1" tx1="dk1" bg2="dk2" tx2="lt2" accent1="accent1" accent2="accent2" accent3="accent3" accent4="accent4" accent5="accent5" accent6="accent6" hlink="hlink" folHlink="folHlink"/>
   <p:sldLayoutIdLst>
-    <p:sldLayoutId id="2147483648" r:id="rId2"/>
-    <p:sldLayoutId id="2147483649" r:id="rId3"/>
-    <p:sldLayoutId id="2147483650" r:id="rId4"/>
-    <p:sldLayoutId id="2147483651" r:id="rId5"/>
-    <p:sldLayoutId id="2147483652" r:id="rId6"/>
-    <p:sldLayoutId id="2147483653" r:id="rId7"/>
-    <p:sldLayoutId id="2147483654" r:id="rId8"/>
-    <p:sldLayoutId id="2147483655" r:id="rId9"/>
-    <p:sldLayoutId id="2147483656" r:id="rId10"/>
-    <p:sldLayoutId id="2147483657" r:id="rId11"/>
-    <p:sldLayoutId id="2147483658" r:id="rId12"/>
+    <p:sldLayoutId id="2147483648" r:id="rId1"/>
+    <p:sldLayoutId id="2147483649" r:id="rId2"/>
+    <p:sldLayoutId id="2147483650" r:id="rId3"/>
+    <p:sldLayoutId id="2147483651" r:id="rId4"/>
+    <p:sldLayoutId id="2147483652" r:id="rId5"/>
+    <p:sldLayoutId id="2147483653" r:id="rId6"/>
+    <p:sldLayoutId id="2147483654" r:id="rId7"/>
+    <p:sldLayoutId id="2147483655" r:id="rId8"/>
+    <p:sldLayoutId id="2147483656" r:id="rId9"/>
+    <p:sldLayoutId id="2147483657" r:id="rId10"/>
+    <p:sldLayoutId id="2147483658" r:id="rId11"/>
   </p:sldLayoutIdLst>
-  <p:hf dt="0" ftr="0" hdr="0"/>
+  <p:hf hdr="0" ftr="0" dt="0"/>
   <p:txStyles>
     <p:titleStyle>
-      <a:defPPr lvl="0" marR="0" rtl="0" algn="l">
+      <a:defPPr marR="0" lvl="0" algn="l" rtl="0">
         <a:lnSpc>
           <a:spcPct val="100000"/>
         </a:lnSpc>
@@ -7485,7 +7715,7 @@
           <a:spcPts val="0"/>
         </a:spcAft>
       </a:defPPr>
-      <a:lvl1pPr lvl="0" marR="0" rtl="0" algn="l">
+      <a:lvl1pPr marR="0" lvl="0" algn="l" rtl="0">
         <a:lnSpc>
           <a:spcPct val="100000"/>
         </a:lnSpc>
@@ -7496,7 +7726,7 @@
           <a:spcPts val="0"/>
         </a:spcAft>
         <a:buNone/>
-        <a:defRPr b="0" i="0" sz="1400" u="none" cap="none" strike="noStrike">
+        <a:defRPr sz="1400" b="0" i="0" u="none" strike="noStrike" cap="none">
           <a:solidFill>
             <a:srgbClr val="000000"/>
           </a:solidFill>
@@ -7508,7 +7738,7 @@
       </a:lvl1pPr>
     </p:titleStyle>
     <p:bodyStyle>
-      <a:defPPr lvl="0" marR="0" rtl="0" algn="l">
+      <a:defPPr marR="0" lvl="0" algn="l" rtl="0">
         <a:lnSpc>
           <a:spcPct val="100000"/>
         </a:lnSpc>
@@ -7519,7 +7749,7 @@
           <a:spcPts val="0"/>
         </a:spcAft>
       </a:defPPr>
-      <a:lvl1pPr lvl="0" marR="0" rtl="0" algn="l">
+      <a:lvl1pPr marR="0" lvl="0" algn="l" rtl="0">
         <a:lnSpc>
           <a:spcPct val="100000"/>
         </a:lnSpc>
@@ -7530,7 +7760,7 @@
           <a:spcPts val="0"/>
         </a:spcAft>
         <a:buNone/>
-        <a:defRPr b="0" i="0" sz="1400" u="none" cap="none" strike="noStrike">
+        <a:defRPr sz="1400" b="0" i="0" u="none" strike="noStrike" cap="none">
           <a:solidFill>
             <a:srgbClr val="000000"/>
           </a:solidFill>
@@ -7540,7 +7770,7 @@
           <a:sym typeface="Arial"/>
         </a:defRPr>
       </a:lvl1pPr>
-      <a:lvl2pPr lvl="1" marR="0" rtl="0" algn="l">
+      <a:lvl2pPr marR="0" lvl="1" algn="l" rtl="0">
         <a:lnSpc>
           <a:spcPct val="100000"/>
         </a:lnSpc>
@@ -7551,7 +7781,7 @@
           <a:spcPts val="0"/>
         </a:spcAft>
         <a:buNone/>
-        <a:defRPr b="0" i="0" sz="1400" u="none" cap="none" strike="noStrike">
+        <a:defRPr sz="1400" b="0" i="0" u="none" strike="noStrike" cap="none">
           <a:solidFill>
             <a:srgbClr val="000000"/>
           </a:solidFill>
@@ -7561,7 +7791,7 @@
           <a:sym typeface="Arial"/>
         </a:defRPr>
       </a:lvl2pPr>
-      <a:lvl3pPr lvl="2" marR="0" rtl="0" algn="l">
+      <a:lvl3pPr marR="0" lvl="2" algn="l" rtl="0">
         <a:lnSpc>
           <a:spcPct val="100000"/>
         </a:lnSpc>
@@ -7572,7 +7802,7 @@
           <a:spcPts val="0"/>
         </a:spcAft>
         <a:buNone/>
-        <a:defRPr b="0" i="0" sz="1400" u="none" cap="none" strike="noStrike">
+        <a:defRPr sz="1400" b="0" i="0" u="none" strike="noStrike" cap="none">
           <a:solidFill>
             <a:srgbClr val="000000"/>
           </a:solidFill>
@@ -7582,7 +7812,7 @@
           <a:sym typeface="Arial"/>
         </a:defRPr>
       </a:lvl3pPr>
-      <a:lvl4pPr lvl="3" marR="0" rtl="0" algn="l">
+      <a:lvl4pPr marR="0" lvl="3" algn="l" rtl="0">
         <a:lnSpc>
           <a:spcPct val="100000"/>
         </a:lnSpc>
@@ -7593,7 +7823,7 @@
           <a:spcPts val="0"/>
         </a:spcAft>
         <a:buNone/>
-        <a:defRPr b="0" i="0" sz="1400" u="none" cap="none" strike="noStrike">
+        <a:defRPr sz="1400" b="0" i="0" u="none" strike="noStrike" cap="none">
           <a:solidFill>
             <a:srgbClr val="000000"/>
           </a:solidFill>
@@ -7603,7 +7833,7 @@
           <a:sym typeface="Arial"/>
         </a:defRPr>
       </a:lvl4pPr>
-      <a:lvl5pPr lvl="4" marR="0" rtl="0" algn="l">
+      <a:lvl5pPr marR="0" lvl="4" algn="l" rtl="0">
         <a:lnSpc>
           <a:spcPct val="100000"/>
         </a:lnSpc>
@@ -7614,7 +7844,7 @@
           <a:spcPts val="0"/>
         </a:spcAft>
         <a:buNone/>
-        <a:defRPr b="0" i="0" sz="1400" u="none" cap="none" strike="noStrike">
+        <a:defRPr sz="1400" b="0" i="0" u="none" strike="noStrike" cap="none">
           <a:solidFill>
             <a:srgbClr val="000000"/>
           </a:solidFill>
@@ -7624,7 +7854,7 @@
           <a:sym typeface="Arial"/>
         </a:defRPr>
       </a:lvl5pPr>
-      <a:lvl6pPr lvl="5" marR="0" rtl="0" algn="l">
+      <a:lvl6pPr marR="0" lvl="5" algn="l" rtl="0">
         <a:lnSpc>
           <a:spcPct val="100000"/>
         </a:lnSpc>
@@ -7635,7 +7865,7 @@
           <a:spcPts val="0"/>
         </a:spcAft>
         <a:buNone/>
-        <a:defRPr b="0" i="0" sz="1400" u="none" cap="none" strike="noStrike">
+        <a:defRPr sz="1400" b="0" i="0" u="none" strike="noStrike" cap="none">
           <a:solidFill>
             <a:srgbClr val="000000"/>
           </a:solidFill>
@@ -7645,7 +7875,7 @@
           <a:sym typeface="Arial"/>
         </a:defRPr>
       </a:lvl6pPr>
-      <a:lvl7pPr lvl="6" marR="0" rtl="0" algn="l">
+      <a:lvl7pPr marR="0" lvl="6" algn="l" rtl="0">
         <a:lnSpc>
           <a:spcPct val="100000"/>
         </a:lnSpc>
@@ -7656,7 +7886,7 @@
           <a:spcPts val="0"/>
         </a:spcAft>
         <a:buNone/>
-        <a:defRPr b="0" i="0" sz="1400" u="none" cap="none" strike="noStrike">
+        <a:defRPr sz="1400" b="0" i="0" u="none" strike="noStrike" cap="none">
           <a:solidFill>
             <a:srgbClr val="000000"/>
           </a:solidFill>
@@ -7666,7 +7896,7 @@
           <a:sym typeface="Arial"/>
         </a:defRPr>
       </a:lvl7pPr>
-      <a:lvl8pPr lvl="7" marR="0" rtl="0" algn="l">
+      <a:lvl8pPr marR="0" lvl="7" algn="l" rtl="0">
         <a:lnSpc>
           <a:spcPct val="100000"/>
         </a:lnSpc>
@@ -7677,7 +7907,7 @@
           <a:spcPts val="0"/>
         </a:spcAft>
         <a:buNone/>
-        <a:defRPr b="0" i="0" sz="1400" u="none" cap="none" strike="noStrike">
+        <a:defRPr sz="1400" b="0" i="0" u="none" strike="noStrike" cap="none">
           <a:solidFill>
             <a:srgbClr val="000000"/>
           </a:solidFill>
@@ -7687,7 +7917,7 @@
           <a:sym typeface="Arial"/>
         </a:defRPr>
       </a:lvl8pPr>
-      <a:lvl9pPr lvl="8" marR="0" rtl="0" algn="l">
+      <a:lvl9pPr marR="0" lvl="8" algn="l" rtl="0">
         <a:lnSpc>
           <a:spcPct val="100000"/>
         </a:lnSpc>
@@ -7698,7 +7928,7 @@
           <a:spcPts val="0"/>
         </a:spcAft>
         <a:buNone/>
-        <a:defRPr b="0" i="0" sz="1400" u="none" cap="none" strike="noStrike">
+        <a:defRPr sz="1400" b="0" i="0" u="none" strike="noStrike" cap="none">
           <a:solidFill>
             <a:srgbClr val="000000"/>
           </a:solidFill>
@@ -7710,7 +7940,7 @@
       </a:lvl9pPr>
     </p:bodyStyle>
     <p:otherStyle>
-      <a:defPPr lvl="0" marR="0" rtl="0" algn="l">
+      <a:defPPr marR="0" lvl="0" algn="l" rtl="0">
         <a:lnSpc>
           <a:spcPct val="100000"/>
         </a:lnSpc>
@@ -7721,7 +7951,7 @@
           <a:spcPts val="0"/>
         </a:spcAft>
       </a:defPPr>
-      <a:lvl1pPr lvl="0" marR="0" rtl="0" algn="l">
+      <a:lvl1pPr marR="0" lvl="0" algn="l" rtl="0">
         <a:lnSpc>
           <a:spcPct val="100000"/>
         </a:lnSpc>
@@ -7732,7 +7962,7 @@
           <a:spcPts val="0"/>
         </a:spcAft>
         <a:buNone/>
-        <a:defRPr b="0" i="0" sz="1400" u="none" cap="none" strike="noStrike">
+        <a:defRPr sz="1400" b="0" i="0" u="none" strike="noStrike" cap="none">
           <a:solidFill>
             <a:srgbClr val="000000"/>
           </a:solidFill>
@@ -7742,7 +7972,7 @@
           <a:sym typeface="Arial"/>
         </a:defRPr>
       </a:lvl1pPr>
-      <a:lvl2pPr lvl="1" marR="0" rtl="0" algn="l">
+      <a:lvl2pPr marR="0" lvl="1" algn="l" rtl="0">
         <a:lnSpc>
           <a:spcPct val="100000"/>
         </a:lnSpc>
@@ -7753,7 +7983,7 @@
           <a:spcPts val="0"/>
         </a:spcAft>
         <a:buNone/>
-        <a:defRPr b="0" i="0" sz="1400" u="none" cap="none" strike="noStrike">
+        <a:defRPr sz="1400" b="0" i="0" u="none" strike="noStrike" cap="none">
           <a:solidFill>
             <a:srgbClr val="000000"/>
           </a:solidFill>
@@ -7763,7 +7993,7 @@
           <a:sym typeface="Arial"/>
         </a:defRPr>
       </a:lvl2pPr>
-      <a:lvl3pPr lvl="2" marR="0" rtl="0" algn="l">
+      <a:lvl3pPr marR="0" lvl="2" algn="l" rtl="0">
         <a:lnSpc>
           <a:spcPct val="100000"/>
         </a:lnSpc>
@@ -7774,7 +8004,7 @@
           <a:spcPts val="0"/>
         </a:spcAft>
         <a:buNone/>
-        <a:defRPr b="0" i="0" sz="1400" u="none" cap="none" strike="noStrike">
+        <a:defRPr sz="1400" b="0" i="0" u="none" strike="noStrike" cap="none">
           <a:solidFill>
             <a:srgbClr val="000000"/>
           </a:solidFill>
@@ -7784,7 +8014,7 @@
           <a:sym typeface="Arial"/>
         </a:defRPr>
       </a:lvl3pPr>
-      <a:lvl4pPr lvl="3" marR="0" rtl="0" algn="l">
+      <a:lvl4pPr marR="0" lvl="3" algn="l" rtl="0">
         <a:lnSpc>
           <a:spcPct val="100000"/>
         </a:lnSpc>
@@ -7795,7 +8025,7 @@
           <a:spcPts val="0"/>
         </a:spcAft>
         <a:buNone/>
-        <a:defRPr b="0" i="0" sz="1400" u="none" cap="none" strike="noStrike">
+        <a:defRPr sz="1400" b="0" i="0" u="none" strike="noStrike" cap="none">
           <a:solidFill>
             <a:srgbClr val="000000"/>
           </a:solidFill>
@@ -7805,7 +8035,7 @@
           <a:sym typeface="Arial"/>
         </a:defRPr>
       </a:lvl4pPr>
-      <a:lvl5pPr lvl="4" marR="0" rtl="0" algn="l">
+      <a:lvl5pPr marR="0" lvl="4" algn="l" rtl="0">
         <a:lnSpc>
           <a:spcPct val="100000"/>
         </a:lnSpc>
@@ -7816,7 +8046,7 @@
           <a:spcPts val="0"/>
         </a:spcAft>
         <a:buNone/>
-        <a:defRPr b="0" i="0" sz="1400" u="none" cap="none" strike="noStrike">
+        <a:defRPr sz="1400" b="0" i="0" u="none" strike="noStrike" cap="none">
           <a:solidFill>
             <a:srgbClr val="000000"/>
           </a:solidFill>
@@ -7826,7 +8056,7 @@
           <a:sym typeface="Arial"/>
         </a:defRPr>
       </a:lvl5pPr>
-      <a:lvl6pPr lvl="5" marR="0" rtl="0" algn="l">
+      <a:lvl6pPr marR="0" lvl="5" algn="l" rtl="0">
         <a:lnSpc>
           <a:spcPct val="100000"/>
         </a:lnSpc>
@@ -7837,7 +8067,7 @@
           <a:spcPts val="0"/>
         </a:spcAft>
         <a:buNone/>
-        <a:defRPr b="0" i="0" sz="1400" u="none" cap="none" strike="noStrike">
+        <a:defRPr sz="1400" b="0" i="0" u="none" strike="noStrike" cap="none">
           <a:solidFill>
             <a:srgbClr val="000000"/>
           </a:solidFill>
@@ -7847,7 +8077,7 @@
           <a:sym typeface="Arial"/>
         </a:defRPr>
       </a:lvl6pPr>
-      <a:lvl7pPr lvl="6" marR="0" rtl="0" algn="l">
+      <a:lvl7pPr marR="0" lvl="6" algn="l" rtl="0">
         <a:lnSpc>
           <a:spcPct val="100000"/>
         </a:lnSpc>
@@ -7858,7 +8088,7 @@
           <a:spcPts val="0"/>
         </a:spcAft>
         <a:buNone/>
-        <a:defRPr b="0" i="0" sz="1400" u="none" cap="none" strike="noStrike">
+        <a:defRPr sz="1400" b="0" i="0" u="none" strike="noStrike" cap="none">
           <a:solidFill>
             <a:srgbClr val="000000"/>
           </a:solidFill>
@@ -7868,7 +8098,7 @@
           <a:sym typeface="Arial"/>
         </a:defRPr>
       </a:lvl7pPr>
-      <a:lvl8pPr lvl="7" marR="0" rtl="0" algn="l">
+      <a:lvl8pPr marR="0" lvl="7" algn="l" rtl="0">
         <a:lnSpc>
           <a:spcPct val="100000"/>
         </a:lnSpc>
@@ -7879,7 +8109,7 @@
           <a:spcPts val="0"/>
         </a:spcAft>
         <a:buNone/>
-        <a:defRPr b="0" i="0" sz="1400" u="none" cap="none" strike="noStrike">
+        <a:defRPr sz="1400" b="0" i="0" u="none" strike="noStrike" cap="none">
           <a:solidFill>
             <a:srgbClr val="000000"/>
           </a:solidFill>
@@ -7889,7 +8119,7 @@
           <a:sym typeface="Arial"/>
         </a:defRPr>
       </a:lvl8pPr>
-      <a:lvl9pPr lvl="8" marR="0" rtl="0" algn="l">
+      <a:lvl9pPr marR="0" lvl="8" algn="l" rtl="0">
         <a:lnSpc>
           <a:spcPct val="100000"/>
         </a:lnSpc>
@@ -7900,7 +8130,7 @@
           <a:spcPts val="0"/>
         </a:spcAft>
         <a:buNone/>
-        <a:defRPr b="0" i="0" sz="1400" u="none" cap="none" strike="noStrike">
+        <a:defRPr sz="1400" b="0" i="0" u="none" strike="noStrike" cap="none">
           <a:solidFill>
             <a:srgbClr val="000000"/>
           </a:solidFill>
@@ -7916,11 +8146,11 @@
 </file>
 
 <file path=ppt/slides/slide1.xml><?xml version="1.0" encoding="utf-8"?>
-<p:sld xmlns:a="http://schemas.openxmlformats.org/drawingml/2006/main" xmlns:r="http://schemas.openxmlformats.org/officeDocument/2006/relationships" xmlns:mc="http://schemas.openxmlformats.org/markup-compatibility/2006" xmlns:mv="urn:schemas-microsoft-com:mac:vml" xmlns:p="http://schemas.openxmlformats.org/presentationml/2006/main" xmlns:c="http://schemas.openxmlformats.org/drawingml/2006/chart" xmlns:dgm="http://schemas.openxmlformats.org/drawingml/2006/diagram" xmlns:o="urn:schemas-microsoft-com:office:office" xmlns:v="urn:schemas-microsoft-com:vml" xmlns:pvml="urn:schemas-microsoft-com:office:powerpoint" xmlns:com="http://schemas.openxmlformats.org/drawingml/2006/compatibility" xmlns:p14="http://schemas.microsoft.com/office/powerpoint/2010/main">
+<p:sld xmlns:a="http://schemas.openxmlformats.org/drawingml/2006/main" xmlns:r="http://schemas.openxmlformats.org/officeDocument/2006/relationships" xmlns:p="http://schemas.openxmlformats.org/presentationml/2006/main">
   <p:cSld>
     <p:spTree>
       <p:nvGrpSpPr>
-        <p:cNvPr id="75" name="Shape 75"/>
+        <p:cNvPr id="1" name="Shape 75"/>
         <p:cNvGrpSpPr/>
         <p:nvPr/>
       </p:nvGrpSpPr>
@@ -7935,7 +8165,9 @@
       <p:sp>
         <p:nvSpPr>
           <p:cNvPr id="76" name="Shape 76"/>
-          <p:cNvSpPr txBox="1"/>
+          <p:cNvSpPr txBox="1">
+            <a:spLocks noGrp="1"/>
+          </p:cNvSpPr>
           <p:nvPr>
             <p:ph type="ctrTitle"/>
           </p:nvPr>
@@ -7950,12 +8182,12 @@
           </a:prstGeom>
         </p:spPr>
         <p:txBody>
-          <a:bodyPr anchorCtr="0" anchor="b" bIns="91425" lIns="91425" rIns="91425" tIns="91425">
+          <a:bodyPr lIns="91425" tIns="91425" rIns="91425" bIns="91425" anchor="b" anchorCtr="0">
             <a:noAutofit/>
           </a:bodyPr>
           <a:lstStyle/>
           <a:p>
-            <a:pPr lvl="0" rtl="0" algn="l">
+            <a:pPr lvl="0" algn="l" rtl="0">
               <a:spcBef>
                 <a:spcPts val="0"/>
               </a:spcBef>
@@ -7967,15 +8199,7 @@
                   <a:srgbClr val="434343"/>
                 </a:solidFill>
               </a:rPr>
-              <a:t>2017Open Data</a:t>
-            </a:r>
-            <a:r>
-              <a:rPr lang="zh-TW" sz="3000">
-                <a:solidFill>
-                  <a:srgbClr val="434343"/>
-                </a:solidFill>
-              </a:rPr>
-              <a:t>創新應用競賽</a:t>
+              <a:t>2017Open Data創新應用競賽</a:t>
             </a:r>
           </a:p>
         </p:txBody>
@@ -7983,9 +8207,11 @@
       <p:sp>
         <p:nvSpPr>
           <p:cNvPr id="77" name="Shape 77"/>
-          <p:cNvSpPr txBox="1"/>
+          <p:cNvSpPr txBox="1">
+            <a:spLocks noGrp="1"/>
+          </p:cNvSpPr>
           <p:nvPr>
-            <p:ph idx="1" type="subTitle"/>
+            <p:ph type="subTitle" idx="1"/>
           </p:nvPr>
         </p:nvSpPr>
         <p:spPr>
@@ -7998,7 +8224,7 @@
           </a:prstGeom>
         </p:spPr>
         <p:txBody>
-          <a:bodyPr anchorCtr="0" anchor="t" bIns="91425" lIns="91425" rIns="91425" tIns="91425">
+          <a:bodyPr lIns="91425" tIns="91425" rIns="91425" bIns="91425" anchor="t" anchorCtr="0">
             <a:noAutofit/>
           </a:bodyPr>
           <a:lstStyle/>
@@ -8023,9 +8249,11 @@
       <p:sp>
         <p:nvSpPr>
           <p:cNvPr id="78" name="Shape 78"/>
-          <p:cNvSpPr txBox="1"/>
+          <p:cNvSpPr txBox="1">
+            <a:spLocks noGrp="1"/>
+          </p:cNvSpPr>
           <p:nvPr>
-            <p:ph idx="12" type="sldNum"/>
+            <p:ph type="sldNum" idx="12"/>
           </p:nvPr>
         </p:nvSpPr>
         <p:spPr>
@@ -8038,7 +8266,7 @@
           </a:prstGeom>
         </p:spPr>
         <p:txBody>
-          <a:bodyPr anchorCtr="0" anchor="ctr" bIns="91425" lIns="91425" rIns="91425" tIns="91425">
+          <a:bodyPr lIns="91425" tIns="91425" rIns="91425" bIns="91425" anchor="ctr" anchorCtr="0">
             <a:noAutofit/>
           </a:bodyPr>
           <a:lstStyle/>
@@ -8050,9 +8278,10 @@
               <a:buNone/>
             </a:pPr>
             <a:fld id="{00000000-1234-1234-1234-123412341234}" type="slidenum">
-              <a:rPr lang="zh-TW" sz="2400"/>
-              <a:t>‹#›</a:t>
+              <a:rPr lang="en-US" altLang="zh-TW" sz="2400"/>
+              <a:t>1</a:t>
             </a:fld>
+            <a:endParaRPr lang="zh-TW" sz="2400"/>
           </a:p>
         </p:txBody>
       </p:sp>
@@ -8076,7 +8305,7 @@
           </a:ln>
         </p:spPr>
         <p:txBody>
-          <a:bodyPr anchorCtr="0" anchor="t" bIns="91425" lIns="91425" rIns="91425" tIns="91425">
+          <a:bodyPr lIns="91425" tIns="91425" rIns="91425" bIns="91425" anchor="t" anchorCtr="0">
             <a:noAutofit/>
           </a:bodyPr>
           <a:lstStyle/>
@@ -8096,7 +8325,7 @@
               <a:t>智慧生活應用</a:t>
             </a:r>
             <a:r>
-              <a:rPr b="1" lang="zh-TW" sz="5200">
+              <a:rPr lang="zh-TW" sz="5200" b="1">
                 <a:solidFill>
                   <a:srgbClr val="0091EA"/>
                 </a:solidFill>
@@ -8115,11 +8344,11 @@
 </file>
 
 <file path=ppt/slides/slide2.xml><?xml version="1.0" encoding="utf-8"?>
-<p:sld xmlns:a="http://schemas.openxmlformats.org/drawingml/2006/main" xmlns:r="http://schemas.openxmlformats.org/officeDocument/2006/relationships" xmlns:mc="http://schemas.openxmlformats.org/markup-compatibility/2006" xmlns:mv="urn:schemas-microsoft-com:mac:vml" xmlns:p="http://schemas.openxmlformats.org/presentationml/2006/main" xmlns:c="http://schemas.openxmlformats.org/drawingml/2006/chart" xmlns:dgm="http://schemas.openxmlformats.org/drawingml/2006/diagram" xmlns:o="urn:schemas-microsoft-com:office:office" xmlns:v="urn:schemas-microsoft-com:vml" xmlns:pvml="urn:schemas-microsoft-com:office:powerpoint" xmlns:com="http://schemas.openxmlformats.org/drawingml/2006/compatibility" xmlns:p14="http://schemas.microsoft.com/office/powerpoint/2010/main">
+<p:sld xmlns:a="http://schemas.openxmlformats.org/drawingml/2006/main" xmlns:r="http://schemas.openxmlformats.org/officeDocument/2006/relationships" xmlns:p="http://schemas.openxmlformats.org/presentationml/2006/main">
   <p:cSld>
     <p:spTree>
       <p:nvGrpSpPr>
-        <p:cNvPr id="83" name="Shape 83"/>
+        <p:cNvPr id="1" name="Shape 83"/>
         <p:cNvGrpSpPr/>
         <p:nvPr/>
       </p:nvGrpSpPr>
@@ -8134,7 +8363,9 @@
       <p:sp>
         <p:nvSpPr>
           <p:cNvPr id="84" name="Shape 84"/>
-          <p:cNvSpPr txBox="1"/>
+          <p:cNvSpPr txBox="1">
+            <a:spLocks noGrp="1"/>
+          </p:cNvSpPr>
           <p:nvPr>
             <p:ph type="title"/>
           </p:nvPr>
@@ -8149,7 +8380,7 @@
           </a:prstGeom>
         </p:spPr>
         <p:txBody>
-          <a:bodyPr anchorCtr="0" anchor="b" bIns="91425" lIns="91425" rIns="91425" tIns="91425">
+          <a:bodyPr lIns="91425" tIns="91425" rIns="91425" bIns="91425" anchor="b" anchorCtr="0">
             <a:noAutofit/>
           </a:bodyPr>
           <a:lstStyle/>
@@ -8170,9 +8401,11 @@
       <p:sp>
         <p:nvSpPr>
           <p:cNvPr id="85" name="Shape 85"/>
-          <p:cNvSpPr txBox="1"/>
+          <p:cNvSpPr txBox="1">
+            <a:spLocks noGrp="1"/>
+          </p:cNvSpPr>
           <p:nvPr>
-            <p:ph idx="1" type="body"/>
+            <p:ph type="body" idx="1"/>
           </p:nvPr>
         </p:nvSpPr>
         <p:spPr>
@@ -8185,7 +8418,7 @@
           </a:prstGeom>
         </p:spPr>
         <p:txBody>
-          <a:bodyPr anchorCtr="0" anchor="t" bIns="91425" lIns="91425" rIns="91425" tIns="91425">
+          <a:bodyPr lIns="91425" tIns="91425" rIns="91425" bIns="91425" anchor="t" anchorCtr="0">
             <a:noAutofit/>
           </a:bodyPr>
           <a:lstStyle/>
@@ -8210,9 +8443,11 @@
       <p:sp>
         <p:nvSpPr>
           <p:cNvPr id="86" name="Shape 86"/>
-          <p:cNvSpPr txBox="1"/>
+          <p:cNvSpPr txBox="1">
+            <a:spLocks noGrp="1"/>
+          </p:cNvSpPr>
           <p:nvPr>
-            <p:ph idx="12" type="sldNum"/>
+            <p:ph type="sldNum" idx="12"/>
           </p:nvPr>
         </p:nvSpPr>
         <p:spPr>
@@ -8225,7 +8460,7 @@
           </a:prstGeom>
         </p:spPr>
         <p:txBody>
-          <a:bodyPr anchorCtr="0" anchor="ctr" bIns="91425" lIns="91425" rIns="91425" tIns="91425">
+          <a:bodyPr lIns="91425" tIns="91425" rIns="91425" bIns="91425" anchor="ctr" anchorCtr="0">
             <a:noAutofit/>
           </a:bodyPr>
           <a:lstStyle/>
@@ -8237,9 +8472,10 @@
               <a:buNone/>
             </a:pPr>
             <a:fld id="{00000000-1234-1234-1234-123412341234}" type="slidenum">
-              <a:rPr lang="zh-TW" sz="2400"/>
-              <a:t>‹#›</a:t>
+              <a:rPr lang="en-US" altLang="zh-TW" sz="2400"/>
+              <a:t>2</a:t>
             </a:fld>
+            <a:endParaRPr lang="zh-TW" sz="2400"/>
           </a:p>
         </p:txBody>
       </p:sp>
@@ -8252,11 +8488,11 @@
 </file>
 
 <file path=ppt/slides/slide3.xml><?xml version="1.0" encoding="utf-8"?>
-<p:sld xmlns:a="http://schemas.openxmlformats.org/drawingml/2006/main" xmlns:r="http://schemas.openxmlformats.org/officeDocument/2006/relationships" xmlns:mc="http://schemas.openxmlformats.org/markup-compatibility/2006" xmlns:mv="urn:schemas-microsoft-com:mac:vml" xmlns:p="http://schemas.openxmlformats.org/presentationml/2006/main" xmlns:c="http://schemas.openxmlformats.org/drawingml/2006/chart" xmlns:dgm="http://schemas.openxmlformats.org/drawingml/2006/diagram" xmlns:o="urn:schemas-microsoft-com:office:office" xmlns:v="urn:schemas-microsoft-com:vml" xmlns:pvml="urn:schemas-microsoft-com:office:powerpoint" xmlns:com="http://schemas.openxmlformats.org/drawingml/2006/compatibility" xmlns:p14="http://schemas.microsoft.com/office/powerpoint/2010/main">
+<p:sld xmlns:a="http://schemas.openxmlformats.org/drawingml/2006/main" xmlns:r="http://schemas.openxmlformats.org/officeDocument/2006/relationships" xmlns:p="http://schemas.openxmlformats.org/presentationml/2006/main">
   <p:cSld>
     <p:spTree>
       <p:nvGrpSpPr>
-        <p:cNvPr id="90" name="Shape 90"/>
+        <p:cNvPr id="1" name="Shape 90"/>
         <p:cNvGrpSpPr/>
         <p:nvPr/>
       </p:nvGrpSpPr>
@@ -8271,7 +8507,9 @@
       <p:sp>
         <p:nvSpPr>
           <p:cNvPr id="91" name="Shape 91"/>
-          <p:cNvSpPr txBox="1"/>
+          <p:cNvSpPr txBox="1">
+            <a:spLocks noGrp="1"/>
+          </p:cNvSpPr>
           <p:nvPr>
             <p:ph type="title"/>
           </p:nvPr>
@@ -8286,7 +8524,7 @@
           </a:prstGeom>
         </p:spPr>
         <p:txBody>
-          <a:bodyPr anchorCtr="0" anchor="b" bIns="91425" lIns="91425" rIns="91425" tIns="91425">
+          <a:bodyPr lIns="91425" tIns="91425" rIns="91425" bIns="91425" anchor="b" anchorCtr="0">
             <a:noAutofit/>
           </a:bodyPr>
           <a:lstStyle/>
@@ -8307,9 +8545,11 @@
       <p:sp>
         <p:nvSpPr>
           <p:cNvPr id="92" name="Shape 92"/>
-          <p:cNvSpPr txBox="1"/>
+          <p:cNvSpPr txBox="1">
+            <a:spLocks noGrp="1"/>
+          </p:cNvSpPr>
           <p:nvPr>
-            <p:ph idx="1" type="body"/>
+            <p:ph type="body" idx="1"/>
           </p:nvPr>
         </p:nvSpPr>
         <p:spPr>
@@ -8322,12 +8562,12 @@
           </a:prstGeom>
         </p:spPr>
         <p:txBody>
-          <a:bodyPr anchorCtr="0" anchor="t" bIns="91425" lIns="91425" rIns="91425" tIns="91425">
+          <a:bodyPr lIns="91425" tIns="91425" rIns="91425" bIns="91425" anchor="t" anchorCtr="0">
             <a:noAutofit/>
           </a:bodyPr>
           <a:lstStyle/>
           <a:p>
-            <a:pPr indent="0" lvl="0" marL="0">
+            <a:pPr marL="0" lvl="0" indent="0">
               <a:spcBef>
                 <a:spcPts val="0"/>
               </a:spcBef>
@@ -8358,9 +8598,6 @@
               <a:buFont typeface="Arial"/>
               <a:buNone/>
             </a:pPr>
-            <a:r>
-              <a:t/>
-            </a:r>
             <a:endParaRPr/>
           </a:p>
         </p:txBody>
@@ -8368,9 +8605,11 @@
       <p:sp>
         <p:nvSpPr>
           <p:cNvPr id="93" name="Shape 93"/>
-          <p:cNvSpPr txBox="1"/>
+          <p:cNvSpPr txBox="1">
+            <a:spLocks noGrp="1"/>
+          </p:cNvSpPr>
           <p:nvPr>
-            <p:ph idx="12" type="sldNum"/>
+            <p:ph type="sldNum" idx="12"/>
           </p:nvPr>
         </p:nvSpPr>
         <p:spPr>
@@ -8383,7 +8622,7 @@
           </a:prstGeom>
         </p:spPr>
         <p:txBody>
-          <a:bodyPr anchorCtr="0" anchor="ctr" bIns="91425" lIns="91425" rIns="91425" tIns="91425">
+          <a:bodyPr lIns="91425" tIns="91425" rIns="91425" bIns="91425" anchor="ctr" anchorCtr="0">
             <a:noAutofit/>
           </a:bodyPr>
           <a:lstStyle/>
@@ -8395,9 +8634,10 @@
               <a:buNone/>
             </a:pPr>
             <a:fld id="{00000000-1234-1234-1234-123412341234}" type="slidenum">
-              <a:rPr lang="zh-TW" sz="2400"/>
-              <a:t>‹#›</a:t>
+              <a:rPr lang="en-US" altLang="zh-TW" sz="2400"/>
+              <a:t>3</a:t>
             </a:fld>
+            <a:endParaRPr lang="zh-TW" sz="2400"/>
           </a:p>
         </p:txBody>
       </p:sp>
@@ -8410,11 +8650,11 @@
 </file>
 
 <file path=ppt/slides/slide4.xml><?xml version="1.0" encoding="utf-8"?>
-<p:sld xmlns:a="http://schemas.openxmlformats.org/drawingml/2006/main" xmlns:r="http://schemas.openxmlformats.org/officeDocument/2006/relationships" xmlns:mc="http://schemas.openxmlformats.org/markup-compatibility/2006" xmlns:mv="urn:schemas-microsoft-com:mac:vml" xmlns:p="http://schemas.openxmlformats.org/presentationml/2006/main" xmlns:c="http://schemas.openxmlformats.org/drawingml/2006/chart" xmlns:dgm="http://schemas.openxmlformats.org/drawingml/2006/diagram" xmlns:o="urn:schemas-microsoft-com:office:office" xmlns:v="urn:schemas-microsoft-com:vml" xmlns:pvml="urn:schemas-microsoft-com:office:powerpoint" xmlns:com="http://schemas.openxmlformats.org/drawingml/2006/compatibility" xmlns:p14="http://schemas.microsoft.com/office/powerpoint/2010/main">
+<p:sld xmlns:a="http://schemas.openxmlformats.org/drawingml/2006/main" xmlns:r="http://schemas.openxmlformats.org/officeDocument/2006/relationships" xmlns:p="http://schemas.openxmlformats.org/presentationml/2006/main">
   <p:cSld>
     <p:spTree>
       <p:nvGrpSpPr>
-        <p:cNvPr id="97" name="Shape 97"/>
+        <p:cNvPr id="1" name="Shape 97"/>
         <p:cNvGrpSpPr/>
         <p:nvPr/>
       </p:nvGrpSpPr>
@@ -8429,9 +8669,11 @@
       <p:sp>
         <p:nvSpPr>
           <p:cNvPr id="98" name="Shape 98"/>
-          <p:cNvSpPr txBox="1"/>
+          <p:cNvSpPr txBox="1">
+            <a:spLocks noGrp="1"/>
+          </p:cNvSpPr>
           <p:nvPr>
-            <p:ph idx="12" type="sldNum"/>
+            <p:ph type="sldNum" idx="12"/>
           </p:nvPr>
         </p:nvSpPr>
         <p:spPr>
@@ -8444,7 +8686,7 @@
           </a:prstGeom>
         </p:spPr>
         <p:txBody>
-          <a:bodyPr anchorCtr="0" anchor="ctr" bIns="91425" lIns="91425" rIns="91425" tIns="91425">
+          <a:bodyPr lIns="91425" tIns="91425" rIns="91425" bIns="91425" anchor="ctr" anchorCtr="0">
             <a:noAutofit/>
           </a:bodyPr>
           <a:lstStyle/>
@@ -8456,9 +8698,10 @@
               <a:buNone/>
             </a:pPr>
             <a:fld id="{00000000-1234-1234-1234-123412341234}" type="slidenum">
-              <a:rPr lang="zh-TW"/>
-              <a:t>‹#›</a:t>
+              <a:rPr lang="en-US" altLang="zh-TW"/>
+              <a:t>4</a:t>
             </a:fld>
+            <a:endParaRPr lang="zh-TW"/>
           </a:p>
         </p:txBody>
       </p:sp>
@@ -8479,18 +8722,18 @@
           <a:solidFill>
             <a:srgbClr val="FF0000"/>
           </a:solidFill>
-          <a:ln cap="flat" cmpd="sng" w="9525">
+          <a:ln w="9525" cap="flat" cmpd="sng">
             <a:solidFill>
               <a:schemeClr val="dk2"/>
             </a:solidFill>
             <a:prstDash val="solid"/>
             <a:round/>
-            <a:headEnd len="med" w="med" type="none"/>
-            <a:tailEnd len="med" w="med" type="none"/>
+            <a:headEnd type="none" w="med" len="med"/>
+            <a:tailEnd type="none" w="med" len="med"/>
           </a:ln>
         </p:spPr>
         <p:txBody>
-          <a:bodyPr anchorCtr="0" anchor="ctr" bIns="91425" lIns="91425" rIns="91425" tIns="91425">
+          <a:bodyPr lIns="91425" tIns="91425" rIns="91425" bIns="91425" anchor="ctr" anchorCtr="0">
             <a:noAutofit/>
           </a:bodyPr>
           <a:lstStyle/>
@@ -8527,7 +8770,7 @@
             </a:r>
           </a:p>
           <a:p>
-            <a:pPr lvl="0" rtl="0" algn="ctr">
+            <a:pPr lvl="0" algn="ctr" rtl="0">
               <a:spcBef>
                 <a:spcPts val="0"/>
               </a:spcBef>
@@ -8577,18 +8820,18 @@
           <a:solidFill>
             <a:srgbClr val="88EBFF"/>
           </a:solidFill>
-          <a:ln cap="flat" cmpd="sng" w="9525">
+          <a:ln w="9525" cap="flat" cmpd="sng">
             <a:solidFill>
               <a:schemeClr val="dk2"/>
             </a:solidFill>
             <a:prstDash val="solid"/>
             <a:round/>
-            <a:headEnd len="med" w="med" type="none"/>
-            <a:tailEnd len="med" w="med" type="none"/>
+            <a:headEnd type="none" w="med" len="med"/>
+            <a:tailEnd type="none" w="med" len="med"/>
           </a:ln>
         </p:spPr>
         <p:txBody>
-          <a:bodyPr anchorCtr="0" anchor="ctr" bIns="91425" lIns="91425" rIns="91425" tIns="91425">
+          <a:bodyPr lIns="91425" tIns="91425" rIns="91425" bIns="91425" anchor="ctr" anchorCtr="0">
             <a:noAutofit/>
           </a:bodyPr>
           <a:lstStyle/>
@@ -8623,23 +8866,23 @@
           </a:xfrm>
           <a:prstGeom prst="notchedRightArrow">
             <a:avLst>
-              <a:gd fmla="val 50000" name="adj1"/>
-              <a:gd fmla="val 44877" name="adj2"/>
+              <a:gd name="adj1" fmla="val 50000"/>
+              <a:gd name="adj2" fmla="val 44877"/>
             </a:avLst>
           </a:prstGeom>
           <a:noFill/>
-          <a:ln cap="flat" cmpd="sng" w="28575">
+          <a:ln w="28575" cap="flat" cmpd="sng">
             <a:solidFill>
               <a:srgbClr val="000000"/>
             </a:solidFill>
             <a:prstDash val="solid"/>
             <a:round/>
-            <a:headEnd len="med" w="med" type="none"/>
-            <a:tailEnd len="med" w="med" type="none"/>
+            <a:headEnd type="none" w="med" len="med"/>
+            <a:tailEnd type="none" w="med" len="med"/>
           </a:ln>
         </p:spPr>
         <p:txBody>
-          <a:bodyPr anchorCtr="0" anchor="ctr" bIns="91425" lIns="91425" rIns="91425" tIns="91425">
+          <a:bodyPr lIns="91425" tIns="91425" rIns="91425" bIns="91425" anchor="ctr" anchorCtr="0">
             <a:noAutofit/>
           </a:bodyPr>
           <a:lstStyle/>
@@ -8664,7 +8907,9 @@
       <p:sp>
         <p:nvSpPr>
           <p:cNvPr id="102" name="Shape 102"/>
-          <p:cNvSpPr txBox="1"/>
+          <p:cNvSpPr txBox="1">
+            <a:spLocks noGrp="1"/>
+          </p:cNvSpPr>
           <p:nvPr>
             <p:ph type="title"/>
           </p:nvPr>
@@ -8679,7 +8924,7 @@
           </a:prstGeom>
         </p:spPr>
         <p:txBody>
-          <a:bodyPr anchorCtr="0" anchor="b" bIns="91425" lIns="91425" rIns="91425" tIns="91425">
+          <a:bodyPr lIns="91425" tIns="91425" rIns="91425" bIns="91425" anchor="b" anchorCtr="0">
             <a:noAutofit/>
           </a:bodyPr>
           <a:lstStyle/>
@@ -8706,11 +8951,11 @@
 </file>
 
 <file path=ppt/slides/slide5.xml><?xml version="1.0" encoding="utf-8"?>
-<p:sld xmlns:a="http://schemas.openxmlformats.org/drawingml/2006/main" xmlns:r="http://schemas.openxmlformats.org/officeDocument/2006/relationships" xmlns:mc="http://schemas.openxmlformats.org/markup-compatibility/2006" xmlns:mv="urn:schemas-microsoft-com:mac:vml" xmlns:p="http://schemas.openxmlformats.org/presentationml/2006/main" xmlns:c="http://schemas.openxmlformats.org/drawingml/2006/chart" xmlns:dgm="http://schemas.openxmlformats.org/drawingml/2006/diagram" xmlns:o="urn:schemas-microsoft-com:office:office" xmlns:v="urn:schemas-microsoft-com:vml" xmlns:pvml="urn:schemas-microsoft-com:office:powerpoint" xmlns:com="http://schemas.openxmlformats.org/drawingml/2006/compatibility" xmlns:p14="http://schemas.microsoft.com/office/powerpoint/2010/main">
+<p:sld xmlns:a="http://schemas.openxmlformats.org/drawingml/2006/main" xmlns:r="http://schemas.openxmlformats.org/officeDocument/2006/relationships" xmlns:p="http://schemas.openxmlformats.org/presentationml/2006/main">
   <p:cSld>
     <p:spTree>
       <p:nvGrpSpPr>
-        <p:cNvPr id="106" name="Shape 106"/>
+        <p:cNvPr id="1" name="Shape 106"/>
         <p:cNvGrpSpPr/>
         <p:nvPr/>
       </p:nvGrpSpPr>
@@ -8725,9 +8970,11 @@
       <p:sp>
         <p:nvSpPr>
           <p:cNvPr id="107" name="Shape 107"/>
-          <p:cNvSpPr txBox="1"/>
+          <p:cNvSpPr txBox="1">
+            <a:spLocks noGrp="1"/>
+          </p:cNvSpPr>
           <p:nvPr>
-            <p:ph idx="12" type="sldNum"/>
+            <p:ph type="sldNum" idx="12"/>
           </p:nvPr>
         </p:nvSpPr>
         <p:spPr>
@@ -8740,7 +8987,7 @@
           </a:prstGeom>
         </p:spPr>
         <p:txBody>
-          <a:bodyPr anchorCtr="0" anchor="ctr" bIns="91425" lIns="91425" rIns="91425" tIns="91425">
+          <a:bodyPr lIns="91425" tIns="91425" rIns="91425" bIns="91425" anchor="ctr" anchorCtr="0">
             <a:noAutofit/>
           </a:bodyPr>
           <a:lstStyle/>
@@ -8752,15 +8999,16 @@
               <a:buNone/>
             </a:pPr>
             <a:fld id="{00000000-1234-1234-1234-123412341234}" type="slidenum">
-              <a:rPr lang="zh-TW"/>
-              <a:t>‹#›</a:t>
+              <a:rPr lang="en-US" altLang="zh-TW"/>
+              <a:t>5</a:t>
             </a:fld>
+            <a:endParaRPr lang="zh-TW"/>
           </a:p>
         </p:txBody>
       </p:sp>
       <p:pic>
         <p:nvPicPr>
-          <p:cNvPr descr="backdrop.png" id="108" name="Shape 108"/>
+          <p:cNvPr id="108" name="Shape 108" descr="backdrop.png"/>
           <p:cNvPicPr preferRelativeResize="0"/>
           <p:nvPr/>
         </p:nvPicPr>
@@ -8788,7 +9036,7 @@
       </p:pic>
       <p:pic>
         <p:nvPicPr>
-          <p:cNvPr descr="螢幕快照 2017-04-12 上午1.01.03.png" id="109" name="Shape 109"/>
+          <p:cNvPr id="109" name="Shape 109" descr="螢幕快照 2017-04-12 上午1.01.03.png"/>
           <p:cNvPicPr preferRelativeResize="0"/>
           <p:nvPr/>
         </p:nvPicPr>
@@ -8827,23 +9075,23 @@
           </a:xfrm>
           <a:prstGeom prst="wedgeRectCallout">
             <a:avLst>
-              <a:gd fmla="val 72410" name="adj1"/>
-              <a:gd fmla="val 32148" name="adj2"/>
+              <a:gd name="adj1" fmla="val 72410"/>
+              <a:gd name="adj2" fmla="val 32148"/>
             </a:avLst>
           </a:prstGeom>
           <a:noFill/>
-          <a:ln cap="flat" cmpd="sng" w="19050">
+          <a:ln w="19050" cap="flat" cmpd="sng">
             <a:solidFill>
               <a:schemeClr val="dk2"/>
             </a:solidFill>
             <a:prstDash val="solid"/>
             <a:round/>
-            <a:headEnd len="med" w="med" type="none"/>
-            <a:tailEnd len="med" w="med" type="none"/>
+            <a:headEnd type="none" w="med" len="med"/>
+            <a:tailEnd type="none" w="med" len="med"/>
           </a:ln>
         </p:spPr>
         <p:txBody>
-          <a:bodyPr anchorCtr="0" anchor="ctr" bIns="91425" lIns="91425" rIns="91425" tIns="91425">
+          <a:bodyPr lIns="91425" tIns="91425" rIns="91425" bIns="91425" anchor="ctr" anchorCtr="0">
             <a:noAutofit/>
           </a:bodyPr>
           <a:lstStyle/>
@@ -8932,7 +9180,9 @@
       <p:sp>
         <p:nvSpPr>
           <p:cNvPr id="111" name="Shape 111"/>
-          <p:cNvSpPr txBox="1"/>
+          <p:cNvSpPr txBox="1">
+            <a:spLocks noGrp="1"/>
+          </p:cNvSpPr>
           <p:nvPr>
             <p:ph type="title"/>
           </p:nvPr>
@@ -8947,7 +9197,7 @@
           </a:prstGeom>
         </p:spPr>
         <p:txBody>
-          <a:bodyPr anchorCtr="0" anchor="b" bIns="91425" lIns="91425" rIns="91425" tIns="91425">
+          <a:bodyPr lIns="91425" tIns="91425" rIns="91425" bIns="91425" anchor="b" anchorCtr="0">
             <a:noAutofit/>
           </a:bodyPr>
           <a:lstStyle/>
@@ -8978,23 +9228,23 @@
           </a:xfrm>
           <a:prstGeom prst="wedgeRectCallout">
             <a:avLst>
-              <a:gd fmla="val -81748" name="adj1"/>
-              <a:gd fmla="val -31548" name="adj2"/>
+              <a:gd name="adj1" fmla="val -81748"/>
+              <a:gd name="adj2" fmla="val -31548"/>
             </a:avLst>
           </a:prstGeom>
           <a:noFill/>
-          <a:ln cap="flat" cmpd="sng" w="19050">
+          <a:ln w="19050" cap="flat" cmpd="sng">
             <a:solidFill>
               <a:schemeClr val="dk2"/>
             </a:solidFill>
             <a:prstDash val="solid"/>
             <a:round/>
-            <a:headEnd len="med" w="med" type="none"/>
-            <a:tailEnd len="med" w="med" type="none"/>
+            <a:headEnd type="none" w="med" len="med"/>
+            <a:tailEnd type="none" w="med" len="med"/>
           </a:ln>
         </p:spPr>
         <p:txBody>
-          <a:bodyPr anchorCtr="0" anchor="ctr" bIns="91425" lIns="91425" rIns="91425" tIns="91425">
+          <a:bodyPr lIns="91425" tIns="91425" rIns="91425" bIns="91425" anchor="ctr" anchorCtr="0">
             <a:noAutofit/>
           </a:bodyPr>
           <a:lstStyle/>
@@ -9061,23 +9311,23 @@
           </a:xfrm>
           <a:prstGeom prst="wedgeRectCallout">
             <a:avLst>
-              <a:gd fmla="val 74548" name="adj1"/>
-              <a:gd fmla="val 6316" name="adj2"/>
+              <a:gd name="adj1" fmla="val 74548"/>
+              <a:gd name="adj2" fmla="val 6316"/>
             </a:avLst>
           </a:prstGeom>
           <a:noFill/>
-          <a:ln cap="flat" cmpd="sng" w="19050">
+          <a:ln w="19050" cap="flat" cmpd="sng">
             <a:solidFill>
               <a:schemeClr val="dk2"/>
             </a:solidFill>
             <a:prstDash val="solid"/>
             <a:round/>
-            <a:headEnd len="med" w="med" type="none"/>
-            <a:tailEnd len="med" w="med" type="none"/>
+            <a:headEnd type="none" w="med" len="med"/>
+            <a:tailEnd type="none" w="med" len="med"/>
           </a:ln>
         </p:spPr>
         <p:txBody>
-          <a:bodyPr anchorCtr="0" anchor="ctr" bIns="91425" lIns="91425" rIns="91425" tIns="91425">
+          <a:bodyPr lIns="91425" tIns="91425" rIns="91425" bIns="91425" anchor="ctr" anchorCtr="0">
             <a:noAutofit/>
           </a:bodyPr>
           <a:lstStyle/>
@@ -9112,23 +9362,23 @@
           </a:xfrm>
           <a:prstGeom prst="wedgeRectCallout">
             <a:avLst>
-              <a:gd fmla="val -71730" name="adj1"/>
-              <a:gd fmla="val 39111" name="adj2"/>
+              <a:gd name="adj1" fmla="val -71730"/>
+              <a:gd name="adj2" fmla="val 39111"/>
             </a:avLst>
           </a:prstGeom>
           <a:noFill/>
-          <a:ln cap="flat" cmpd="sng" w="19050">
+          <a:ln w="19050" cap="flat" cmpd="sng">
             <a:solidFill>
               <a:schemeClr val="dk2"/>
             </a:solidFill>
             <a:prstDash val="solid"/>
             <a:round/>
-            <a:headEnd len="med" w="med" type="none"/>
-            <a:tailEnd len="med" w="med" type="none"/>
+            <a:headEnd type="none" w="med" len="med"/>
+            <a:tailEnd type="none" w="med" len="med"/>
           </a:ln>
         </p:spPr>
         <p:txBody>
-          <a:bodyPr anchorCtr="0" anchor="ctr" bIns="91425" lIns="91425" rIns="91425" tIns="91425">
+          <a:bodyPr lIns="91425" tIns="91425" rIns="91425" bIns="91425" anchor="ctr" anchorCtr="0">
             <a:noAutofit/>
           </a:bodyPr>
           <a:lstStyle/>
@@ -9223,11 +9473,11 @@
 </file>
 
 <file path=ppt/slides/slide6.xml><?xml version="1.0" encoding="utf-8"?>
-<p:sld xmlns:a="http://schemas.openxmlformats.org/drawingml/2006/main" xmlns:r="http://schemas.openxmlformats.org/officeDocument/2006/relationships" xmlns:mc="http://schemas.openxmlformats.org/markup-compatibility/2006" xmlns:mv="urn:schemas-microsoft-com:mac:vml" xmlns:p="http://schemas.openxmlformats.org/presentationml/2006/main" xmlns:c="http://schemas.openxmlformats.org/drawingml/2006/chart" xmlns:dgm="http://schemas.openxmlformats.org/drawingml/2006/diagram" xmlns:o="urn:schemas-microsoft-com:office:office" xmlns:v="urn:schemas-microsoft-com:vml" xmlns:pvml="urn:schemas-microsoft-com:office:powerpoint" xmlns:com="http://schemas.openxmlformats.org/drawingml/2006/compatibility" xmlns:p14="http://schemas.microsoft.com/office/powerpoint/2010/main">
+<p:sld xmlns:a="http://schemas.openxmlformats.org/drawingml/2006/main" xmlns:r="http://schemas.openxmlformats.org/officeDocument/2006/relationships" xmlns:p="http://schemas.openxmlformats.org/presentationml/2006/main">
   <p:cSld>
     <p:spTree>
       <p:nvGrpSpPr>
-        <p:cNvPr id="118" name="Shape 118"/>
+        <p:cNvPr id="1" name="Shape 118"/>
         <p:cNvGrpSpPr/>
         <p:nvPr/>
       </p:nvGrpSpPr>
@@ -9242,7 +9492,9 @@
       <p:sp>
         <p:nvSpPr>
           <p:cNvPr id="119" name="Shape 119"/>
-          <p:cNvSpPr txBox="1"/>
+          <p:cNvSpPr txBox="1">
+            <a:spLocks noGrp="1"/>
+          </p:cNvSpPr>
           <p:nvPr>
             <p:ph type="title"/>
           </p:nvPr>
@@ -9257,7 +9509,7 @@
           </a:prstGeom>
         </p:spPr>
         <p:txBody>
-          <a:bodyPr anchorCtr="0" anchor="b" bIns="91425" lIns="91425" rIns="91425" tIns="91425">
+          <a:bodyPr lIns="91425" tIns="91425" rIns="91425" bIns="91425" anchor="b" anchorCtr="0">
             <a:noAutofit/>
           </a:bodyPr>
           <a:lstStyle/>
@@ -9278,9 +9530,11 @@
       <p:sp>
         <p:nvSpPr>
           <p:cNvPr id="120" name="Shape 120"/>
-          <p:cNvSpPr txBox="1"/>
+          <p:cNvSpPr txBox="1">
+            <a:spLocks noGrp="1"/>
+          </p:cNvSpPr>
           <p:nvPr>
-            <p:ph idx="12" type="sldNum"/>
+            <p:ph type="sldNum" idx="12"/>
           </p:nvPr>
         </p:nvSpPr>
         <p:spPr>
@@ -9293,7 +9547,7 @@
           </a:prstGeom>
         </p:spPr>
         <p:txBody>
-          <a:bodyPr anchorCtr="0" anchor="ctr" bIns="91425" lIns="91425" rIns="91425" tIns="91425">
+          <a:bodyPr lIns="91425" tIns="91425" rIns="91425" bIns="91425" anchor="ctr" anchorCtr="0">
             <a:noAutofit/>
           </a:bodyPr>
           <a:lstStyle/>
@@ -9305,15 +9559,16 @@
               <a:buNone/>
             </a:pPr>
             <a:fld id="{00000000-1234-1234-1234-123412341234}" type="slidenum">
-              <a:rPr lang="zh-TW" sz="2400"/>
-              <a:t>‹#›</a:t>
+              <a:rPr lang="en-US" altLang="zh-TW" sz="2400"/>
+              <a:t>6</a:t>
             </a:fld>
+            <a:endParaRPr lang="zh-TW" sz="2400"/>
           </a:p>
         </p:txBody>
       </p:sp>
       <p:pic>
         <p:nvPicPr>
-          <p:cNvPr descr="螢幕快照 2017-04-12 上午1.04.03.png" id="121" name="Shape 121"/>
+          <p:cNvPr id="121" name="Shape 121" descr="螢幕快照 2017-04-12 上午1.04.03.png"/>
           <p:cNvPicPr preferRelativeResize="0"/>
           <p:nvPr/>
         </p:nvPicPr>
@@ -9341,7 +9596,7 @@
       </p:pic>
       <p:pic>
         <p:nvPicPr>
-          <p:cNvPr descr="螢幕快照 2017-04-12 上午2.15.51.png" id="122" name="Shape 122"/>
+          <p:cNvPr id="122" name="Shape 122" descr="螢幕快照 2017-04-12 上午2.15.51.png"/>
           <p:cNvPicPr preferRelativeResize="0"/>
           <p:nvPr/>
         </p:nvPicPr>
@@ -9369,7 +9624,7 @@
       </p:pic>
       <p:pic>
         <p:nvPicPr>
-          <p:cNvPr descr="fedea9f48403e1f7b1dc689cdbf382ce.png" id="123" name="Shape 123"/>
+          <p:cNvPr id="123" name="Shape 123" descr="fedea9f48403e1f7b1dc689cdbf382ce.png"/>
           <p:cNvPicPr preferRelativeResize="0"/>
           <p:nvPr/>
         </p:nvPicPr>
@@ -9408,25 +9663,25 @@
           </a:xfrm>
           <a:prstGeom prst="rightArrow">
             <a:avLst>
-              <a:gd fmla="val 50000" name="adj1"/>
-              <a:gd fmla="val 50000" name="adj2"/>
+              <a:gd name="adj1" fmla="val 50000"/>
+              <a:gd name="adj2" fmla="val 50000"/>
             </a:avLst>
           </a:prstGeom>
           <a:solidFill>
             <a:srgbClr val="0000FF"/>
           </a:solidFill>
-          <a:ln cap="flat" cmpd="sng" w="9525">
+          <a:ln w="9525" cap="flat" cmpd="sng">
             <a:solidFill>
               <a:schemeClr val="dk2"/>
             </a:solidFill>
             <a:prstDash val="solid"/>
             <a:round/>
-            <a:headEnd len="med" w="med" type="none"/>
-            <a:tailEnd len="med" w="med" type="none"/>
+            <a:headEnd type="none" w="med" len="med"/>
+            <a:tailEnd type="none" w="med" len="med"/>
           </a:ln>
         </p:spPr>
         <p:txBody>
-          <a:bodyPr anchorCtr="0" anchor="ctr" bIns="91425" lIns="91425" rIns="91425" tIns="91425">
+          <a:bodyPr lIns="91425" tIns="91425" rIns="91425" bIns="91425" anchor="ctr" anchorCtr="0">
             <a:noAutofit/>
           </a:bodyPr>
           <a:lstStyle/>
@@ -9437,9 +9692,6 @@
               </a:spcBef>
               <a:buNone/>
             </a:pPr>
-            <a:r>
-              <a:t/>
-            </a:r>
             <a:endParaRPr/>
           </a:p>
         </p:txBody>
@@ -9453,11 +9705,11 @@
 </file>
 
 <file path=ppt/slides/slide7.xml><?xml version="1.0" encoding="utf-8"?>
-<p:sld xmlns:a="http://schemas.openxmlformats.org/drawingml/2006/main" xmlns:r="http://schemas.openxmlformats.org/officeDocument/2006/relationships" xmlns:mc="http://schemas.openxmlformats.org/markup-compatibility/2006" xmlns:mv="urn:schemas-microsoft-com:mac:vml" xmlns:p="http://schemas.openxmlformats.org/presentationml/2006/main" xmlns:c="http://schemas.openxmlformats.org/drawingml/2006/chart" xmlns:dgm="http://schemas.openxmlformats.org/drawingml/2006/diagram" xmlns:o="urn:schemas-microsoft-com:office:office" xmlns:v="urn:schemas-microsoft-com:vml" xmlns:pvml="urn:schemas-microsoft-com:office:powerpoint" xmlns:com="http://schemas.openxmlformats.org/drawingml/2006/compatibility" xmlns:p14="http://schemas.microsoft.com/office/powerpoint/2010/main">
+<p:sld xmlns:a="http://schemas.openxmlformats.org/drawingml/2006/main" xmlns:r="http://schemas.openxmlformats.org/officeDocument/2006/relationships" xmlns:p="http://schemas.openxmlformats.org/presentationml/2006/main">
   <p:cSld>
     <p:spTree>
       <p:nvGrpSpPr>
-        <p:cNvPr id="128" name="Shape 128"/>
+        <p:cNvPr id="1" name="Shape 128"/>
         <p:cNvGrpSpPr/>
         <p:nvPr/>
       </p:nvGrpSpPr>
@@ -9472,7 +9724,9 @@
       <p:sp>
         <p:nvSpPr>
           <p:cNvPr id="129" name="Shape 129"/>
-          <p:cNvSpPr txBox="1"/>
+          <p:cNvSpPr txBox="1">
+            <a:spLocks noGrp="1"/>
+          </p:cNvSpPr>
           <p:nvPr>
             <p:ph type="title"/>
           </p:nvPr>
@@ -9487,7 +9741,7 @@
           </a:prstGeom>
         </p:spPr>
         <p:txBody>
-          <a:bodyPr anchorCtr="0" anchor="b" bIns="91425" lIns="91425" rIns="91425" tIns="91425">
+          <a:bodyPr lIns="91425" tIns="91425" rIns="91425" bIns="91425" anchor="b" anchorCtr="0">
             <a:noAutofit/>
           </a:bodyPr>
           <a:lstStyle/>
@@ -9508,9 +9762,11 @@
       <p:sp>
         <p:nvSpPr>
           <p:cNvPr id="130" name="Shape 130"/>
-          <p:cNvSpPr txBox="1"/>
+          <p:cNvSpPr txBox="1">
+            <a:spLocks noGrp="1"/>
+          </p:cNvSpPr>
           <p:nvPr>
-            <p:ph idx="1" type="body"/>
+            <p:ph type="body" idx="1"/>
           </p:nvPr>
         </p:nvSpPr>
         <p:spPr>
@@ -9523,7 +9779,7 @@
           </a:prstGeom>
         </p:spPr>
         <p:txBody>
-          <a:bodyPr anchorCtr="0" anchor="t" bIns="91425" lIns="91425" rIns="91425" tIns="91425">
+          <a:bodyPr lIns="91425" tIns="91425" rIns="91425" bIns="91425" anchor="t" anchorCtr="0">
             <a:noAutofit/>
           </a:bodyPr>
           <a:lstStyle/>
@@ -9543,7 +9799,7 @@
               <a:t>1. </a:t>
             </a:r>
             <a:r>
-              <a:rPr b="1" lang="zh-TW" sz="2100">
+              <a:rPr lang="zh-TW" sz="2100" b="1">
                 <a:solidFill>
                   <a:srgbClr val="434343"/>
                 </a:solidFill>
@@ -9574,7 +9830,7 @@
               <a:t>2. </a:t>
             </a:r>
             <a:r>
-              <a:rPr b="1" lang="zh-TW" sz="2100">
+              <a:rPr lang="zh-TW" sz="2100" b="1">
                 <a:solidFill>
                   <a:srgbClr val="434343"/>
                 </a:solidFill>
@@ -9610,7 +9866,7 @@
               <a:t>3. </a:t>
             </a:r>
             <a:r>
-              <a:rPr b="1" lang="zh-TW" sz="2100">
+              <a:rPr lang="zh-TW" sz="2100" b="1">
                 <a:solidFill>
                   <a:srgbClr val="434343"/>
                 </a:solidFill>
@@ -9638,7 +9894,7 @@
               <a:t>4. </a:t>
             </a:r>
             <a:r>
-              <a:rPr b="1" lang="zh-TW" sz="2100">
+              <a:rPr lang="zh-TW" sz="2100" b="1">
                 <a:solidFill>
                   <a:srgbClr val="434343"/>
                 </a:solidFill>
@@ -9669,7 +9925,7 @@
               <a:t>5. </a:t>
             </a:r>
             <a:r>
-              <a:rPr b="1" lang="zh-TW" sz="2100">
+              <a:rPr lang="zh-TW" sz="2100" b="1">
                 <a:solidFill>
                   <a:srgbClr val="434343"/>
                 </a:solidFill>
@@ -9688,9 +9944,6 @@
               </a:spcBef>
               <a:buNone/>
             </a:pPr>
-            <a:r>
-              <a:t/>
-            </a:r>
             <a:endParaRPr/>
           </a:p>
         </p:txBody>
@@ -9698,9 +9951,11 @@
       <p:sp>
         <p:nvSpPr>
           <p:cNvPr id="131" name="Shape 131"/>
-          <p:cNvSpPr txBox="1"/>
+          <p:cNvSpPr txBox="1">
+            <a:spLocks noGrp="1"/>
+          </p:cNvSpPr>
           <p:nvPr>
-            <p:ph idx="12" type="sldNum"/>
+            <p:ph type="sldNum" idx="12"/>
           </p:nvPr>
         </p:nvSpPr>
         <p:spPr>
@@ -9713,7 +9968,7 @@
           </a:prstGeom>
         </p:spPr>
         <p:txBody>
-          <a:bodyPr anchorCtr="0" anchor="ctr" bIns="91425" lIns="91425" rIns="91425" tIns="91425">
+          <a:bodyPr lIns="91425" tIns="91425" rIns="91425" bIns="91425" anchor="ctr" anchorCtr="0">
             <a:noAutofit/>
           </a:bodyPr>
           <a:lstStyle/>
@@ -9725,9 +9980,10 @@
               <a:buNone/>
             </a:pPr>
             <a:fld id="{00000000-1234-1234-1234-123412341234}" type="slidenum">
-              <a:rPr lang="zh-TW" sz="2400"/>
-              <a:t>‹#›</a:t>
+              <a:rPr lang="en-US" altLang="zh-TW" sz="2400"/>
+              <a:t>7</a:t>
             </a:fld>
+            <a:endParaRPr lang="zh-TW" sz="2400"/>
           </a:p>
         </p:txBody>
       </p:sp>
@@ -9740,11 +9996,11 @@
 </file>
 
 <file path=ppt/slides/slide8.xml><?xml version="1.0" encoding="utf-8"?>
-<p:sld xmlns:a="http://schemas.openxmlformats.org/drawingml/2006/main" xmlns:r="http://schemas.openxmlformats.org/officeDocument/2006/relationships" xmlns:mc="http://schemas.openxmlformats.org/markup-compatibility/2006" xmlns:mv="urn:schemas-microsoft-com:mac:vml" xmlns:p="http://schemas.openxmlformats.org/presentationml/2006/main" xmlns:c="http://schemas.openxmlformats.org/drawingml/2006/chart" xmlns:dgm="http://schemas.openxmlformats.org/drawingml/2006/diagram" xmlns:o="urn:schemas-microsoft-com:office:office" xmlns:v="urn:schemas-microsoft-com:vml" xmlns:pvml="urn:schemas-microsoft-com:office:powerpoint" xmlns:com="http://schemas.openxmlformats.org/drawingml/2006/compatibility" xmlns:p14="http://schemas.microsoft.com/office/powerpoint/2010/main">
+<p:sld xmlns:a="http://schemas.openxmlformats.org/drawingml/2006/main" xmlns:r="http://schemas.openxmlformats.org/officeDocument/2006/relationships" xmlns:p="http://schemas.openxmlformats.org/presentationml/2006/main">
   <p:cSld>
     <p:spTree>
       <p:nvGrpSpPr>
-        <p:cNvPr id="135" name="Shape 135"/>
+        <p:cNvPr id="1" name="Shape 135"/>
         <p:cNvGrpSpPr/>
         <p:nvPr/>
       </p:nvGrpSpPr>
@@ -9759,9 +10015,11 @@
       <p:sp>
         <p:nvSpPr>
           <p:cNvPr id="136" name="Shape 136"/>
-          <p:cNvSpPr txBox="1"/>
+          <p:cNvSpPr txBox="1">
+            <a:spLocks noGrp="1"/>
+          </p:cNvSpPr>
           <p:nvPr>
-            <p:ph idx="12" type="sldNum"/>
+            <p:ph type="sldNum" idx="12"/>
           </p:nvPr>
         </p:nvSpPr>
         <p:spPr>
@@ -9774,7 +10032,7 @@
           </a:prstGeom>
         </p:spPr>
         <p:txBody>
-          <a:bodyPr anchorCtr="0" anchor="ctr" bIns="91425" lIns="91425" rIns="91425" tIns="91425">
+          <a:bodyPr lIns="91425" tIns="91425" rIns="91425" bIns="91425" anchor="ctr" anchorCtr="0">
             <a:noAutofit/>
           </a:bodyPr>
           <a:lstStyle/>
@@ -9786,9 +10044,10 @@
               <a:buNone/>
             </a:pPr>
             <a:fld id="{00000000-1234-1234-1234-123412341234}" type="slidenum">
-              <a:rPr lang="zh-TW"/>
-              <a:t>‹#›</a:t>
+              <a:rPr lang="en-US" altLang="zh-TW"/>
+              <a:t>8</a:t>
             </a:fld>
+            <a:endParaRPr lang="zh-TW"/>
           </a:p>
         </p:txBody>
       </p:sp>
@@ -9817,18 +10076,18 @@
             </a:gsLst>
             <a:lin ang="5400012" scaled="0"/>
           </a:gradFill>
-          <a:ln cap="flat" cmpd="sng" w="9525">
+          <a:ln w="9525" cap="flat" cmpd="sng">
             <a:solidFill>
               <a:schemeClr val="dk2"/>
             </a:solidFill>
             <a:prstDash val="solid"/>
             <a:round/>
-            <a:headEnd len="med" w="med" type="none"/>
-            <a:tailEnd len="med" w="med" type="none"/>
+            <a:headEnd type="none" w="med" len="med"/>
+            <a:tailEnd type="none" w="med" len="med"/>
           </a:ln>
         </p:spPr>
         <p:txBody>
-          <a:bodyPr anchorCtr="0" anchor="ctr" bIns="91425" lIns="91425" rIns="91425" tIns="91425">
+          <a:bodyPr lIns="91425" tIns="91425" rIns="91425" bIns="91425" anchor="ctr" anchorCtr="0">
             <a:noAutofit/>
           </a:bodyPr>
           <a:lstStyle/>
@@ -9875,18 +10134,18 @@
             </a:gsLst>
             <a:lin ang="5400012" scaled="0"/>
           </a:gradFill>
-          <a:ln cap="flat" cmpd="sng" w="9525">
+          <a:ln w="9525" cap="flat" cmpd="sng">
             <a:solidFill>
               <a:schemeClr val="dk2"/>
             </a:solidFill>
             <a:prstDash val="solid"/>
             <a:round/>
-            <a:headEnd len="med" w="med" type="none"/>
-            <a:tailEnd len="med" w="med" type="none"/>
+            <a:headEnd type="none" w="med" len="med"/>
+            <a:tailEnd type="none" w="med" len="med"/>
           </a:ln>
         </p:spPr>
         <p:txBody>
-          <a:bodyPr anchorCtr="0" anchor="ctr" bIns="91425" lIns="91425" rIns="91425" tIns="91425">
+          <a:bodyPr lIns="91425" tIns="91425" rIns="91425" bIns="91425" anchor="ctr" anchorCtr="0">
             <a:noAutofit/>
           </a:bodyPr>
           <a:lstStyle/>
@@ -9932,22 +10191,22 @@
               </a:gs>
             </a:gsLst>
             <a:path path="circle">
-              <a:fillToRect b="50%" l="50%" r="50%" t="50%"/>
+              <a:fillToRect l="50000" t="50000" r="50000" b="50000"/>
             </a:path>
             <a:tileRect/>
           </a:gradFill>
-          <a:ln cap="flat" cmpd="sng" w="9525">
+          <a:ln w="9525" cap="flat" cmpd="sng">
             <a:solidFill>
               <a:schemeClr val="dk2"/>
             </a:solidFill>
             <a:prstDash val="solid"/>
             <a:round/>
-            <a:headEnd len="med" w="med" type="none"/>
-            <a:tailEnd len="med" w="med" type="none"/>
+            <a:headEnd type="none" w="med" len="med"/>
+            <a:tailEnd type="none" w="med" len="med"/>
           </a:ln>
         </p:spPr>
         <p:txBody>
-          <a:bodyPr anchorCtr="0" anchor="ctr" bIns="91425" lIns="91425" rIns="91425" tIns="91425">
+          <a:bodyPr lIns="91425" tIns="91425" rIns="91425" bIns="91425" anchor="ctr" anchorCtr="0">
             <a:noAutofit/>
           </a:bodyPr>
           <a:lstStyle/>
@@ -9964,15 +10223,7 @@
                   <a:schemeClr val="lt1"/>
                 </a:solidFill>
               </a:rPr>
-              <a:t>時</a:t>
-            </a:r>
-            <a:r>
-              <a:rPr lang="zh-TW" sz="2400">
-                <a:solidFill>
-                  <a:schemeClr val="lt1"/>
-                </a:solidFill>
-              </a:rPr>
-              <a:t>切性</a:t>
+              <a:t>時切性</a:t>
             </a:r>
           </a:p>
         </p:txBody>
@@ -10002,18 +10253,18 @@
             </a:gsLst>
             <a:lin ang="5400012" scaled="0"/>
           </a:gradFill>
-          <a:ln cap="flat" cmpd="sng" w="9525">
+          <a:ln w="9525" cap="flat" cmpd="sng">
             <a:solidFill>
               <a:schemeClr val="dk2"/>
             </a:solidFill>
             <a:prstDash val="solid"/>
             <a:round/>
-            <a:headEnd len="med" w="med" type="none"/>
-            <a:tailEnd len="med" w="med" type="none"/>
+            <a:headEnd type="none" w="med" len="med"/>
+            <a:tailEnd type="none" w="med" len="med"/>
           </a:ln>
         </p:spPr>
         <p:txBody>
-          <a:bodyPr anchorCtr="0" anchor="ctr" bIns="91425" lIns="91425" rIns="91425" tIns="91425">
+          <a:bodyPr lIns="91425" tIns="91425" rIns="91425" bIns="91425" anchor="ctr" anchorCtr="0">
             <a:noAutofit/>
           </a:bodyPr>
           <a:lstStyle/>
@@ -10059,22 +10310,22 @@
               </a:gs>
             </a:gsLst>
             <a:path path="circle">
-              <a:fillToRect b="50%" l="50%" r="50%" t="50%"/>
+              <a:fillToRect l="50000" t="50000" r="50000" b="50000"/>
             </a:path>
             <a:tileRect/>
           </a:gradFill>
-          <a:ln cap="flat" cmpd="sng" w="9525">
+          <a:ln w="9525" cap="flat" cmpd="sng">
             <a:solidFill>
               <a:schemeClr val="dk2"/>
             </a:solidFill>
             <a:prstDash val="solid"/>
             <a:round/>
-            <a:headEnd len="med" w="med" type="none"/>
-            <a:tailEnd len="med" w="med" type="none"/>
+            <a:headEnd type="none" w="med" len="med"/>
+            <a:tailEnd type="none" w="med" len="med"/>
           </a:ln>
         </p:spPr>
         <p:txBody>
-          <a:bodyPr anchorCtr="0" anchor="ctr" bIns="91425" lIns="91425" rIns="91425" tIns="91425">
+          <a:bodyPr lIns="91425" tIns="91425" rIns="91425" bIns="91425" anchor="ctr" anchorCtr="0">
             <a:noAutofit/>
           </a:bodyPr>
           <a:lstStyle/>
@@ -10113,14 +10364,14 @@
             <a:avLst/>
           </a:prstGeom>
           <a:noFill/>
-          <a:ln cap="flat" cmpd="sng" w="76200">
+          <a:ln w="76200" cap="flat" cmpd="sng">
             <a:solidFill>
               <a:schemeClr val="dk2"/>
             </a:solidFill>
             <a:prstDash val="solid"/>
             <a:round/>
-            <a:headEnd len="lg" w="lg" type="none"/>
-            <a:tailEnd len="lg" w="lg" type="stealth"/>
+            <a:headEnd type="none" w="lg" len="lg"/>
+            <a:tailEnd type="stealth" w="lg" len="lg"/>
           </a:ln>
         </p:spPr>
       </p:cxnSp>
@@ -10141,14 +10392,14 @@
             <a:avLst/>
           </a:prstGeom>
           <a:noFill/>
-          <a:ln cap="flat" cmpd="sng" w="76200">
+          <a:ln w="76200" cap="flat" cmpd="sng">
             <a:solidFill>
               <a:schemeClr val="dk2"/>
             </a:solidFill>
             <a:prstDash val="solid"/>
             <a:round/>
-            <a:headEnd len="lg" w="lg" type="none"/>
-            <a:tailEnd len="lg" w="lg" type="stealth"/>
+            <a:headEnd type="none" w="lg" len="lg"/>
+            <a:tailEnd type="stealth" w="lg" len="lg"/>
           </a:ln>
         </p:spPr>
       </p:cxnSp>
@@ -10169,14 +10420,14 @@
             <a:avLst/>
           </a:prstGeom>
           <a:noFill/>
-          <a:ln cap="flat" cmpd="sng" w="76200">
+          <a:ln w="76200" cap="flat" cmpd="sng">
             <a:solidFill>
               <a:schemeClr val="dk2"/>
             </a:solidFill>
             <a:prstDash val="solid"/>
             <a:round/>
-            <a:headEnd len="lg" w="lg" type="none"/>
-            <a:tailEnd len="lg" w="lg" type="stealth"/>
+            <a:headEnd type="none" w="lg" len="lg"/>
+            <a:tailEnd type="stealth" w="lg" len="lg"/>
           </a:ln>
         </p:spPr>
       </p:cxnSp>
@@ -10193,18 +10444,18 @@
           </a:xfrm>
           <a:prstGeom prst="curvedConnector3">
             <a:avLst>
-              <a:gd fmla="val 79069" name="adj1"/>
+              <a:gd name="adj1" fmla="val 79069"/>
             </a:avLst>
           </a:prstGeom>
           <a:noFill/>
-          <a:ln cap="flat" cmpd="sng" w="76200">
+          <a:ln w="76200" cap="flat" cmpd="sng">
             <a:solidFill>
               <a:schemeClr val="dk2"/>
             </a:solidFill>
             <a:prstDash val="solid"/>
             <a:round/>
-            <a:headEnd len="lg" w="lg" type="none"/>
-            <a:tailEnd len="lg" w="lg" type="stealth"/>
+            <a:headEnd type="none" w="lg" len="lg"/>
+            <a:tailEnd type="stealth" w="lg" len="lg"/>
           </a:ln>
         </p:spPr>
       </p:cxnSp>
@@ -10221,25 +10472,27 @@
           </a:xfrm>
           <a:prstGeom prst="curvedConnector3">
             <a:avLst>
-              <a:gd fmla="val 63245" name="adj1"/>
+              <a:gd name="adj1" fmla="val 63245"/>
             </a:avLst>
           </a:prstGeom>
           <a:noFill/>
-          <a:ln cap="flat" cmpd="sng" w="76200">
+          <a:ln w="76200" cap="flat" cmpd="sng">
             <a:solidFill>
               <a:schemeClr val="dk2"/>
             </a:solidFill>
             <a:prstDash val="solid"/>
             <a:round/>
-            <a:headEnd len="lg" w="lg" type="none"/>
-            <a:tailEnd len="lg" w="lg" type="stealth"/>
+            <a:headEnd type="none" w="lg" len="lg"/>
+            <a:tailEnd type="stealth" w="lg" len="lg"/>
           </a:ln>
         </p:spPr>
       </p:cxnSp>
       <p:sp>
         <p:nvSpPr>
           <p:cNvPr id="147" name="Shape 147"/>
-          <p:cNvSpPr txBox="1"/>
+          <p:cNvSpPr txBox="1">
+            <a:spLocks noGrp="1"/>
+          </p:cNvSpPr>
           <p:nvPr>
             <p:ph type="title"/>
           </p:nvPr>
@@ -10254,7 +10507,7 @@
           </a:prstGeom>
         </p:spPr>
         <p:txBody>
-          <a:bodyPr anchorCtr="0" anchor="b" bIns="91425" lIns="91425" rIns="91425" tIns="91425">
+          <a:bodyPr lIns="91425" tIns="91425" rIns="91425" bIns="91425" anchor="b" anchorCtr="0">
             <a:noAutofit/>
           </a:bodyPr>
           <a:lstStyle/>
@@ -10266,22 +10519,13 @@
               <a:buNone/>
             </a:pPr>
             <a:r>
-              <a:rPr lang="zh-TW">
+              <a:rPr lang="zh-TW" dirty="0">
                 <a:latin typeface="Arial"/>
                 <a:ea typeface="Arial"/>
                 <a:cs typeface="Arial"/>
                 <a:sym typeface="Arial"/>
               </a:rPr>
-              <a:t>Daylife ‘s </a:t>
-            </a:r>
-            <a:r>
-              <a:rPr lang="zh-TW">
-                <a:latin typeface="Arial"/>
-                <a:ea typeface="Arial"/>
-                <a:cs typeface="Arial"/>
-                <a:sym typeface="Arial"/>
-              </a:rPr>
-              <a:t>特點</a:t>
+              <a:t>Daylife ‘s 特點</a:t>
             </a:r>
           </a:p>
         </p:txBody>
@@ -10294,8 +10538,467 @@
 </p:sld>
 </file>
 
+<file path=ppt/slides/slide9.xml><?xml version="1.0" encoding="utf-8"?>
+<p:sld xmlns:a="http://schemas.openxmlformats.org/drawingml/2006/main" xmlns:r="http://schemas.openxmlformats.org/officeDocument/2006/relationships" xmlns:p="http://schemas.openxmlformats.org/presentationml/2006/main">
+  <p:cSld>
+    <p:spTree>
+      <p:nvGrpSpPr>
+        <p:cNvPr id="1" name=""/>
+        <p:cNvGrpSpPr/>
+        <p:nvPr/>
+      </p:nvGrpSpPr>
+      <p:grpSpPr>
+        <a:xfrm>
+          <a:off x="0" y="0"/>
+          <a:ext cx="0" cy="0"/>
+          <a:chOff x="0" y="0"/>
+          <a:chExt cx="0" cy="0"/>
+        </a:xfrm>
+      </p:grpSpPr>
+      <p:sp>
+        <p:nvSpPr>
+          <p:cNvPr id="2" name="標題 1"/>
+          <p:cNvSpPr>
+            <a:spLocks noGrp="1"/>
+          </p:cNvSpPr>
+          <p:nvPr>
+            <p:ph type="title"/>
+          </p:nvPr>
+        </p:nvSpPr>
+        <p:spPr/>
+        <p:txBody>
+          <a:bodyPr/>
+          <a:lstStyle/>
+          <a:p>
+            <a:r>
+              <a:rPr lang="zh-TW" altLang="en-US" dirty="0" smtClean="0">
+                <a:latin typeface="Arial"/>
+                <a:ea typeface="Arial"/>
+                <a:cs typeface="Arial"/>
+                <a:sym typeface="Arial"/>
+              </a:rPr>
+              <a:t>工作分配</a:t>
+            </a:r>
+            <a:endParaRPr lang="en-US" dirty="0"/>
+          </a:p>
+        </p:txBody>
+      </p:sp>
+      <p:sp>
+        <p:nvSpPr>
+          <p:cNvPr id="3" name="文字版面配置區 2"/>
+          <p:cNvSpPr>
+            <a:spLocks noGrp="1"/>
+          </p:cNvSpPr>
+          <p:nvPr>
+            <p:ph type="body" idx="1"/>
+          </p:nvPr>
+        </p:nvSpPr>
+        <p:spPr/>
+        <p:txBody>
+          <a:bodyPr/>
+          <a:lstStyle/>
+          <a:p>
+            <a:r>
+              <a:rPr lang="zh-TW" altLang="en-US" dirty="0" smtClean="0"/>
+              <a:t>馬佳誠 </a:t>
+            </a:r>
+            <a:r>
+              <a:rPr lang="zh-TW" altLang="en-US" dirty="0"/>
+              <a:t>組長，負責報告彙整及一切大小</a:t>
+            </a:r>
+            <a:r>
+              <a:rPr lang="zh-TW" altLang="en-US" dirty="0" smtClean="0"/>
+              <a:t>事務</a:t>
+            </a:r>
+            <a:endParaRPr lang="en-US" altLang="zh-TW" dirty="0" smtClean="0"/>
+          </a:p>
+          <a:p>
+            <a:r>
+              <a:rPr lang="zh-TW" altLang="en-US" dirty="0"/>
+              <a:t>劉昌衡</a:t>
+            </a:r>
+            <a:r>
+              <a:rPr lang="zh-TW" altLang="en-US" dirty="0" smtClean="0"/>
+              <a:t>，</a:t>
+            </a:r>
+            <a:r>
+              <a:rPr lang="zh-TW" altLang="en-US" dirty="0"/>
+              <a:t>負責前端</a:t>
+            </a:r>
+            <a:r>
+              <a:rPr lang="zh-TW" altLang="en-US" dirty="0" smtClean="0"/>
+              <a:t>設計</a:t>
+            </a:r>
+            <a:endParaRPr lang="en-US" altLang="zh-TW" dirty="0" smtClean="0"/>
+          </a:p>
+          <a:p>
+            <a:r>
+              <a:rPr lang="zh-TW" altLang="en-US" dirty="0" smtClean="0"/>
+              <a:t>黃德育，負責</a:t>
+            </a:r>
+            <a:r>
+              <a:rPr lang="zh-TW" altLang="en-US" dirty="0"/>
+              <a:t>後端</a:t>
+            </a:r>
+            <a:r>
+              <a:rPr lang="zh-TW" altLang="en-US" dirty="0" smtClean="0"/>
+              <a:t>資料處理</a:t>
+            </a:r>
+            <a:endParaRPr lang="en-US" altLang="zh-TW" dirty="0" smtClean="0"/>
+          </a:p>
+          <a:p>
+            <a:r>
+              <a:rPr lang="zh-TW" altLang="en-US" dirty="0"/>
+              <a:t>茅向</a:t>
+            </a:r>
+            <a:r>
+              <a:rPr lang="zh-TW" altLang="en-US" dirty="0" smtClean="0"/>
+              <a:t>安，</a:t>
+            </a:r>
+            <a:r>
+              <a:rPr lang="zh-TW" altLang="en-US" dirty="0"/>
+              <a:t>負責</a:t>
+            </a:r>
+            <a:r>
+              <a:rPr lang="en-US" dirty="0"/>
+              <a:t>App</a:t>
+            </a:r>
+            <a:r>
+              <a:rPr lang="zh-TW" altLang="en-US"/>
+              <a:t>開發</a:t>
+            </a:r>
+            <a:endParaRPr lang="en-US" altLang="zh-TW" dirty="0" smtClean="0"/>
+          </a:p>
+          <a:p>
+            <a:endParaRPr lang="en-US" altLang="zh-TW" dirty="0" smtClean="0"/>
+          </a:p>
+        </p:txBody>
+      </p:sp>
+      <p:sp>
+        <p:nvSpPr>
+          <p:cNvPr id="4" name="投影片編號版面配置區 3"/>
+          <p:cNvSpPr>
+            <a:spLocks noGrp="1"/>
+          </p:cNvSpPr>
+          <p:nvPr>
+            <p:ph type="sldNum" idx="12"/>
+          </p:nvPr>
+        </p:nvSpPr>
+        <p:spPr/>
+        <p:txBody>
+          <a:bodyPr/>
+          <a:lstStyle/>
+          <a:p>
+            <a:pPr lvl="0">
+              <a:spcBef>
+                <a:spcPts val="0"/>
+              </a:spcBef>
+              <a:buNone/>
+            </a:pPr>
+            <a:fld id="{00000000-1234-1234-1234-123412341234}" type="slidenum">
+              <a:rPr lang="en-US" altLang="zh-TW" smtClean="0"/>
+              <a:t>9</a:t>
+            </a:fld>
+            <a:endParaRPr lang="zh-TW"/>
+          </a:p>
+        </p:txBody>
+      </p:sp>
+    </p:spTree>
+    <p:extLst>
+      <p:ext uri="{BB962C8B-B14F-4D97-AF65-F5344CB8AC3E}">
+        <p14:creationId xmlns:p14="http://schemas.microsoft.com/office/powerpoint/2010/main" val="960323685"/>
+      </p:ext>
+    </p:extLst>
+  </p:cSld>
+  <p:clrMapOvr>
+    <a:masterClrMapping/>
+  </p:clrMapOvr>
+</p:sld>
+</file>
+
 <file path=ppt/theme/theme1.xml><?xml version="1.0" encoding="utf-8"?>
-<a:theme xmlns:a="http://schemas.openxmlformats.org/drawingml/2006/main" xmlns:r="http://schemas.openxmlformats.org/officeDocument/2006/relationships" name="Custom Theme">
+<a:theme xmlns:a="http://schemas.openxmlformats.org/drawingml/2006/main" name="Cordelia template">
+  <a:themeElements>
+    <a:clrScheme name="Custom 347">
+      <a:dk1>
+        <a:srgbClr val="000000"/>
+      </a:dk1>
+      <a:lt1>
+        <a:srgbClr val="FFFFFF"/>
+      </a:lt1>
+      <a:dk2>
+        <a:srgbClr val="666666"/>
+      </a:dk2>
+      <a:lt2>
+        <a:srgbClr val="CCCCCC"/>
+      </a:lt2>
+      <a:accent1>
+        <a:srgbClr val="3A81BA"/>
+      </a:accent1>
+      <a:accent2>
+        <a:srgbClr val="D89F39"/>
+      </a:accent2>
+      <a:accent3>
+        <a:srgbClr val="8BAB42"/>
+      </a:accent3>
+      <a:accent4>
+        <a:srgbClr val="57A7B5"/>
+      </a:accent4>
+      <a:accent5>
+        <a:srgbClr val="8B81D2"/>
+      </a:accent5>
+      <a:accent6>
+        <a:srgbClr val="963334"/>
+      </a:accent6>
+      <a:hlink>
+        <a:srgbClr val="1155CC"/>
+      </a:hlink>
+      <a:folHlink>
+        <a:srgbClr val="6611CC"/>
+      </a:folHlink>
+    </a:clrScheme>
+    <a:fontScheme name="Office">
+      <a:majorFont>
+        <a:latin typeface="Arial"/>
+        <a:ea typeface=""/>
+        <a:cs typeface=""/>
+        <a:font script="Jpan" typeface="ＭＳ Ｐゴシック"/>
+        <a:font script="Hang" typeface="맑은 고딕"/>
+        <a:font script="Hans" typeface="宋体"/>
+        <a:font script="Hant" typeface="新細明體"/>
+        <a:font script="Arab" typeface="Times New Roman"/>
+        <a:font script="Hebr" typeface="Times New Roman"/>
+        <a:font script="Thai" typeface="Angsana New"/>
+        <a:font script="Ethi" typeface="Nyala"/>
+        <a:font script="Beng" typeface="Vrinda"/>
+        <a:font script="Gujr" typeface="Shruti"/>
+        <a:font script="Khmr" typeface="MoolBoran"/>
+        <a:font script="Knda" typeface="Tunga"/>
+        <a:font script="Guru" typeface="Raavi"/>
+        <a:font script="Cans" typeface="Euphemia"/>
+        <a:font script="Cher" typeface="Plantagenet Cherokee"/>
+        <a:font script="Yiii" typeface="Microsoft Yi Baiti"/>
+        <a:font script="Tibt" typeface="Microsoft Himalaya"/>
+        <a:font script="Thaa" typeface="MV Boli"/>
+        <a:font script="Deva" typeface="Mangal"/>
+        <a:font script="Telu" typeface="Gautami"/>
+        <a:font script="Taml" typeface="Latha"/>
+        <a:font script="Syrc" typeface="Estrangelo Edessa"/>
+        <a:font script="Orya" typeface="Kalinga"/>
+        <a:font script="Mlym" typeface="Kartika"/>
+        <a:font script="Laoo" typeface="DokChampa"/>
+        <a:font script="Sinh" typeface="Iskoola Pota"/>
+        <a:font script="Mong" typeface="Mongolian Baiti"/>
+        <a:font script="Viet" typeface="Times New Roman"/>
+        <a:font script="Uigh" typeface="Microsoft Uighur"/>
+        <a:font script="Geor" typeface="Sylfaen"/>
+      </a:majorFont>
+      <a:minorFont>
+        <a:latin typeface="Arial"/>
+        <a:ea typeface=""/>
+        <a:cs typeface=""/>
+        <a:font script="Jpan" typeface="ＭＳ Ｐゴシック"/>
+        <a:font script="Hang" typeface="맑은 고딕"/>
+        <a:font script="Hans" typeface="宋体"/>
+        <a:font script="Hant" typeface="新細明體"/>
+        <a:font script="Arab" typeface="Arial"/>
+        <a:font script="Hebr" typeface="Arial"/>
+        <a:font script="Thai" typeface="Cordia New"/>
+        <a:font script="Ethi" typeface="Nyala"/>
+        <a:font script="Beng" typeface="Vrinda"/>
+        <a:font script="Gujr" typeface="Shruti"/>
+        <a:font script="Khmr" typeface="DaunPenh"/>
+        <a:font script="Knda" typeface="Tunga"/>
+        <a:font script="Guru" typeface="Raavi"/>
+        <a:font script="Cans" typeface="Euphemia"/>
+        <a:font script="Cher" typeface="Plantagenet Cherokee"/>
+        <a:font script="Yiii" typeface="Microsoft Yi Baiti"/>
+        <a:font script="Tibt" typeface="Microsoft Himalaya"/>
+        <a:font script="Thaa" typeface="MV Boli"/>
+        <a:font script="Deva" typeface="Mangal"/>
+        <a:font script="Telu" typeface="Gautami"/>
+        <a:font script="Taml" typeface="Latha"/>
+        <a:font script="Syrc" typeface="Estrangelo Edessa"/>
+        <a:font script="Orya" typeface="Kalinga"/>
+        <a:font script="Mlym" typeface="Kartika"/>
+        <a:font script="Laoo" typeface="DokChampa"/>
+        <a:font script="Sinh" typeface="Iskoola Pota"/>
+        <a:font script="Mong" typeface="Mongolian Baiti"/>
+        <a:font script="Viet" typeface="Arial"/>
+        <a:font script="Uigh" typeface="Microsoft Uighur"/>
+        <a:font script="Geor" typeface="Sylfaen"/>
+      </a:minorFont>
+    </a:fontScheme>
+    <a:fmtScheme name="Office">
+      <a:fillStyleLst>
+        <a:solidFill>
+          <a:schemeClr val="phClr"/>
+        </a:solidFill>
+        <a:gradFill rotWithShape="1">
+          <a:gsLst>
+            <a:gs pos="0">
+              <a:schemeClr val="phClr">
+                <a:tint val="50000"/>
+                <a:satMod val="300000"/>
+              </a:schemeClr>
+            </a:gs>
+            <a:gs pos="35000">
+              <a:schemeClr val="phClr">
+                <a:tint val="37000"/>
+                <a:satMod val="300000"/>
+              </a:schemeClr>
+            </a:gs>
+            <a:gs pos="100000">
+              <a:schemeClr val="phClr">
+                <a:tint val="15000"/>
+                <a:satMod val="350000"/>
+              </a:schemeClr>
+            </a:gs>
+          </a:gsLst>
+          <a:lin ang="16200000" scaled="1"/>
+        </a:gradFill>
+        <a:gradFill rotWithShape="1">
+          <a:gsLst>
+            <a:gs pos="0">
+              <a:schemeClr val="phClr">
+                <a:tint val="100000"/>
+                <a:shade val="100000"/>
+                <a:satMod val="130000"/>
+              </a:schemeClr>
+            </a:gs>
+            <a:gs pos="100000">
+              <a:schemeClr val="phClr">
+                <a:tint val="50000"/>
+                <a:shade val="100000"/>
+                <a:satMod val="350000"/>
+              </a:schemeClr>
+            </a:gs>
+          </a:gsLst>
+          <a:lin ang="16200000" scaled="0"/>
+        </a:gradFill>
+      </a:fillStyleLst>
+      <a:lnStyleLst>
+        <a:ln w="9525" cap="flat" cmpd="sng" algn="ctr">
+          <a:solidFill>
+            <a:schemeClr val="phClr">
+              <a:shade val="95000"/>
+              <a:satMod val="105000"/>
+            </a:schemeClr>
+          </a:solidFill>
+          <a:prstDash val="solid"/>
+        </a:ln>
+        <a:ln w="25400" cap="flat" cmpd="sng" algn="ctr">
+          <a:solidFill>
+            <a:schemeClr val="phClr"/>
+          </a:solidFill>
+          <a:prstDash val="solid"/>
+        </a:ln>
+        <a:ln w="38100" cap="flat" cmpd="sng" algn="ctr">
+          <a:solidFill>
+            <a:schemeClr val="phClr"/>
+          </a:solidFill>
+          <a:prstDash val="solid"/>
+        </a:ln>
+      </a:lnStyleLst>
+      <a:effectStyleLst>
+        <a:effectStyle>
+          <a:effectLst>
+            <a:outerShdw blurRad="40000" dist="20000" dir="5400000" rotWithShape="0">
+              <a:srgbClr val="000000">
+                <a:alpha val="38000"/>
+              </a:srgbClr>
+            </a:outerShdw>
+          </a:effectLst>
+        </a:effectStyle>
+        <a:effectStyle>
+          <a:effectLst>
+            <a:outerShdw blurRad="40000" dist="23000" dir="5400000" rotWithShape="0">
+              <a:srgbClr val="000000">
+                <a:alpha val="35000"/>
+              </a:srgbClr>
+            </a:outerShdw>
+          </a:effectLst>
+        </a:effectStyle>
+        <a:effectStyle>
+          <a:effectLst>
+            <a:outerShdw blurRad="40000" dist="23000" dir="5400000" rotWithShape="0">
+              <a:srgbClr val="000000">
+                <a:alpha val="35000"/>
+              </a:srgbClr>
+            </a:outerShdw>
+          </a:effectLst>
+          <a:scene3d>
+            <a:camera prst="orthographicFront">
+              <a:rot lat="0" lon="0" rev="0"/>
+            </a:camera>
+            <a:lightRig rig="threePt" dir="t">
+              <a:rot lat="0" lon="0" rev="1200000"/>
+            </a:lightRig>
+          </a:scene3d>
+          <a:sp3d>
+            <a:bevelT w="63500" h="25400"/>
+          </a:sp3d>
+        </a:effectStyle>
+      </a:effectStyleLst>
+      <a:bgFillStyleLst>
+        <a:solidFill>
+          <a:schemeClr val="phClr"/>
+        </a:solidFill>
+        <a:gradFill rotWithShape="1">
+          <a:gsLst>
+            <a:gs pos="0">
+              <a:schemeClr val="phClr">
+                <a:tint val="40000"/>
+                <a:satMod val="350000"/>
+              </a:schemeClr>
+            </a:gs>
+            <a:gs pos="40000">
+              <a:schemeClr val="phClr">
+                <a:tint val="45000"/>
+                <a:shade val="99000"/>
+                <a:satMod val="350000"/>
+              </a:schemeClr>
+            </a:gs>
+            <a:gs pos="100000">
+              <a:schemeClr val="phClr">
+                <a:shade val="20000"/>
+                <a:satMod val="255000"/>
+              </a:schemeClr>
+            </a:gs>
+          </a:gsLst>
+          <a:path path="circle">
+            <a:fillToRect l="50000" t="-80000" r="50000" b="180000"/>
+          </a:path>
+        </a:gradFill>
+        <a:gradFill rotWithShape="1">
+          <a:gsLst>
+            <a:gs pos="0">
+              <a:schemeClr val="phClr">
+                <a:tint val="80000"/>
+                <a:satMod val="300000"/>
+              </a:schemeClr>
+            </a:gs>
+            <a:gs pos="100000">
+              <a:schemeClr val="phClr">
+                <a:shade val="30000"/>
+                <a:satMod val="200000"/>
+              </a:schemeClr>
+            </a:gs>
+          </a:gsLst>
+          <a:path path="circle">
+            <a:fillToRect l="50000" t="50000" r="50000" b="50000"/>
+          </a:path>
+        </a:gradFill>
+      </a:bgFillStyleLst>
+    </a:fmtScheme>
+  </a:themeElements>
+  <a:objectDefaults/>
+  <a:extraClrSchemeLst/>
+</a:theme>
+</file>
+
+<file path=ppt/theme/theme2.xml><?xml version="1.0" encoding="utf-8"?>
+<a:theme xmlns:a="http://schemas.openxmlformats.org/drawingml/2006/main" name="Custom Theme">
   <a:themeElements>
     <a:clrScheme name="Default">
       <a:dk1>
@@ -10570,284 +11273,7 @@
       </a:bgFillStyleLst>
     </a:fmtScheme>
   </a:themeElements>
-</a:theme>
-</file>
-
-<file path=ppt/theme/theme2.xml><?xml version="1.0" encoding="utf-8"?>
-<a:theme xmlns:a="http://schemas.openxmlformats.org/drawingml/2006/main" xmlns:r="http://schemas.openxmlformats.org/officeDocument/2006/relationships" name="Cordelia template">
-  <a:themeElements>
-    <a:clrScheme name="Custom 347">
-      <a:dk1>
-        <a:srgbClr val="000000"/>
-      </a:dk1>
-      <a:lt1>
-        <a:srgbClr val="FFFFFF"/>
-      </a:lt1>
-      <a:dk2>
-        <a:srgbClr val="666666"/>
-      </a:dk2>
-      <a:lt2>
-        <a:srgbClr val="CCCCCC"/>
-      </a:lt2>
-      <a:accent1>
-        <a:srgbClr val="3A81BA"/>
-      </a:accent1>
-      <a:accent2>
-        <a:srgbClr val="D89F39"/>
-      </a:accent2>
-      <a:accent3>
-        <a:srgbClr val="8BAB42"/>
-      </a:accent3>
-      <a:accent4>
-        <a:srgbClr val="57A7B5"/>
-      </a:accent4>
-      <a:accent5>
-        <a:srgbClr val="8B81D2"/>
-      </a:accent5>
-      <a:accent6>
-        <a:srgbClr val="963334"/>
-      </a:accent6>
-      <a:hlink>
-        <a:srgbClr val="1155CC"/>
-      </a:hlink>
-      <a:folHlink>
-        <a:srgbClr val="6611CC"/>
-      </a:folHlink>
-    </a:clrScheme>
-    <a:fontScheme name="Office">
-      <a:majorFont>
-        <a:latin typeface="Arial"/>
-        <a:ea typeface=""/>
-        <a:cs typeface=""/>
-        <a:font script="Jpan" typeface="ＭＳ Ｐゴシック"/>
-        <a:font script="Hang" typeface="맑은 고딕"/>
-        <a:font script="Hans" typeface="宋体"/>
-        <a:font script="Hant" typeface="新細明體"/>
-        <a:font script="Arab" typeface="Times New Roman"/>
-        <a:font script="Hebr" typeface="Times New Roman"/>
-        <a:font script="Thai" typeface="Angsana New"/>
-        <a:font script="Ethi" typeface="Nyala"/>
-        <a:font script="Beng" typeface="Vrinda"/>
-        <a:font script="Gujr" typeface="Shruti"/>
-        <a:font script="Khmr" typeface="MoolBoran"/>
-        <a:font script="Knda" typeface="Tunga"/>
-        <a:font script="Guru" typeface="Raavi"/>
-        <a:font script="Cans" typeface="Euphemia"/>
-        <a:font script="Cher" typeface="Plantagenet Cherokee"/>
-        <a:font script="Yiii" typeface="Microsoft Yi Baiti"/>
-        <a:font script="Tibt" typeface="Microsoft Himalaya"/>
-        <a:font script="Thaa" typeface="MV Boli"/>
-        <a:font script="Deva" typeface="Mangal"/>
-        <a:font script="Telu" typeface="Gautami"/>
-        <a:font script="Taml" typeface="Latha"/>
-        <a:font script="Syrc" typeface="Estrangelo Edessa"/>
-        <a:font script="Orya" typeface="Kalinga"/>
-        <a:font script="Mlym" typeface="Kartika"/>
-        <a:font script="Laoo" typeface="DokChampa"/>
-        <a:font script="Sinh" typeface="Iskoola Pota"/>
-        <a:font script="Mong" typeface="Mongolian Baiti"/>
-        <a:font script="Viet" typeface="Times New Roman"/>
-        <a:font script="Uigh" typeface="Microsoft Uighur"/>
-        <a:font script="Geor" typeface="Sylfaen"/>
-      </a:majorFont>
-      <a:minorFont>
-        <a:latin typeface="Arial"/>
-        <a:ea typeface=""/>
-        <a:cs typeface=""/>
-        <a:font script="Jpan" typeface="ＭＳ Ｐゴシック"/>
-        <a:font script="Hang" typeface="맑은 고딕"/>
-        <a:font script="Hans" typeface="宋体"/>
-        <a:font script="Hant" typeface="新細明體"/>
-        <a:font script="Arab" typeface="Arial"/>
-        <a:font script="Hebr" typeface="Arial"/>
-        <a:font script="Thai" typeface="Cordia New"/>
-        <a:font script="Ethi" typeface="Nyala"/>
-        <a:font script="Beng" typeface="Vrinda"/>
-        <a:font script="Gujr" typeface="Shruti"/>
-        <a:font script="Khmr" typeface="DaunPenh"/>
-        <a:font script="Knda" typeface="Tunga"/>
-        <a:font script="Guru" typeface="Raavi"/>
-        <a:font script="Cans" typeface="Euphemia"/>
-        <a:font script="Cher" typeface="Plantagenet Cherokee"/>
-        <a:font script="Yiii" typeface="Microsoft Yi Baiti"/>
-        <a:font script="Tibt" typeface="Microsoft Himalaya"/>
-        <a:font script="Thaa" typeface="MV Boli"/>
-        <a:font script="Deva" typeface="Mangal"/>
-        <a:font script="Telu" typeface="Gautami"/>
-        <a:font script="Taml" typeface="Latha"/>
-        <a:font script="Syrc" typeface="Estrangelo Edessa"/>
-        <a:font script="Orya" typeface="Kalinga"/>
-        <a:font script="Mlym" typeface="Kartika"/>
-        <a:font script="Laoo" typeface="DokChampa"/>
-        <a:font script="Sinh" typeface="Iskoola Pota"/>
-        <a:font script="Mong" typeface="Mongolian Baiti"/>
-        <a:font script="Viet" typeface="Arial"/>
-        <a:font script="Uigh" typeface="Microsoft Uighur"/>
-        <a:font script="Geor" typeface="Sylfaen"/>
-      </a:minorFont>
-    </a:fontScheme>
-    <a:fmtScheme name="Office">
-      <a:fillStyleLst>
-        <a:solidFill>
-          <a:schemeClr val="phClr"/>
-        </a:solidFill>
-        <a:gradFill rotWithShape="1">
-          <a:gsLst>
-            <a:gs pos="0">
-              <a:schemeClr val="phClr">
-                <a:tint val="50000"/>
-                <a:satMod val="300000"/>
-              </a:schemeClr>
-            </a:gs>
-            <a:gs pos="35000">
-              <a:schemeClr val="phClr">
-                <a:tint val="37000"/>
-                <a:satMod val="300000"/>
-              </a:schemeClr>
-            </a:gs>
-            <a:gs pos="100000">
-              <a:schemeClr val="phClr">
-                <a:tint val="15000"/>
-                <a:satMod val="350000"/>
-              </a:schemeClr>
-            </a:gs>
-          </a:gsLst>
-          <a:lin ang="16200000" scaled="1"/>
-        </a:gradFill>
-        <a:gradFill rotWithShape="1">
-          <a:gsLst>
-            <a:gs pos="0">
-              <a:schemeClr val="phClr">
-                <a:tint val="100000"/>
-                <a:shade val="100000"/>
-                <a:satMod val="130000"/>
-              </a:schemeClr>
-            </a:gs>
-            <a:gs pos="100000">
-              <a:schemeClr val="phClr">
-                <a:tint val="50000"/>
-                <a:shade val="100000"/>
-                <a:satMod val="350000"/>
-              </a:schemeClr>
-            </a:gs>
-          </a:gsLst>
-          <a:lin ang="16200000" scaled="0"/>
-        </a:gradFill>
-      </a:fillStyleLst>
-      <a:lnStyleLst>
-        <a:ln w="9525" cap="flat" cmpd="sng" algn="ctr">
-          <a:solidFill>
-            <a:schemeClr val="phClr">
-              <a:shade val="95000"/>
-              <a:satMod val="105000"/>
-            </a:schemeClr>
-          </a:solidFill>
-          <a:prstDash val="solid"/>
-        </a:ln>
-        <a:ln w="25400" cap="flat" cmpd="sng" algn="ctr">
-          <a:solidFill>
-            <a:schemeClr val="phClr"/>
-          </a:solidFill>
-          <a:prstDash val="solid"/>
-        </a:ln>
-        <a:ln w="38100" cap="flat" cmpd="sng" algn="ctr">
-          <a:solidFill>
-            <a:schemeClr val="phClr"/>
-          </a:solidFill>
-          <a:prstDash val="solid"/>
-        </a:ln>
-      </a:lnStyleLst>
-      <a:effectStyleLst>
-        <a:effectStyle>
-          <a:effectLst>
-            <a:outerShdw blurRad="40000" dist="20000" dir="5400000" rotWithShape="0">
-              <a:srgbClr val="000000">
-                <a:alpha val="38000"/>
-              </a:srgbClr>
-            </a:outerShdw>
-          </a:effectLst>
-        </a:effectStyle>
-        <a:effectStyle>
-          <a:effectLst>
-            <a:outerShdw blurRad="40000" dist="23000" dir="5400000" rotWithShape="0">
-              <a:srgbClr val="000000">
-                <a:alpha val="35000"/>
-              </a:srgbClr>
-            </a:outerShdw>
-          </a:effectLst>
-        </a:effectStyle>
-        <a:effectStyle>
-          <a:effectLst>
-            <a:outerShdw blurRad="40000" dist="23000" dir="5400000" rotWithShape="0">
-              <a:srgbClr val="000000">
-                <a:alpha val="35000"/>
-              </a:srgbClr>
-            </a:outerShdw>
-          </a:effectLst>
-          <a:scene3d>
-            <a:camera prst="orthographicFront">
-              <a:rot lat="0" lon="0" rev="0"/>
-            </a:camera>
-            <a:lightRig rig="threePt" dir="t">
-              <a:rot lat="0" lon="0" rev="1200000"/>
-            </a:lightRig>
-          </a:scene3d>
-          <a:sp3d>
-            <a:bevelT w="63500" h="25400"/>
-          </a:sp3d>
-        </a:effectStyle>
-      </a:effectStyleLst>
-      <a:bgFillStyleLst>
-        <a:solidFill>
-          <a:schemeClr val="phClr"/>
-        </a:solidFill>
-        <a:gradFill rotWithShape="1">
-          <a:gsLst>
-            <a:gs pos="0">
-              <a:schemeClr val="phClr">
-                <a:tint val="40000"/>
-                <a:satMod val="350000"/>
-              </a:schemeClr>
-            </a:gs>
-            <a:gs pos="40000">
-              <a:schemeClr val="phClr">
-                <a:tint val="45000"/>
-                <a:shade val="99000"/>
-                <a:satMod val="350000"/>
-              </a:schemeClr>
-            </a:gs>
-            <a:gs pos="100000">
-              <a:schemeClr val="phClr">
-                <a:shade val="20000"/>
-                <a:satMod val="255000"/>
-              </a:schemeClr>
-            </a:gs>
-          </a:gsLst>
-          <a:path path="circle">
-            <a:fillToRect l="50000" t="-80000" r="50000" b="180000"/>
-          </a:path>
-        </a:gradFill>
-        <a:gradFill rotWithShape="1">
-          <a:gsLst>
-            <a:gs pos="0">
-              <a:schemeClr val="phClr">
-                <a:tint val="80000"/>
-                <a:satMod val="300000"/>
-              </a:schemeClr>
-            </a:gs>
-            <a:gs pos="100000">
-              <a:schemeClr val="phClr">
-                <a:shade val="30000"/>
-                <a:satMod val="200000"/>
-              </a:schemeClr>
-            </a:gs>
-          </a:gsLst>
-          <a:path path="circle">
-            <a:fillToRect l="50000" t="50000" r="50000" b="50000"/>
-          </a:path>
-        </a:gradFill>
-      </a:bgFillStyleLst>
-    </a:fmtScheme>
-  </a:themeElements>
+  <a:objectDefaults/>
+  <a:extraClrSchemeLst/>
 </a:theme>
 </file>